--- a/Project 1 Presentation File.pptx
+++ b/Project 1 Presentation File.pptx
@@ -2,7 +2,7 @@
 <file path=ppt/presentation.xml><?xml version="1.0" encoding="utf-8"?>
 <p:presentation xmlns:a="http://schemas.openxmlformats.org/drawingml/2006/main" xmlns:r="http://schemas.openxmlformats.org/officeDocument/2006/relationships" xmlns:p="http://schemas.openxmlformats.org/presentationml/2006/main" removePersonalInfoOnSave="1" saveSubsetFonts="1" autoCompressPictures="0">
   <p:sldMasterIdLst>
-    <p:sldMasterId id="2147483648" r:id="rId4"/>
+    <p:sldMasterId id="2147483666" r:id="rId4"/>
   </p:sldMasterIdLst>
   <p:notesMasterIdLst>
     <p:notesMasterId r:id="rId18"/>
@@ -233,7 +233,7 @@
           <a:p>
             <a:fld id="{E4C3FCC2-4E7A-4671-AA79-177CB194E449}" type="datetimeFigureOut">
               <a:rPr lang="en-US" smtClean="0"/>
-              <a:t>4/17/2020</a:t>
+              <a:t>9/3/2020</a:t>
             </a:fld>
             <a:endParaRPr lang="en-US"/>
           </a:p>
@@ -586,7 +586,7 @@
 </file>
 
 <file path=ppt/slideLayouts/slideLayout1.xml><?xml version="1.0" encoding="utf-8"?>
-<p:sldLayout xmlns:a="http://schemas.openxmlformats.org/drawingml/2006/main" xmlns:r="http://schemas.openxmlformats.org/officeDocument/2006/relationships" xmlns:p="http://schemas.openxmlformats.org/presentationml/2006/main" showMasterSp="0" type="title" preserve="1">
+<p:sldLayout xmlns:a="http://schemas.openxmlformats.org/drawingml/2006/main" xmlns:r="http://schemas.openxmlformats.org/officeDocument/2006/relationships" xmlns:p="http://schemas.openxmlformats.org/presentationml/2006/main" type="title" preserve="1">
   <p:cSld name="Title Slide">
     <p:spTree>
       <p:nvGrpSpPr>
@@ -604,10 +604,200 @@
       </p:grpSpPr>
       <p:sp>
         <p:nvSpPr>
+          <p:cNvPr id="2" name="Title 1">
+            <a:extLst>
+              <a:ext uri="{FF2B5EF4-FFF2-40B4-BE49-F238E27FC236}">
+                <a16:creationId xmlns:a16="http://schemas.microsoft.com/office/drawing/2014/main" id="{2C8CCE5A-3A03-4BFB-9247-6DC4328EE22C}"/>
+              </a:ext>
+            </a:extLst>
+          </p:cNvPr>
+          <p:cNvSpPr>
+            <a:spLocks noGrp="1"/>
+          </p:cNvSpPr>
+          <p:nvPr>
+            <p:ph type="ctrTitle"/>
+          </p:nvPr>
+        </p:nvSpPr>
+        <p:spPr>
+          <a:xfrm>
+            <a:off x="1524000" y="1122363"/>
+            <a:ext cx="9144000" cy="2387600"/>
+          </a:xfrm>
+        </p:spPr>
+        <p:txBody>
+          <a:bodyPr anchor="b"/>
+          <a:lstStyle>
+            <a:lvl1pPr algn="ctr">
+              <a:defRPr sz="6000"/>
+            </a:lvl1pPr>
+          </a:lstStyle>
+          <a:p>
+            <a:r>
+              <a:rPr lang="en-US"/>
+              <a:t>Click to edit Master title style</a:t>
+            </a:r>
+          </a:p>
+        </p:txBody>
+      </p:sp>
+      <p:sp>
+        <p:nvSpPr>
+          <p:cNvPr id="3" name="Subtitle 2">
+            <a:extLst>
+              <a:ext uri="{FF2B5EF4-FFF2-40B4-BE49-F238E27FC236}">
+                <a16:creationId xmlns:a16="http://schemas.microsoft.com/office/drawing/2014/main" id="{E9ECFC30-90B1-4F95-B1E9-EE8493228F07}"/>
+              </a:ext>
+            </a:extLst>
+          </p:cNvPr>
+          <p:cNvSpPr>
+            <a:spLocks noGrp="1"/>
+          </p:cNvSpPr>
+          <p:nvPr>
+            <p:ph type="subTitle" idx="1"/>
+          </p:nvPr>
+        </p:nvSpPr>
+        <p:spPr>
+          <a:xfrm>
+            <a:off x="1524000" y="3602038"/>
+            <a:ext cx="9144000" cy="1655762"/>
+          </a:xfrm>
+        </p:spPr>
+        <p:txBody>
+          <a:bodyPr/>
+          <a:lstStyle>
+            <a:lvl1pPr marL="0" indent="0" algn="ctr">
+              <a:buNone/>
+              <a:defRPr sz="2400"/>
+            </a:lvl1pPr>
+            <a:lvl2pPr marL="457200" indent="0" algn="ctr">
+              <a:buNone/>
+              <a:defRPr sz="2000"/>
+            </a:lvl2pPr>
+            <a:lvl3pPr marL="914400" indent="0" algn="ctr">
+              <a:buNone/>
+              <a:defRPr sz="1800"/>
+            </a:lvl3pPr>
+            <a:lvl4pPr marL="1371600" indent="0" algn="ctr">
+              <a:buNone/>
+              <a:defRPr sz="1600"/>
+            </a:lvl4pPr>
+            <a:lvl5pPr marL="1828800" indent="0" algn="ctr">
+              <a:buNone/>
+              <a:defRPr sz="1600"/>
+            </a:lvl5pPr>
+            <a:lvl6pPr marL="2286000" indent="0" algn="ctr">
+              <a:buNone/>
+              <a:defRPr sz="1600"/>
+            </a:lvl6pPr>
+            <a:lvl7pPr marL="2743200" indent="0" algn="ctr">
+              <a:buNone/>
+              <a:defRPr sz="1600"/>
+            </a:lvl7pPr>
+            <a:lvl8pPr marL="3200400" indent="0" algn="ctr">
+              <a:buNone/>
+              <a:defRPr sz="1600"/>
+            </a:lvl8pPr>
+            <a:lvl9pPr marL="3657600" indent="0" algn="ctr">
+              <a:buNone/>
+              <a:defRPr sz="1600"/>
+            </a:lvl9pPr>
+          </a:lstStyle>
+          <a:p>
+            <a:r>
+              <a:rPr lang="en-US"/>
+              <a:t>Click to edit Master subtitle style</a:t>
+            </a:r>
+          </a:p>
+        </p:txBody>
+      </p:sp>
+      <p:sp>
+        <p:nvSpPr>
+          <p:cNvPr id="4" name="Date Placeholder 3">
+            <a:extLst>
+              <a:ext uri="{FF2B5EF4-FFF2-40B4-BE49-F238E27FC236}">
+                <a16:creationId xmlns:a16="http://schemas.microsoft.com/office/drawing/2014/main" id="{BFFA0328-84DB-465D-BDB4-306AB33789B5}"/>
+              </a:ext>
+            </a:extLst>
+          </p:cNvPr>
+          <p:cNvSpPr>
+            <a:spLocks noGrp="1"/>
+          </p:cNvSpPr>
+          <p:nvPr>
+            <p:ph type="dt" sz="half" idx="10"/>
+          </p:nvPr>
+        </p:nvSpPr>
+        <p:spPr/>
+        <p:txBody>
+          <a:bodyPr/>
+          <a:lstStyle/>
+          <a:p>
+            <a:fld id="{10305AF2-6757-43B7-B945-2F5134D16E39}" type="datetimeFigureOut">
+              <a:rPr lang="en-US" smtClean="0"/>
+              <a:t>9/3/2020</a:t>
+            </a:fld>
+            <a:endParaRPr lang="en-US"/>
+          </a:p>
+        </p:txBody>
+      </p:sp>
+      <p:sp>
+        <p:nvSpPr>
+          <p:cNvPr id="5" name="Footer Placeholder 4">
+            <a:extLst>
+              <a:ext uri="{FF2B5EF4-FFF2-40B4-BE49-F238E27FC236}">
+                <a16:creationId xmlns:a16="http://schemas.microsoft.com/office/drawing/2014/main" id="{43ADB6FD-DD40-47AD-B990-4CA995E0791F}"/>
+              </a:ext>
+            </a:extLst>
+          </p:cNvPr>
+          <p:cNvSpPr>
+            <a:spLocks noGrp="1"/>
+          </p:cNvSpPr>
+          <p:nvPr>
+            <p:ph type="ftr" sz="quarter" idx="11"/>
+          </p:nvPr>
+        </p:nvSpPr>
+        <p:spPr/>
+        <p:txBody>
+          <a:bodyPr/>
+          <a:lstStyle/>
+          <a:p>
+            <a:endParaRPr lang="en-US"/>
+          </a:p>
+        </p:txBody>
+      </p:sp>
+      <p:sp>
+        <p:nvSpPr>
+          <p:cNvPr id="6" name="Slide Number Placeholder 5">
+            <a:extLst>
+              <a:ext uri="{FF2B5EF4-FFF2-40B4-BE49-F238E27FC236}">
+                <a16:creationId xmlns:a16="http://schemas.microsoft.com/office/drawing/2014/main" id="{7D429E62-DC6E-4A57-A346-FACE05976FBD}"/>
+              </a:ext>
+            </a:extLst>
+          </p:cNvPr>
+          <p:cNvSpPr>
+            <a:spLocks noGrp="1"/>
+          </p:cNvSpPr>
+          <p:nvPr>
+            <p:ph type="sldNum" sz="quarter" idx="12"/>
+          </p:nvPr>
+        </p:nvSpPr>
+        <p:spPr/>
+        <p:txBody>
+          <a:bodyPr/>
+          <a:lstStyle/>
+          <a:p>
+            <a:fld id="{9D69DCEB-D541-4495-8FE4-676860CBDF15}" type="slidenum">
+              <a:rPr lang="en-US" smtClean="0"/>
+              <a:t>‹#›</a:t>
+            </a:fld>
+            <a:endParaRPr lang="en-US"/>
+          </a:p>
+        </p:txBody>
+      </p:sp>
+      <p:sp>
+        <p:nvSpPr>
           <p:cNvPr id="7" name="Rectangle 6">
             <a:extLst>
               <a:ext uri="{FF2B5EF4-FFF2-40B4-BE49-F238E27FC236}">
-                <a16:creationId xmlns:a16="http://schemas.microsoft.com/office/drawing/2014/main" id="{33238323-0ADF-4328-9564-AEB5DFD80DB6}"/>
+                <a16:creationId xmlns:a16="http://schemas.microsoft.com/office/drawing/2014/main" id="{2B551031-5C4C-4458-BBB6-354E9BC9C002}"/>
               </a:ext>
             </a:extLst>
           </p:cNvPr>
@@ -654,114 +844,12 @@
           </a:p>
         </p:txBody>
       </p:sp>
-      <p:sp>
-        <p:nvSpPr>
-          <p:cNvPr id="2" name="Title 1">
-            <a:extLst>
-              <a:ext uri="{FF2B5EF4-FFF2-40B4-BE49-F238E27FC236}">
-                <a16:creationId xmlns:a16="http://schemas.microsoft.com/office/drawing/2014/main" id="{EB776FAE-C8F8-44A1-8BC7-9EB948371459}"/>
-              </a:ext>
-            </a:extLst>
-          </p:cNvPr>
-          <p:cNvSpPr>
-            <a:spLocks noGrp="1"/>
-          </p:cNvSpPr>
-          <p:nvPr>
-            <p:ph type="ctrTitle"/>
-          </p:nvPr>
-        </p:nvSpPr>
-        <p:spPr>
-          <a:xfrm>
-            <a:off x="1524000" y="1333500"/>
-            <a:ext cx="9144000" cy="1790700"/>
-          </a:xfrm>
-        </p:spPr>
-        <p:txBody>
-          <a:bodyPr vert="horz" lIns="91440" tIns="0" rIns="91440" bIns="0" rtlCol="0" anchor="t" anchorCtr="0">
-            <a:noAutofit/>
-          </a:bodyPr>
-          <a:lstStyle>
-            <a:lvl1pPr>
-              <a:lnSpc>
-                <a:spcPct val="100000"/>
-              </a:lnSpc>
-              <a:defRPr lang="en-US" sz="4800" dirty="0">
-                <a:solidFill>
-                  <a:schemeClr val="bg1"/>
-                </a:solidFill>
-              </a:defRPr>
-            </a:lvl1pPr>
-          </a:lstStyle>
-          <a:p>
-            <a:pPr lvl="0"/>
-            <a:r>
-              <a:rPr lang="en-US"/>
-              <a:t>Click to edit Master title style</a:t>
-            </a:r>
-            <a:endParaRPr lang="en-US" dirty="0"/>
-          </a:p>
-        </p:txBody>
-      </p:sp>
-      <p:sp>
-        <p:nvSpPr>
-          <p:cNvPr id="3" name="Subtitle 2">
-            <a:extLst>
-              <a:ext uri="{FF2B5EF4-FFF2-40B4-BE49-F238E27FC236}">
-                <a16:creationId xmlns:a16="http://schemas.microsoft.com/office/drawing/2014/main" id="{DA7900C6-1C2C-4612-8672-356C6DDFDCB1}"/>
-              </a:ext>
-            </a:extLst>
-          </p:cNvPr>
-          <p:cNvSpPr>
-            <a:spLocks noGrp="1"/>
-          </p:cNvSpPr>
-          <p:nvPr>
-            <p:ph type="subTitle" idx="1"/>
-          </p:nvPr>
-        </p:nvSpPr>
-        <p:spPr>
-          <a:xfrm>
-            <a:off x="1524000" y="3128009"/>
-            <a:ext cx="9144000" cy="1287675"/>
-          </a:xfrm>
-        </p:spPr>
-        <p:txBody>
-          <a:bodyPr vert="horz" lIns="91440" tIns="45720" rIns="91440" bIns="45720" rtlCol="0" anchor="t" anchorCtr="0">
-            <a:noAutofit/>
-          </a:bodyPr>
-          <a:lstStyle>
-            <a:lvl1pPr marL="0" indent="0">
-              <a:buNone/>
-              <a:defRPr lang="en-US" sz="2400" dirty="0">
-                <a:solidFill>
-                  <a:schemeClr val="bg1"/>
-                </a:solidFill>
-                <a:latin typeface="+mj-lt"/>
-              </a:defRPr>
-            </a:lvl1pPr>
-          </a:lstStyle>
-          <a:p>
-            <a:pPr marL="228600" lvl="0" indent="-228600">
-              <a:lnSpc>
-                <a:spcPct val="150000"/>
-              </a:lnSpc>
-              <a:spcAft>
-                <a:spcPts val="1200"/>
-              </a:spcAft>
-            </a:pPr>
-            <a:r>
-              <a:rPr lang="en-US"/>
-              <a:t>Click to edit Master subtitle style</a:t>
-            </a:r>
-            <a:endParaRPr lang="en-US" dirty="0"/>
-          </a:p>
-        </p:txBody>
-      </p:sp>
       <p:pic>
         <p:nvPicPr>
           <p:cNvPr id="8" name="Picture 7">
             <a:extLst>
               <a:ext uri="{FF2B5EF4-FFF2-40B4-BE49-F238E27FC236}">
-                <a16:creationId xmlns:a16="http://schemas.microsoft.com/office/drawing/2014/main" id="{5274E620-B44E-41FF-8FA1-D955BD69C0B9}"/>
+                <a16:creationId xmlns:a16="http://schemas.microsoft.com/office/drawing/2014/main" id="{F8447AE3-5877-4170-A83B-60FC9A241379}"/>
               </a:ext>
             </a:extLst>
           </p:cNvPr>
@@ -794,7 +882,7 @@
     </p:spTree>
     <p:extLst>
       <p:ext uri="{BB962C8B-B14F-4D97-AF65-F5344CB8AC3E}">
-        <p14:creationId xmlns:p14="http://schemas.microsoft.com/office/powerpoint/2010/main" val="4221146466"/>
+        <p14:creationId xmlns:p14="http://schemas.microsoft.com/office/powerpoint/2010/main" val="2216810908"/>
       </p:ext>
     </p:extLst>
   </p:cSld>
@@ -805,8 +893,8 @@
 </file>
 
 <file path=ppt/slideLayouts/slideLayout10.xml><?xml version="1.0" encoding="utf-8"?>
-<p:sldLayout xmlns:a="http://schemas.openxmlformats.org/drawingml/2006/main" xmlns:r="http://schemas.openxmlformats.org/officeDocument/2006/relationships" xmlns:p="http://schemas.openxmlformats.org/presentationml/2006/main" userDrawn="1">
-  <p:cSld name="Content Slide - Headline Only">
+<p:sldLayout xmlns:a="http://schemas.openxmlformats.org/drawingml/2006/main" xmlns:r="http://schemas.openxmlformats.org/officeDocument/2006/relationships" xmlns:p="http://schemas.openxmlformats.org/presentationml/2006/main" type="vertTx" preserve="1">
+  <p:cSld name="Title and Vertical Text">
     <p:spTree>
       <p:nvGrpSpPr>
         <p:cNvPr id="1" name=""/>
@@ -823,68 +911,188 @@
       </p:grpSpPr>
       <p:sp>
         <p:nvSpPr>
-          <p:cNvPr id="2" name="Title 1"/>
+          <p:cNvPr id="2" name="Title 1">
+            <a:extLst>
+              <a:ext uri="{FF2B5EF4-FFF2-40B4-BE49-F238E27FC236}">
+                <a16:creationId xmlns:a16="http://schemas.microsoft.com/office/drawing/2014/main" id="{DD5D2E48-F117-4B27-9E41-B39AB74D898C}"/>
+              </a:ext>
+            </a:extLst>
+          </p:cNvPr>
           <p:cNvSpPr>
             <a:spLocks noGrp="1"/>
           </p:cNvSpPr>
           <p:nvPr>
-            <p:ph type="title" hasCustomPrompt="1"/>
-          </p:nvPr>
-        </p:nvSpPr>
-        <p:spPr>
-          <a:xfrm>
-            <a:off x="426720" y="369864"/>
-            <a:ext cx="11338560" cy="631819"/>
-          </a:xfrm>
-          <a:prstGeom prst="rect">
-            <a:avLst/>
-          </a:prstGeom>
-        </p:spPr>
-        <p:txBody>
-          <a:bodyPr>
-            <a:noAutofit/>
-          </a:bodyPr>
-          <a:lstStyle>
-            <a:lvl1pPr>
-              <a:defRPr sz="2400"/>
-            </a:lvl1pPr>
-          </a:lstStyle>
-          <a:p>
-            <a:r>
-              <a:rPr lang="en-US" dirty="0"/>
-              <a:t>Click to edit Master title style for 1 or 2 line headlines</a:t>
-            </a:r>
+            <p:ph type="title"/>
+          </p:nvPr>
+        </p:nvSpPr>
+        <p:spPr/>
+        <p:txBody>
+          <a:bodyPr/>
+          <a:lstStyle/>
+          <a:p>
+            <a:r>
+              <a:rPr lang="en-US"/>
+              <a:t>Click to edit Master title style</a:t>
+            </a:r>
+          </a:p>
+        </p:txBody>
+      </p:sp>
+      <p:sp>
+        <p:nvSpPr>
+          <p:cNvPr id="3" name="Vertical Text Placeholder 2">
+            <a:extLst>
+              <a:ext uri="{FF2B5EF4-FFF2-40B4-BE49-F238E27FC236}">
+                <a16:creationId xmlns:a16="http://schemas.microsoft.com/office/drawing/2014/main" id="{9C7AC93E-5097-494B-A855-7681D127FE84}"/>
+              </a:ext>
+            </a:extLst>
+          </p:cNvPr>
+          <p:cNvSpPr>
+            <a:spLocks noGrp="1"/>
+          </p:cNvSpPr>
+          <p:nvPr>
+            <p:ph type="body" orient="vert" idx="1"/>
+          </p:nvPr>
+        </p:nvSpPr>
+        <p:spPr/>
+        <p:txBody>
+          <a:bodyPr vert="eaVert"/>
+          <a:lstStyle/>
+          <a:p>
+            <a:pPr lvl="0"/>
+            <a:r>
+              <a:rPr lang="en-US"/>
+              <a:t>Click to edit Master text styles</a:t>
+            </a:r>
+          </a:p>
+          <a:p>
+            <a:pPr lvl="1"/>
+            <a:r>
+              <a:rPr lang="en-US"/>
+              <a:t>Second level</a:t>
+            </a:r>
+          </a:p>
+          <a:p>
+            <a:pPr lvl="2"/>
+            <a:r>
+              <a:rPr lang="en-US"/>
+              <a:t>Third level</a:t>
+            </a:r>
+          </a:p>
+          <a:p>
+            <a:pPr lvl="3"/>
+            <a:r>
+              <a:rPr lang="en-US"/>
+              <a:t>Fourth level</a:t>
+            </a:r>
+          </a:p>
+          <a:p>
+            <a:pPr lvl="4"/>
+            <a:r>
+              <a:rPr lang="en-US"/>
+              <a:t>Fifth level</a:t>
+            </a:r>
+          </a:p>
+        </p:txBody>
+      </p:sp>
+      <p:sp>
+        <p:nvSpPr>
+          <p:cNvPr id="4" name="Date Placeholder 3">
+            <a:extLst>
+              <a:ext uri="{FF2B5EF4-FFF2-40B4-BE49-F238E27FC236}">
+                <a16:creationId xmlns:a16="http://schemas.microsoft.com/office/drawing/2014/main" id="{5EAF45F5-7126-402A-A107-34AA85488114}"/>
+              </a:ext>
+            </a:extLst>
+          </p:cNvPr>
+          <p:cNvSpPr>
+            <a:spLocks noGrp="1"/>
+          </p:cNvSpPr>
+          <p:nvPr>
+            <p:ph type="dt" sz="half" idx="10"/>
+          </p:nvPr>
+        </p:nvSpPr>
+        <p:spPr/>
+        <p:txBody>
+          <a:bodyPr/>
+          <a:lstStyle/>
+          <a:p>
+            <a:fld id="{4744E560-77BF-4D1A-B6E7-CD55CE12B1B8}" type="datetimeFigureOut">
+              <a:rPr lang="en-US" smtClean="0"/>
+              <a:t>9/3/2020</a:t>
+            </a:fld>
+            <a:endParaRPr lang="en-US"/>
+          </a:p>
+        </p:txBody>
+      </p:sp>
+      <p:sp>
+        <p:nvSpPr>
+          <p:cNvPr id="5" name="Footer Placeholder 4">
+            <a:extLst>
+              <a:ext uri="{FF2B5EF4-FFF2-40B4-BE49-F238E27FC236}">
+                <a16:creationId xmlns:a16="http://schemas.microsoft.com/office/drawing/2014/main" id="{61E5BEFA-E141-4A89-BCDD-6C5257D8A94C}"/>
+              </a:ext>
+            </a:extLst>
+          </p:cNvPr>
+          <p:cNvSpPr>
+            <a:spLocks noGrp="1"/>
+          </p:cNvSpPr>
+          <p:nvPr>
+            <p:ph type="ftr" sz="quarter" idx="11"/>
+          </p:nvPr>
+        </p:nvSpPr>
+        <p:spPr/>
+        <p:txBody>
+          <a:bodyPr/>
+          <a:lstStyle/>
+          <a:p>
+            <a:endParaRPr lang="en-US"/>
+          </a:p>
+        </p:txBody>
+      </p:sp>
+      <p:sp>
+        <p:nvSpPr>
+          <p:cNvPr id="6" name="Slide Number Placeholder 5">
+            <a:extLst>
+              <a:ext uri="{FF2B5EF4-FFF2-40B4-BE49-F238E27FC236}">
+                <a16:creationId xmlns:a16="http://schemas.microsoft.com/office/drawing/2014/main" id="{2FC3C360-CAFA-4A33-A4B4-7DE3D0686079}"/>
+              </a:ext>
+            </a:extLst>
+          </p:cNvPr>
+          <p:cNvSpPr>
+            <a:spLocks noGrp="1"/>
+          </p:cNvSpPr>
+          <p:nvPr>
+            <p:ph type="sldNum" sz="quarter" idx="12"/>
+          </p:nvPr>
+        </p:nvSpPr>
+        <p:spPr/>
+        <p:txBody>
+          <a:bodyPr/>
+          <a:lstStyle/>
+          <a:p>
+            <a:fld id="{3359379A-16E2-4C4A-96D0-A52C442257E7}" type="slidenum">
+              <a:rPr lang="en-US" smtClean="0"/>
+              <a:t>‹#›</a:t>
+            </a:fld>
+            <a:endParaRPr lang="en-US"/>
           </a:p>
         </p:txBody>
       </p:sp>
     </p:spTree>
     <p:extLst>
       <p:ext uri="{BB962C8B-B14F-4D97-AF65-F5344CB8AC3E}">
-        <p14:creationId xmlns:p14="http://schemas.microsoft.com/office/powerpoint/2010/main" val="2410613939"/>
+        <p14:creationId xmlns:p14="http://schemas.microsoft.com/office/powerpoint/2010/main" val="1201692537"/>
       </p:ext>
     </p:extLst>
   </p:cSld>
   <p:clrMapOvr>
     <a:masterClrMapping/>
   </p:clrMapOvr>
-  <mc:AlternateContent xmlns:mc="http://schemas.openxmlformats.org/markup-compatibility/2006" xmlns:p14="http://schemas.microsoft.com/office/powerpoint/2010/main">
-    <mc:Choice Requires="p14">
-      <p:transition spd="med" p14:dur="700">
-        <p:fade/>
-      </p:transition>
-    </mc:Choice>
-    <mc:Fallback xmlns="">
-      <p:transition spd="med">
-        <p:fade/>
-      </p:transition>
-    </mc:Fallback>
-  </mc:AlternateContent>
 </p:sldLayout>
 </file>
 
-<file path=ppt/slideLayouts/slideLayout2.xml><?xml version="1.0" encoding="utf-8"?>
-<p:sldLayout xmlns:a="http://schemas.openxmlformats.org/drawingml/2006/main" xmlns:r="http://schemas.openxmlformats.org/officeDocument/2006/relationships" xmlns:p="http://schemas.openxmlformats.org/presentationml/2006/main" preserve="1" userDrawn="1">
-  <p:cSld name="Title and Content">
+<file path=ppt/slideLayouts/slideLayout11.xml><?xml version="1.0" encoding="utf-8"?>
+<p:sldLayout xmlns:a="http://schemas.openxmlformats.org/drawingml/2006/main" xmlns:r="http://schemas.openxmlformats.org/officeDocument/2006/relationships" xmlns:p="http://schemas.openxmlformats.org/presentationml/2006/main" type="vertTitleAndTx" preserve="1">
+  <p:cSld name="Vertical Title and Text">
     <p:spTree>
       <p:nvGrpSpPr>
         <p:cNvPr id="1" name=""/>
@@ -899,50 +1107,45 @@
           <a:chExt cx="0" cy="0"/>
         </a:xfrm>
       </p:grpSpPr>
-      <p:pic>
-        <p:nvPicPr>
-          <p:cNvPr id="7" name="Picture 6">
-            <a:extLst>
-              <a:ext uri="{FF2B5EF4-FFF2-40B4-BE49-F238E27FC236}">
-                <a16:creationId xmlns:a16="http://schemas.microsoft.com/office/drawing/2014/main" id="{345A2570-7517-4576-B836-E4E6D3E743B9}"/>
-              </a:ext>
-              <a:ext uri="{C183D7F6-B498-43B3-948B-1728B52AA6E4}">
-                <adec:decorative xmlns:adec="http://schemas.microsoft.com/office/drawing/2017/decorative" val="1"/>
-              </a:ext>
-            </a:extLst>
-          </p:cNvPr>
-          <p:cNvPicPr>
-            <a:picLocks noChangeAspect="1"/>
-          </p:cNvPicPr>
-          <p:nvPr userDrawn="1"/>
-        </p:nvPicPr>
-        <p:blipFill rotWithShape="1">
-          <a:blip r:embed="rId2">
-            <a:extLst>
-              <a:ext uri="{28A0092B-C50C-407E-A947-70E740481C1C}">
-                <a14:useLocalDpi xmlns:a14="http://schemas.microsoft.com/office/drawing/2010/main" val="0"/>
-              </a:ext>
-            </a:extLst>
-          </a:blip>
-          <a:srcRect t="-3"/>
-          <a:stretch/>
-        </p:blipFill>
+      <p:sp>
+        <p:nvSpPr>
+          <p:cNvPr id="2" name="Vertical Title 1">
+            <a:extLst>
+              <a:ext uri="{FF2B5EF4-FFF2-40B4-BE49-F238E27FC236}">
+                <a16:creationId xmlns:a16="http://schemas.microsoft.com/office/drawing/2014/main" id="{28CA40E8-F7E2-44E6-9FDB-8A4D0E3B7F50}"/>
+              </a:ext>
+            </a:extLst>
+          </p:cNvPr>
+          <p:cNvSpPr>
+            <a:spLocks noGrp="1"/>
+          </p:cNvSpPr>
+          <p:nvPr>
+            <p:ph type="title" orient="vert"/>
+          </p:nvPr>
+        </p:nvSpPr>
         <p:spPr>
           <a:xfrm>
-            <a:off x="269032" y="4801396"/>
-            <a:ext cx="11653936" cy="1786228"/>
+            <a:off x="8724900" y="365125"/>
+            <a:ext cx="2628900" cy="5811838"/>
           </a:xfrm>
-          <a:prstGeom prst="rect">
-            <a:avLst/>
-          </a:prstGeom>
         </p:spPr>
-      </p:pic>
-      <p:sp>
-        <p:nvSpPr>
-          <p:cNvPr id="3" name="Content Placeholder 2">
-            <a:extLst>
-              <a:ext uri="{FF2B5EF4-FFF2-40B4-BE49-F238E27FC236}">
-                <a16:creationId xmlns:a16="http://schemas.microsoft.com/office/drawing/2014/main" id="{6859B673-4507-4B72-871E-0018907875DD}"/>
+        <p:txBody>
+          <a:bodyPr vert="eaVert"/>
+          <a:lstStyle/>
+          <a:p>
+            <a:r>
+              <a:rPr lang="en-US"/>
+              <a:t>Click to edit Master title style</a:t>
+            </a:r>
+          </a:p>
+        </p:txBody>
+      </p:sp>
+      <p:sp>
+        <p:nvSpPr>
+          <p:cNvPr id="3" name="Vertical Text Placeholder 2">
+            <a:extLst>
+              <a:ext uri="{FF2B5EF4-FFF2-40B4-BE49-F238E27FC236}">
+                <a16:creationId xmlns:a16="http://schemas.microsoft.com/office/drawing/2014/main" id="{84A05B97-1E13-493F-8319-3B811D8ACD96}"/>
               </a:ext>
             </a:extLst>
           </p:cNvPr>
@@ -950,54 +1153,18 @@
             <a:spLocks noGrp="1"/>
           </p:cNvSpPr>
           <p:nvPr>
-            <p:ph idx="1"/>
+            <p:ph type="body" orient="vert" idx="1"/>
           </p:nvPr>
         </p:nvSpPr>
         <p:spPr>
           <a:xfrm>
-            <a:off x="604433" y="1604211"/>
-            <a:ext cx="10983131" cy="4572752"/>
+            <a:off x="838200" y="365125"/>
+            <a:ext cx="7734300" cy="5811838"/>
           </a:xfrm>
         </p:spPr>
         <p:txBody>
-          <a:bodyPr/>
-          <a:lstStyle>
-            <a:lvl1pPr marL="0" indent="0">
-              <a:spcAft>
-                <a:spcPts val="1200"/>
-              </a:spcAft>
-              <a:buSzPct val="25000"/>
-              <a:buFont typeface="Segoe UI" panose="020B0502040204020203" pitchFamily="34" charset="0"/>
-              <a:buChar char=" "/>
-              <a:defRPr sz="1200"/>
-            </a:lvl1pPr>
-            <a:lvl2pPr marL="401638" indent="7938">
-              <a:spcBef>
-                <a:spcPts val="600"/>
-              </a:spcBef>
-              <a:spcAft>
-                <a:spcPts val="1200"/>
-              </a:spcAft>
-              <a:buFont typeface="Segoe UI" panose="020B0502040204020203" pitchFamily="34" charset="0"/>
-              <a:buChar char=" "/>
-              <a:defRPr sz="1200"/>
-            </a:lvl2pPr>
-            <a:lvl3pPr marL="1143000" indent="-228600">
-              <a:buFont typeface="Segoe UI" panose="020B0502040204020203" pitchFamily="34" charset="0"/>
-              <a:buChar char=" "/>
-              <a:defRPr/>
-            </a:lvl3pPr>
-            <a:lvl4pPr marL="1600200" indent="-228600">
-              <a:buFont typeface="Segoe UI" panose="020B0502040204020203" pitchFamily="34" charset="0"/>
-              <a:buChar char=" "/>
-              <a:defRPr/>
-            </a:lvl4pPr>
-            <a:lvl5pPr marL="2057400" indent="-228600">
-              <a:buFont typeface="Segoe UI" panose="020B0502040204020203" pitchFamily="34" charset="0"/>
-              <a:buChar char=" "/>
-              <a:defRPr/>
-            </a:lvl5pPr>
-          </a:lstStyle>
+          <a:bodyPr vert="eaVert"/>
+          <a:lstStyle/>
           <a:p>
             <a:pPr lvl="0"/>
             <a:r>
@@ -1012,14 +1179,35 @@
               <a:t>Second level</a:t>
             </a:r>
           </a:p>
-        </p:txBody>
-      </p:sp>
-      <p:sp>
-        <p:nvSpPr>
-          <p:cNvPr id="9" name="Title 8">
-            <a:extLst>
-              <a:ext uri="{FF2B5EF4-FFF2-40B4-BE49-F238E27FC236}">
-                <a16:creationId xmlns:a16="http://schemas.microsoft.com/office/drawing/2014/main" id="{FB8AB91F-D739-4DD5-859B-B16B125BECF6}"/>
+          <a:p>
+            <a:pPr lvl="2"/>
+            <a:r>
+              <a:rPr lang="en-US"/>
+              <a:t>Third level</a:t>
+            </a:r>
+          </a:p>
+          <a:p>
+            <a:pPr lvl="3"/>
+            <a:r>
+              <a:rPr lang="en-US"/>
+              <a:t>Fourth level</a:t>
+            </a:r>
+          </a:p>
+          <a:p>
+            <a:pPr lvl="4"/>
+            <a:r>
+              <a:rPr lang="en-US"/>
+              <a:t>Fifth level</a:t>
+            </a:r>
+          </a:p>
+        </p:txBody>
+      </p:sp>
+      <p:sp>
+        <p:nvSpPr>
+          <p:cNvPr id="4" name="Date Placeholder 3">
+            <a:extLst>
+              <a:ext uri="{FF2B5EF4-FFF2-40B4-BE49-F238E27FC236}">
+                <a16:creationId xmlns:a16="http://schemas.microsoft.com/office/drawing/2014/main" id="{F77C366C-0B73-42E2-BCCF-29358AAA945E}"/>
               </a:ext>
             </a:extLst>
           </p:cNvPr>
@@ -1027,7 +1215,7 @@
             <a:spLocks noGrp="1"/>
           </p:cNvSpPr>
           <p:nvPr>
-            <p:ph type="title"/>
+            <p:ph type="dt" sz="half" idx="10"/>
           </p:nvPr>
         </p:nvSpPr>
         <p:spPr/>
@@ -1035,17 +1223,72 @@
           <a:bodyPr/>
           <a:lstStyle/>
           <a:p>
-            <a:r>
-              <a:rPr lang="en-US"/>
-              <a:t>Click to edit Master title style</a:t>
-            </a:r>
+            <a:fld id="{4744E560-77BF-4D1A-B6E7-CD55CE12B1B8}" type="datetimeFigureOut">
+              <a:rPr lang="en-US" smtClean="0"/>
+              <a:t>9/3/2020</a:t>
+            </a:fld>
+            <a:endParaRPr lang="en-US"/>
+          </a:p>
+        </p:txBody>
+      </p:sp>
+      <p:sp>
+        <p:nvSpPr>
+          <p:cNvPr id="5" name="Footer Placeholder 4">
+            <a:extLst>
+              <a:ext uri="{FF2B5EF4-FFF2-40B4-BE49-F238E27FC236}">
+                <a16:creationId xmlns:a16="http://schemas.microsoft.com/office/drawing/2014/main" id="{43EE67B2-D1F1-4420-BB76-55AF88CE165F}"/>
+              </a:ext>
+            </a:extLst>
+          </p:cNvPr>
+          <p:cNvSpPr>
+            <a:spLocks noGrp="1"/>
+          </p:cNvSpPr>
+          <p:nvPr>
+            <p:ph type="ftr" sz="quarter" idx="11"/>
+          </p:nvPr>
+        </p:nvSpPr>
+        <p:spPr/>
+        <p:txBody>
+          <a:bodyPr/>
+          <a:lstStyle/>
+          <a:p>
+            <a:endParaRPr lang="en-US"/>
+          </a:p>
+        </p:txBody>
+      </p:sp>
+      <p:sp>
+        <p:nvSpPr>
+          <p:cNvPr id="6" name="Slide Number Placeholder 5">
+            <a:extLst>
+              <a:ext uri="{FF2B5EF4-FFF2-40B4-BE49-F238E27FC236}">
+                <a16:creationId xmlns:a16="http://schemas.microsoft.com/office/drawing/2014/main" id="{105F0CFC-320A-4D9A-9992-4F57A8AC47BF}"/>
+              </a:ext>
+            </a:extLst>
+          </p:cNvPr>
+          <p:cNvSpPr>
+            <a:spLocks noGrp="1"/>
+          </p:cNvSpPr>
+          <p:nvPr>
+            <p:ph type="sldNum" sz="quarter" idx="12"/>
+          </p:nvPr>
+        </p:nvSpPr>
+        <p:spPr/>
+        <p:txBody>
+          <a:bodyPr/>
+          <a:lstStyle/>
+          <a:p>
+            <a:fld id="{3359379A-16E2-4C4A-96D0-A52C442257E7}" type="slidenum">
+              <a:rPr lang="en-US" smtClean="0"/>
+              <a:t>‹#›</a:t>
+            </a:fld>
+            <a:endParaRPr lang="en-US"/>
           </a:p>
         </p:txBody>
       </p:sp>
     </p:spTree>
     <p:extLst>
       <p:ext uri="{BB962C8B-B14F-4D97-AF65-F5344CB8AC3E}">
-        <p14:creationId xmlns:p14="http://schemas.microsoft.com/office/powerpoint/2010/main" val="2710340646"/>
+        <p14:creationId xmlns:p14="http://schemas.microsoft.com/office/powerpoint/2010/main" val="3075713744"/>
       </p:ext>
     </p:extLst>
   </p:cSld>
@@ -1055,1099 +1298,7 @@
 </p:sldLayout>
 </file>
 
-<file path=ppt/slideLayouts/slideLayout3.xml><?xml version="1.0" encoding="utf-8"?>
-<p:sldLayout xmlns:a="http://schemas.openxmlformats.org/drawingml/2006/main" xmlns:r="http://schemas.openxmlformats.org/officeDocument/2006/relationships" xmlns:p="http://schemas.openxmlformats.org/presentationml/2006/main" preserve="1" userDrawn="1">
-  <p:cSld name="Title and Text">
-    <p:spTree>
-      <p:nvGrpSpPr>
-        <p:cNvPr id="1" name=""/>
-        <p:cNvGrpSpPr/>
-        <p:nvPr/>
-      </p:nvGrpSpPr>
-      <p:grpSpPr>
-        <a:xfrm>
-          <a:off x="0" y="0"/>
-          <a:ext cx="0" cy="0"/>
-          <a:chOff x="0" y="0"/>
-          <a:chExt cx="0" cy="0"/>
-        </a:xfrm>
-      </p:grpSpPr>
-      <p:pic>
-        <p:nvPicPr>
-          <p:cNvPr id="7" name="Picture 6">
-            <a:extLst>
-              <a:ext uri="{FF2B5EF4-FFF2-40B4-BE49-F238E27FC236}">
-                <a16:creationId xmlns:a16="http://schemas.microsoft.com/office/drawing/2014/main" id="{345A2570-7517-4576-B836-E4E6D3E743B9}"/>
-              </a:ext>
-              <a:ext uri="{C183D7F6-B498-43B3-948B-1728B52AA6E4}">
-                <adec:decorative xmlns:adec="http://schemas.microsoft.com/office/drawing/2017/decorative" val="1"/>
-              </a:ext>
-            </a:extLst>
-          </p:cNvPr>
-          <p:cNvPicPr>
-            <a:picLocks noChangeAspect="1"/>
-          </p:cNvPicPr>
-          <p:nvPr userDrawn="1"/>
-        </p:nvPicPr>
-        <p:blipFill rotWithShape="1">
-          <a:blip r:embed="rId2">
-            <a:extLst>
-              <a:ext uri="{28A0092B-C50C-407E-A947-70E740481C1C}">
-                <a14:useLocalDpi xmlns:a14="http://schemas.microsoft.com/office/drawing/2010/main" val="0"/>
-              </a:ext>
-            </a:extLst>
-          </a:blip>
-          <a:srcRect t="-3"/>
-          <a:stretch/>
-        </p:blipFill>
-        <p:spPr>
-          <a:xfrm>
-            <a:off x="269032" y="4801396"/>
-            <a:ext cx="11653936" cy="1786228"/>
-          </a:xfrm>
-          <a:prstGeom prst="rect">
-            <a:avLst/>
-          </a:prstGeom>
-        </p:spPr>
-      </p:pic>
-      <p:sp>
-        <p:nvSpPr>
-          <p:cNvPr id="3" name="Content Placeholder 2">
-            <a:extLst>
-              <a:ext uri="{FF2B5EF4-FFF2-40B4-BE49-F238E27FC236}">
-                <a16:creationId xmlns:a16="http://schemas.microsoft.com/office/drawing/2014/main" id="{6859B673-4507-4B72-871E-0018907875DD}"/>
-              </a:ext>
-            </a:extLst>
-          </p:cNvPr>
-          <p:cNvSpPr>
-            <a:spLocks noGrp="1"/>
-          </p:cNvSpPr>
-          <p:nvPr>
-            <p:ph idx="1"/>
-          </p:nvPr>
-        </p:nvSpPr>
-        <p:spPr>
-          <a:xfrm>
-            <a:off x="604433" y="1604211"/>
-            <a:ext cx="10983131" cy="4572752"/>
-          </a:xfrm>
-        </p:spPr>
-        <p:txBody>
-          <a:bodyPr/>
-          <a:lstStyle>
-            <a:lvl1pPr marL="0" indent="0">
-              <a:spcAft>
-                <a:spcPts val="1200"/>
-              </a:spcAft>
-              <a:buSzPct val="25000"/>
-              <a:buFont typeface="Segoe UI" panose="020B0502040204020203" pitchFamily="34" charset="0"/>
-              <a:buChar char=" "/>
-              <a:defRPr sz="1200"/>
-            </a:lvl1pPr>
-            <a:lvl2pPr marL="401638" indent="7938">
-              <a:spcBef>
-                <a:spcPts val="600"/>
-              </a:spcBef>
-              <a:spcAft>
-                <a:spcPts val="1200"/>
-              </a:spcAft>
-              <a:buFont typeface="Segoe UI" panose="020B0502040204020203" pitchFamily="34" charset="0"/>
-              <a:buChar char=" "/>
-              <a:defRPr sz="1200"/>
-            </a:lvl2pPr>
-            <a:lvl3pPr marL="1143000" indent="-228600">
-              <a:buFont typeface="Segoe UI" panose="020B0502040204020203" pitchFamily="34" charset="0"/>
-              <a:buChar char=" "/>
-              <a:defRPr/>
-            </a:lvl3pPr>
-            <a:lvl4pPr marL="1600200" indent="-228600">
-              <a:buFont typeface="Segoe UI" panose="020B0502040204020203" pitchFamily="34" charset="0"/>
-              <a:buChar char=" "/>
-              <a:defRPr/>
-            </a:lvl4pPr>
-            <a:lvl5pPr marL="2057400" indent="-228600">
-              <a:buFont typeface="Segoe UI" panose="020B0502040204020203" pitchFamily="34" charset="0"/>
-              <a:buChar char=" "/>
-              <a:defRPr/>
-            </a:lvl5pPr>
-          </a:lstStyle>
-          <a:p>
-            <a:pPr lvl="0"/>
-            <a:r>
-              <a:rPr lang="en-US"/>
-              <a:t>Click to edit Master text styles</a:t>
-            </a:r>
-          </a:p>
-          <a:p>
-            <a:pPr lvl="1"/>
-            <a:r>
-              <a:rPr lang="en-US"/>
-              <a:t>Second level</a:t>
-            </a:r>
-          </a:p>
-        </p:txBody>
-      </p:sp>
-      <p:sp>
-        <p:nvSpPr>
-          <p:cNvPr id="4" name="Title 3">
-            <a:extLst>
-              <a:ext uri="{FF2B5EF4-FFF2-40B4-BE49-F238E27FC236}">
-                <a16:creationId xmlns:a16="http://schemas.microsoft.com/office/drawing/2014/main" id="{0E770BB0-A521-41C6-A0AE-BEE679D2AD12}"/>
-              </a:ext>
-            </a:extLst>
-          </p:cNvPr>
-          <p:cNvSpPr>
-            <a:spLocks noGrp="1"/>
-          </p:cNvSpPr>
-          <p:nvPr>
-            <p:ph type="title"/>
-          </p:nvPr>
-        </p:nvSpPr>
-        <p:spPr/>
-        <p:txBody>
-          <a:bodyPr/>
-          <a:lstStyle/>
-          <a:p>
-            <a:r>
-              <a:rPr lang="en-US"/>
-              <a:t>Click to edit Master title style</a:t>
-            </a:r>
-          </a:p>
-        </p:txBody>
-      </p:sp>
-    </p:spTree>
-    <p:extLst>
-      <p:ext uri="{BB962C8B-B14F-4D97-AF65-F5344CB8AC3E}">
-        <p14:creationId xmlns:p14="http://schemas.microsoft.com/office/powerpoint/2010/main" val="140465771"/>
-      </p:ext>
-    </p:extLst>
-  </p:cSld>
-  <p:clrMapOvr>
-    <a:masterClrMapping/>
-  </p:clrMapOvr>
-</p:sldLayout>
-</file>
-
-<file path=ppt/slideLayouts/slideLayout4.xml><?xml version="1.0" encoding="utf-8"?>
-<p:sldLayout xmlns:a="http://schemas.openxmlformats.org/drawingml/2006/main" xmlns:r="http://schemas.openxmlformats.org/officeDocument/2006/relationships" xmlns:p="http://schemas.openxmlformats.org/presentationml/2006/main" preserve="1" userDrawn="1">
-  <p:cSld name="Two Content">
-    <p:spTree>
-      <p:nvGrpSpPr>
-        <p:cNvPr id="1" name=""/>
-        <p:cNvGrpSpPr/>
-        <p:nvPr/>
-      </p:nvGrpSpPr>
-      <p:grpSpPr>
-        <a:xfrm>
-          <a:off x="0" y="0"/>
-          <a:ext cx="0" cy="0"/>
-          <a:chOff x="0" y="0"/>
-          <a:chExt cx="0" cy="0"/>
-        </a:xfrm>
-      </p:grpSpPr>
-      <p:pic>
-        <p:nvPicPr>
-          <p:cNvPr id="10" name="Picture 9">
-            <a:extLst>
-              <a:ext uri="{FF2B5EF4-FFF2-40B4-BE49-F238E27FC236}">
-                <a16:creationId xmlns:a16="http://schemas.microsoft.com/office/drawing/2014/main" id="{5F89203F-46EF-44A2-956A-7FF6AF93BE72}"/>
-              </a:ext>
-            </a:extLst>
-          </p:cNvPr>
-          <p:cNvPicPr>
-            <a:picLocks noChangeAspect="1"/>
-          </p:cNvPicPr>
-          <p:nvPr userDrawn="1"/>
-        </p:nvPicPr>
-        <p:blipFill rotWithShape="1">
-          <a:blip r:embed="rId2">
-            <a:extLst>
-              <a:ext uri="{28A0092B-C50C-407E-A947-70E740481C1C}">
-                <a14:useLocalDpi xmlns:a14="http://schemas.microsoft.com/office/drawing/2010/main" val="0"/>
-              </a:ext>
-            </a:extLst>
-          </a:blip>
-          <a:srcRect t="-3"/>
-          <a:stretch/>
-        </p:blipFill>
-        <p:spPr>
-          <a:xfrm>
-            <a:off x="269032" y="4801396"/>
-            <a:ext cx="11653936" cy="1786228"/>
-          </a:xfrm>
-          <a:prstGeom prst="rect">
-            <a:avLst/>
-          </a:prstGeom>
-        </p:spPr>
-      </p:pic>
-      <p:sp>
-        <p:nvSpPr>
-          <p:cNvPr id="8" name="Content Placeholder 2">
-            <a:extLst>
-              <a:ext uri="{FF2B5EF4-FFF2-40B4-BE49-F238E27FC236}">
-                <a16:creationId xmlns:a16="http://schemas.microsoft.com/office/drawing/2014/main" id="{D1D47175-944E-463B-ABBB-06669A473913}"/>
-              </a:ext>
-            </a:extLst>
-          </p:cNvPr>
-          <p:cNvSpPr>
-            <a:spLocks noGrp="1"/>
-          </p:cNvSpPr>
-          <p:nvPr>
-            <p:ph idx="1"/>
-          </p:nvPr>
-        </p:nvSpPr>
-        <p:spPr>
-          <a:xfrm>
-            <a:off x="1090862" y="1507068"/>
-            <a:ext cx="3192379" cy="4669896"/>
-          </a:xfrm>
-        </p:spPr>
-        <p:txBody>
-          <a:bodyPr anchor="ctr"/>
-          <a:lstStyle>
-            <a:lvl1pPr marL="0" indent="0" algn="l">
-              <a:lnSpc>
-                <a:spcPct val="150000"/>
-              </a:lnSpc>
-              <a:spcAft>
-                <a:spcPts val="1200"/>
-              </a:spcAft>
-              <a:buSzPct val="25000"/>
-              <a:buFont typeface="Segoe UI" panose="020B0502040204020203" pitchFamily="34" charset="0"/>
-              <a:buChar char=" "/>
-              <a:defRPr sz="1200"/>
-            </a:lvl1pPr>
-            <a:lvl2pPr marL="401638" indent="7938" algn="l">
-              <a:spcBef>
-                <a:spcPts val="600"/>
-              </a:spcBef>
-              <a:spcAft>
-                <a:spcPts val="1200"/>
-              </a:spcAft>
-              <a:buFont typeface="Segoe UI" panose="020B0502040204020203" pitchFamily="34" charset="0"/>
-              <a:buChar char=" "/>
-              <a:defRPr sz="1200"/>
-            </a:lvl2pPr>
-            <a:lvl3pPr marL="1143000" indent="-228600">
-              <a:buFont typeface="Segoe UI" panose="020B0502040204020203" pitchFamily="34" charset="0"/>
-              <a:buChar char=" "/>
-              <a:defRPr/>
-            </a:lvl3pPr>
-            <a:lvl4pPr marL="1600200" indent="-228600">
-              <a:buFont typeface="Segoe UI" panose="020B0502040204020203" pitchFamily="34" charset="0"/>
-              <a:buChar char=" "/>
-              <a:defRPr/>
-            </a:lvl4pPr>
-            <a:lvl5pPr marL="2057400" indent="-228600">
-              <a:buFont typeface="Segoe UI" panose="020B0502040204020203" pitchFamily="34" charset="0"/>
-              <a:buChar char=" "/>
-              <a:defRPr/>
-            </a:lvl5pPr>
-          </a:lstStyle>
-          <a:p>
-            <a:pPr lvl="0"/>
-            <a:r>
-              <a:rPr lang="en-US"/>
-              <a:t>Click to edit Master text styles</a:t>
-            </a:r>
-          </a:p>
-          <a:p>
-            <a:pPr lvl="1"/>
-            <a:r>
-              <a:rPr lang="en-US"/>
-              <a:t>Second level</a:t>
-            </a:r>
-          </a:p>
-        </p:txBody>
-      </p:sp>
-      <p:sp>
-        <p:nvSpPr>
-          <p:cNvPr id="9" name="Content Placeholder 2">
-            <a:extLst>
-              <a:ext uri="{FF2B5EF4-FFF2-40B4-BE49-F238E27FC236}">
-                <a16:creationId xmlns:a16="http://schemas.microsoft.com/office/drawing/2014/main" id="{A40725B0-0DB7-41CE-9C4C-39E8D0F6325E}"/>
-              </a:ext>
-            </a:extLst>
-          </p:cNvPr>
-          <p:cNvSpPr>
-            <a:spLocks noGrp="1"/>
-          </p:cNvSpPr>
-          <p:nvPr>
-            <p:ph idx="13"/>
-          </p:nvPr>
-        </p:nvSpPr>
-        <p:spPr>
-          <a:xfrm>
-            <a:off x="4395537" y="1507068"/>
-            <a:ext cx="7143905" cy="4669896"/>
-          </a:xfrm>
-        </p:spPr>
-        <p:txBody>
-          <a:bodyPr anchor="ctr"/>
-          <a:lstStyle>
-            <a:lvl1pPr marL="0" indent="0">
-              <a:spcAft>
-                <a:spcPts val="1200"/>
-              </a:spcAft>
-              <a:buSzPct val="25000"/>
-              <a:buFont typeface="Segoe UI" panose="020B0502040204020203" pitchFamily="34" charset="0"/>
-              <a:buChar char=" "/>
-              <a:defRPr sz="1200"/>
-            </a:lvl1pPr>
-            <a:lvl2pPr marL="401638" indent="7938">
-              <a:spcBef>
-                <a:spcPts val="600"/>
-              </a:spcBef>
-              <a:spcAft>
-                <a:spcPts val="1200"/>
-              </a:spcAft>
-              <a:buFont typeface="Segoe UI" panose="020B0502040204020203" pitchFamily="34" charset="0"/>
-              <a:buChar char=" "/>
-              <a:defRPr sz="1200"/>
-            </a:lvl2pPr>
-            <a:lvl3pPr marL="1143000" indent="-228600">
-              <a:buFont typeface="Segoe UI" panose="020B0502040204020203" pitchFamily="34" charset="0"/>
-              <a:buChar char=" "/>
-              <a:defRPr/>
-            </a:lvl3pPr>
-            <a:lvl4pPr marL="1600200" indent="-228600">
-              <a:buFont typeface="Segoe UI" panose="020B0502040204020203" pitchFamily="34" charset="0"/>
-              <a:buChar char=" "/>
-              <a:defRPr/>
-            </a:lvl4pPr>
-            <a:lvl5pPr marL="2057400" indent="-228600">
-              <a:buFont typeface="Segoe UI" panose="020B0502040204020203" pitchFamily="34" charset="0"/>
-              <a:buChar char=" "/>
-              <a:defRPr/>
-            </a:lvl5pPr>
-          </a:lstStyle>
-          <a:p>
-            <a:pPr lvl="0"/>
-            <a:r>
-              <a:rPr lang="en-US"/>
-              <a:t>Click to edit Master text styles</a:t>
-            </a:r>
-          </a:p>
-          <a:p>
-            <a:pPr lvl="1"/>
-            <a:r>
-              <a:rPr lang="en-US"/>
-              <a:t>Second level</a:t>
-            </a:r>
-          </a:p>
-        </p:txBody>
-      </p:sp>
-      <p:sp>
-        <p:nvSpPr>
-          <p:cNvPr id="11" name="Title 10">
-            <a:extLst>
-              <a:ext uri="{FF2B5EF4-FFF2-40B4-BE49-F238E27FC236}">
-                <a16:creationId xmlns:a16="http://schemas.microsoft.com/office/drawing/2014/main" id="{F9E63483-559C-4A6F-B04F-D6C56A3CC094}"/>
-              </a:ext>
-            </a:extLst>
-          </p:cNvPr>
-          <p:cNvSpPr>
-            <a:spLocks noGrp="1"/>
-          </p:cNvSpPr>
-          <p:nvPr>
-            <p:ph type="title"/>
-          </p:nvPr>
-        </p:nvSpPr>
-        <p:spPr/>
-        <p:txBody>
-          <a:bodyPr/>
-          <a:lstStyle/>
-          <a:p>
-            <a:r>
-              <a:rPr lang="en-US"/>
-              <a:t>Click to edit Master title style</a:t>
-            </a:r>
-          </a:p>
-        </p:txBody>
-      </p:sp>
-    </p:spTree>
-    <p:extLst>
-      <p:ext uri="{BB962C8B-B14F-4D97-AF65-F5344CB8AC3E}">
-        <p14:creationId xmlns:p14="http://schemas.microsoft.com/office/powerpoint/2010/main" val="2049444577"/>
-      </p:ext>
-    </p:extLst>
-  </p:cSld>
-  <p:clrMapOvr>
-    <a:masterClrMapping/>
-  </p:clrMapOvr>
-</p:sldLayout>
-</file>
-
-<file path=ppt/slideLayouts/slideLayout5.xml><?xml version="1.0" encoding="utf-8"?>
-<p:sldLayout xmlns:a="http://schemas.openxmlformats.org/drawingml/2006/main" xmlns:r="http://schemas.openxmlformats.org/officeDocument/2006/relationships" xmlns:p="http://schemas.openxmlformats.org/presentationml/2006/main" preserve="1" userDrawn="1">
-  <p:cSld name="Section Header">
-    <p:spTree>
-      <p:nvGrpSpPr>
-        <p:cNvPr id="1" name=""/>
-        <p:cNvGrpSpPr/>
-        <p:nvPr/>
-      </p:nvGrpSpPr>
-      <p:grpSpPr>
-        <a:xfrm>
-          <a:off x="0" y="0"/>
-          <a:ext cx="0" cy="0"/>
-          <a:chOff x="0" y="0"/>
-          <a:chExt cx="0" cy="0"/>
-        </a:xfrm>
-      </p:grpSpPr>
-      <p:sp>
-        <p:nvSpPr>
-          <p:cNvPr id="9" name="Rectangle 8"/>
-          <p:cNvSpPr/>
-          <p:nvPr userDrawn="1"/>
-        </p:nvSpPr>
-        <p:spPr>
-          <a:xfrm>
-            <a:off x="254951" y="262784"/>
-            <a:ext cx="11683049" cy="6332433"/>
-          </a:xfrm>
-          <a:prstGeom prst="rect">
-            <a:avLst/>
-          </a:prstGeom>
-          <a:solidFill>
-            <a:srgbClr val="F5F5F5"/>
-          </a:solidFill>
-          <a:ln>
-            <a:noFill/>
-          </a:ln>
-        </p:spPr>
-        <p:style>
-          <a:lnRef idx="2">
-            <a:schemeClr val="accent1">
-              <a:shade val="50000"/>
-            </a:schemeClr>
-          </a:lnRef>
-          <a:fillRef idx="1">
-            <a:schemeClr val="accent1"/>
-          </a:fillRef>
-          <a:effectRef idx="0">
-            <a:schemeClr val="accent1"/>
-          </a:effectRef>
-          <a:fontRef idx="minor">
-            <a:schemeClr val="lt1"/>
-          </a:fontRef>
-        </p:style>
-        <p:txBody>
-          <a:bodyPr rtlCol="0" anchor="ctr"/>
-          <a:lstStyle/>
-          <a:p>
-            <a:pPr algn="ctr"/>
-            <a:endParaRPr lang="en-US" sz="1800"/>
-          </a:p>
-        </p:txBody>
-      </p:sp>
-      <p:sp>
-        <p:nvSpPr>
-          <p:cNvPr id="10" name="Rectangle 9"/>
-          <p:cNvSpPr/>
-          <p:nvPr userDrawn="1"/>
-        </p:nvSpPr>
-        <p:spPr bwMode="blackWhite">
-          <a:xfrm>
-            <a:off x="254950" y="262784"/>
-            <a:ext cx="11682101" cy="2072643"/>
-          </a:xfrm>
-          <a:prstGeom prst="rect">
-            <a:avLst/>
-          </a:prstGeom>
-          <a:solidFill>
-            <a:srgbClr val="D24726"/>
-          </a:solidFill>
-          <a:ln>
-            <a:noFill/>
-          </a:ln>
-        </p:spPr>
-        <p:style>
-          <a:lnRef idx="2">
-            <a:schemeClr val="accent1">
-              <a:shade val="50000"/>
-            </a:schemeClr>
-          </a:lnRef>
-          <a:fillRef idx="1">
-            <a:schemeClr val="accent1"/>
-          </a:fillRef>
-          <a:effectRef idx="0">
-            <a:schemeClr val="accent1"/>
-          </a:effectRef>
-          <a:fontRef idx="minor">
-            <a:schemeClr val="lt1"/>
-          </a:fontRef>
-        </p:style>
-        <p:txBody>
-          <a:bodyPr rtlCol="0" anchor="ctr"/>
-          <a:lstStyle/>
-          <a:p>
-            <a:pPr algn="ctr"/>
-            <a:endParaRPr lang="en-US" sz="1800"/>
-          </a:p>
-        </p:txBody>
-      </p:sp>
-      <p:sp>
-        <p:nvSpPr>
-          <p:cNvPr id="2" name="Title 1"/>
-          <p:cNvSpPr>
-            <a:spLocks noGrp="1"/>
-          </p:cNvSpPr>
-          <p:nvPr>
-            <p:ph type="title"/>
-          </p:nvPr>
-        </p:nvSpPr>
-        <p:spPr>
-          <a:xfrm>
-            <a:off x="521208" y="1536192"/>
-            <a:ext cx="6876288" cy="640080"/>
-          </a:xfrm>
-        </p:spPr>
-        <p:txBody>
-          <a:bodyPr>
-            <a:normAutofit/>
-          </a:bodyPr>
-          <a:lstStyle>
-            <a:lvl1pPr>
-              <a:defRPr sz="3600">
-                <a:solidFill>
-                  <a:schemeClr val="bg1"/>
-                </a:solidFill>
-              </a:defRPr>
-            </a:lvl1pPr>
-          </a:lstStyle>
-          <a:p>
-            <a:r>
-              <a:rPr lang="en-US"/>
-              <a:t>Click to edit Master title style</a:t>
-            </a:r>
-            <a:endParaRPr lang="en-US" dirty="0"/>
-          </a:p>
-        </p:txBody>
-      </p:sp>
-      <p:sp>
-        <p:nvSpPr>
-          <p:cNvPr id="7" name="Content Placeholder 6"/>
-          <p:cNvSpPr>
-            <a:spLocks noGrp="1"/>
-          </p:cNvSpPr>
-          <p:nvPr>
-            <p:ph sz="quarter" idx="13"/>
-          </p:nvPr>
-        </p:nvSpPr>
-        <p:spPr>
-          <a:xfrm>
-            <a:off x="539496" y="2560320"/>
-            <a:ext cx="9445752" cy="3977640"/>
-          </a:xfrm>
-        </p:spPr>
-        <p:txBody>
-          <a:bodyPr vert="horz" lIns="91440" tIns="45720" rIns="91440" bIns="45720" rtlCol="0">
-            <a:normAutofit/>
-          </a:bodyPr>
-          <a:lstStyle>
-            <a:lvl1pPr>
-              <a:defRPr lang="en-US" sz="2400" smtClean="0">
-                <a:solidFill>
-                  <a:schemeClr val="tx1">
-                    <a:lumMod val="75000"/>
-                    <a:lumOff val="25000"/>
-                  </a:schemeClr>
-                </a:solidFill>
-                <a:latin typeface="+mj-lt"/>
-              </a:defRPr>
-            </a:lvl1pPr>
-            <a:lvl2pPr>
-              <a:defRPr lang="en-US" sz="1200" dirty="0" smtClean="0">
-                <a:solidFill>
-                  <a:schemeClr val="tx1">
-                    <a:lumMod val="75000"/>
-                    <a:lumOff val="25000"/>
-                  </a:schemeClr>
-                </a:solidFill>
-              </a:defRPr>
-            </a:lvl2pPr>
-            <a:lvl3pPr>
-              <a:defRPr lang="en-US" sz="1200" dirty="0" smtClean="0">
-                <a:solidFill>
-                  <a:schemeClr val="tx1">
-                    <a:lumMod val="75000"/>
-                    <a:lumOff val="25000"/>
-                  </a:schemeClr>
-                </a:solidFill>
-              </a:defRPr>
-            </a:lvl3pPr>
-            <a:lvl4pPr>
-              <a:defRPr lang="en-US" sz="1200" dirty="0" smtClean="0">
-                <a:solidFill>
-                  <a:schemeClr val="tx1">
-                    <a:lumMod val="75000"/>
-                    <a:lumOff val="25000"/>
-                  </a:schemeClr>
-                </a:solidFill>
-              </a:defRPr>
-            </a:lvl4pPr>
-            <a:lvl5pPr>
-              <a:defRPr lang="en-US" sz="1200" dirty="0">
-                <a:solidFill>
-                  <a:schemeClr val="tx1">
-                    <a:lumMod val="75000"/>
-                    <a:lumOff val="25000"/>
-                  </a:schemeClr>
-                </a:solidFill>
-              </a:defRPr>
-            </a:lvl5pPr>
-          </a:lstStyle>
-          <a:p>
-            <a:pPr marL="0" lvl="0" indent="0">
-              <a:lnSpc>
-                <a:spcPct val="150000"/>
-              </a:lnSpc>
-              <a:spcBef>
-                <a:spcPts val="1000"/>
-              </a:spcBef>
-              <a:spcAft>
-                <a:spcPts val="1200"/>
-              </a:spcAft>
-              <a:buNone/>
-            </a:pPr>
-            <a:r>
-              <a:rPr lang="en-US"/>
-              <a:t>Click to edit Master text styles</a:t>
-            </a:r>
-          </a:p>
-          <a:p>
-            <a:pPr marL="0" lvl="1" indent="0">
-              <a:lnSpc>
-                <a:spcPct val="150000"/>
-              </a:lnSpc>
-              <a:spcBef>
-                <a:spcPts val="1000"/>
-              </a:spcBef>
-              <a:spcAft>
-                <a:spcPts val="1200"/>
-              </a:spcAft>
-              <a:buNone/>
-            </a:pPr>
-            <a:r>
-              <a:rPr lang="en-US"/>
-              <a:t>Second level</a:t>
-            </a:r>
-          </a:p>
-          <a:p>
-            <a:pPr marL="0" lvl="2" indent="0">
-              <a:lnSpc>
-                <a:spcPct val="150000"/>
-              </a:lnSpc>
-              <a:spcBef>
-                <a:spcPts val="1000"/>
-              </a:spcBef>
-              <a:spcAft>
-                <a:spcPts val="1200"/>
-              </a:spcAft>
-              <a:buNone/>
-            </a:pPr>
-            <a:r>
-              <a:rPr lang="en-US"/>
-              <a:t>Third level</a:t>
-            </a:r>
-          </a:p>
-          <a:p>
-            <a:pPr marL="0" lvl="3" indent="0">
-              <a:lnSpc>
-                <a:spcPct val="150000"/>
-              </a:lnSpc>
-              <a:spcBef>
-                <a:spcPts val="1000"/>
-              </a:spcBef>
-              <a:spcAft>
-                <a:spcPts val="1200"/>
-              </a:spcAft>
-              <a:buNone/>
-            </a:pPr>
-            <a:r>
-              <a:rPr lang="en-US"/>
-              <a:t>Fourth level</a:t>
-            </a:r>
-          </a:p>
-          <a:p>
-            <a:pPr marL="0" lvl="4" indent="0">
-              <a:lnSpc>
-                <a:spcPct val="150000"/>
-              </a:lnSpc>
-              <a:spcBef>
-                <a:spcPts val="1000"/>
-              </a:spcBef>
-              <a:spcAft>
-                <a:spcPts val="1200"/>
-              </a:spcAft>
-              <a:buNone/>
-            </a:pPr>
-            <a:r>
-              <a:rPr lang="en-US"/>
-              <a:t>Fifth level</a:t>
-            </a:r>
-            <a:endParaRPr lang="en-US" dirty="0"/>
-          </a:p>
-        </p:txBody>
-      </p:sp>
-    </p:spTree>
-    <p:extLst>
-      <p:ext uri="{BB962C8B-B14F-4D97-AF65-F5344CB8AC3E}">
-        <p14:creationId xmlns:p14="http://schemas.microsoft.com/office/powerpoint/2010/main" val="697828445"/>
-      </p:ext>
-    </p:extLst>
-  </p:cSld>
-  <p:clrMapOvr>
-    <a:masterClrMapping/>
-  </p:clrMapOvr>
-</p:sldLayout>
-</file>
-
-<file path=ppt/slideLayouts/slideLayout6.xml><?xml version="1.0" encoding="utf-8"?>
-<p:sldLayout xmlns:a="http://schemas.openxmlformats.org/drawingml/2006/main" xmlns:r="http://schemas.openxmlformats.org/officeDocument/2006/relationships" xmlns:p="http://schemas.openxmlformats.org/presentationml/2006/main" preserve="1" userDrawn="1">
-  <p:cSld name="Title Only">
-    <p:spTree>
-      <p:nvGrpSpPr>
-        <p:cNvPr id="1" name=""/>
-        <p:cNvGrpSpPr/>
-        <p:nvPr/>
-      </p:nvGrpSpPr>
-      <p:grpSpPr>
-        <a:xfrm>
-          <a:off x="0" y="0"/>
-          <a:ext cx="0" cy="0"/>
-          <a:chOff x="0" y="0"/>
-          <a:chExt cx="0" cy="0"/>
-        </a:xfrm>
-      </p:grpSpPr>
-      <p:sp>
-        <p:nvSpPr>
-          <p:cNvPr id="9" name="Rectangle 8"/>
-          <p:cNvSpPr/>
-          <p:nvPr userDrawn="1"/>
-        </p:nvSpPr>
-        <p:spPr>
-          <a:xfrm>
-            <a:off x="256032" y="265176"/>
-            <a:ext cx="11683049" cy="6332433"/>
-          </a:xfrm>
-          <a:prstGeom prst="rect">
-            <a:avLst/>
-          </a:prstGeom>
-          <a:solidFill>
-            <a:srgbClr val="F5F5F5"/>
-          </a:solidFill>
-          <a:ln>
-            <a:noFill/>
-          </a:ln>
-        </p:spPr>
-        <p:style>
-          <a:lnRef idx="2">
-            <a:schemeClr val="accent1">
-              <a:shade val="50000"/>
-            </a:schemeClr>
-          </a:lnRef>
-          <a:fillRef idx="1">
-            <a:schemeClr val="accent1"/>
-          </a:fillRef>
-          <a:effectRef idx="0">
-            <a:schemeClr val="accent1"/>
-          </a:effectRef>
-          <a:fontRef idx="minor">
-            <a:schemeClr val="lt1"/>
-          </a:fontRef>
-        </p:style>
-        <p:txBody>
-          <a:bodyPr rtlCol="0" anchor="b" anchorCtr="0"/>
-          <a:lstStyle/>
-          <a:p>
-            <a:pPr algn="ctr"/>
-            <a:endParaRPr lang="en-US" sz="1800" dirty="0"/>
-          </a:p>
-        </p:txBody>
-      </p:sp>
-      <p:cxnSp>
-        <p:nvCxnSpPr>
-          <p:cNvPr id="12" name="Straight Connector 11"/>
-          <p:cNvCxnSpPr/>
-          <p:nvPr userDrawn="1"/>
-        </p:nvCxnSpPr>
-        <p:spPr>
-          <a:xfrm>
-            <a:off x="604434" y="1196392"/>
-            <a:ext cx="10983132" cy="0"/>
-          </a:xfrm>
-          <a:prstGeom prst="line">
-            <a:avLst/>
-          </a:prstGeom>
-          <a:ln w="25400">
-            <a:solidFill>
-              <a:srgbClr val="D24726"/>
-            </a:solidFill>
-          </a:ln>
-        </p:spPr>
-        <p:style>
-          <a:lnRef idx="1">
-            <a:schemeClr val="accent1"/>
-          </a:lnRef>
-          <a:fillRef idx="0">
-            <a:schemeClr val="accent1"/>
-          </a:fillRef>
-          <a:effectRef idx="0">
-            <a:schemeClr val="accent1"/>
-          </a:effectRef>
-          <a:fontRef idx="minor">
-            <a:schemeClr val="tx1"/>
-          </a:fontRef>
-        </p:style>
-      </p:cxnSp>
-      <p:sp>
-        <p:nvSpPr>
-          <p:cNvPr id="4" name="Title 3">
-            <a:extLst>
-              <a:ext uri="{FF2B5EF4-FFF2-40B4-BE49-F238E27FC236}">
-                <a16:creationId xmlns:a16="http://schemas.microsoft.com/office/drawing/2014/main" id="{0017C897-2775-4930-B0BE-BEB72453232A}"/>
-              </a:ext>
-            </a:extLst>
-          </p:cNvPr>
-          <p:cNvSpPr>
-            <a:spLocks noGrp="1"/>
-          </p:cNvSpPr>
-          <p:nvPr>
-            <p:ph type="title"/>
-          </p:nvPr>
-        </p:nvSpPr>
-        <p:spPr/>
-        <p:txBody>
-          <a:bodyPr/>
-          <a:lstStyle/>
-          <a:p>
-            <a:r>
-              <a:rPr lang="en-US"/>
-              <a:t>Click to edit Master title style</a:t>
-            </a:r>
-          </a:p>
-        </p:txBody>
-      </p:sp>
-    </p:spTree>
-    <p:extLst>
-      <p:ext uri="{BB962C8B-B14F-4D97-AF65-F5344CB8AC3E}">
-        <p14:creationId xmlns:p14="http://schemas.microsoft.com/office/powerpoint/2010/main" val="3148158993"/>
-      </p:ext>
-    </p:extLst>
-  </p:cSld>
-  <p:clrMapOvr>
-    <a:masterClrMapping/>
-  </p:clrMapOvr>
-</p:sldLayout>
-</file>
-
-<file path=ppt/slideLayouts/slideLayout7.xml><?xml version="1.0" encoding="utf-8"?>
-<p:sldLayout xmlns:a="http://schemas.openxmlformats.org/drawingml/2006/main" xmlns:r="http://schemas.openxmlformats.org/officeDocument/2006/relationships" xmlns:p="http://schemas.openxmlformats.org/presentationml/2006/main" preserve="1" userDrawn="1">
-  <p:cSld name="Standard">
-    <p:spTree>
-      <p:nvGrpSpPr>
-        <p:cNvPr id="1" name=""/>
-        <p:cNvGrpSpPr/>
-        <p:nvPr/>
-      </p:nvGrpSpPr>
-      <p:grpSpPr>
-        <a:xfrm>
-          <a:off x="0" y="0"/>
-          <a:ext cx="0" cy="0"/>
-          <a:chOff x="0" y="0"/>
-          <a:chExt cx="0" cy="0"/>
-        </a:xfrm>
-      </p:grpSpPr>
-      <p:sp>
-        <p:nvSpPr>
-          <p:cNvPr id="9" name="Rectangle 8"/>
-          <p:cNvSpPr/>
-          <p:nvPr userDrawn="1"/>
-        </p:nvSpPr>
-        <p:spPr>
-          <a:xfrm>
-            <a:off x="256032" y="265176"/>
-            <a:ext cx="11683049" cy="6332433"/>
-          </a:xfrm>
-          <a:prstGeom prst="rect">
-            <a:avLst/>
-          </a:prstGeom>
-          <a:solidFill>
-            <a:srgbClr val="F5F5F5"/>
-          </a:solidFill>
-          <a:ln>
-            <a:noFill/>
-          </a:ln>
-        </p:spPr>
-        <p:style>
-          <a:lnRef idx="2">
-            <a:schemeClr val="accent1">
-              <a:shade val="50000"/>
-            </a:schemeClr>
-          </a:lnRef>
-          <a:fillRef idx="1">
-            <a:schemeClr val="accent1"/>
-          </a:fillRef>
-          <a:effectRef idx="0">
-            <a:schemeClr val="accent1"/>
-          </a:effectRef>
-          <a:fontRef idx="minor">
-            <a:schemeClr val="lt1"/>
-          </a:fontRef>
-        </p:style>
-        <p:txBody>
-          <a:bodyPr rtlCol="0" anchor="b" anchorCtr="0"/>
-          <a:lstStyle/>
-          <a:p>
-            <a:pPr algn="ctr"/>
-            <a:endParaRPr lang="en-US" sz="1800" dirty="0"/>
-          </a:p>
-        </p:txBody>
-      </p:sp>
-      <p:cxnSp>
-        <p:nvCxnSpPr>
-          <p:cNvPr id="12" name="Straight Connector 11"/>
-          <p:cNvCxnSpPr/>
-          <p:nvPr userDrawn="1"/>
-        </p:nvCxnSpPr>
-        <p:spPr>
-          <a:xfrm>
-            <a:off x="604434" y="1196392"/>
-            <a:ext cx="10983132" cy="0"/>
-          </a:xfrm>
-          <a:prstGeom prst="line">
-            <a:avLst/>
-          </a:prstGeom>
-          <a:ln w="25400">
-            <a:solidFill>
-              <a:srgbClr val="D24726"/>
-            </a:solidFill>
-          </a:ln>
-        </p:spPr>
-        <p:style>
-          <a:lnRef idx="1">
-            <a:schemeClr val="accent1"/>
-          </a:lnRef>
-          <a:fillRef idx="0">
-            <a:schemeClr val="accent1"/>
-          </a:fillRef>
-          <a:effectRef idx="0">
-            <a:schemeClr val="accent1"/>
-          </a:effectRef>
-          <a:fontRef idx="minor">
-            <a:schemeClr val="tx1"/>
-          </a:fontRef>
-        </p:style>
-      </p:cxnSp>
-      <p:pic>
-        <p:nvPicPr>
-          <p:cNvPr id="6" name="Picture 5">
-            <a:extLst>
-              <a:ext uri="{FF2B5EF4-FFF2-40B4-BE49-F238E27FC236}">
-                <a16:creationId xmlns:a16="http://schemas.microsoft.com/office/drawing/2014/main" id="{D258610D-0376-4D1E-8ED8-29382288BB0C}"/>
-              </a:ext>
-            </a:extLst>
-          </p:cNvPr>
-          <p:cNvPicPr>
-            <a:picLocks noChangeAspect="1"/>
-          </p:cNvPicPr>
-          <p:nvPr userDrawn="1"/>
-        </p:nvPicPr>
-        <p:blipFill rotWithShape="1">
-          <a:blip r:embed="rId2">
-            <a:extLst>
-              <a:ext uri="{28A0092B-C50C-407E-A947-70E740481C1C}">
-                <a14:useLocalDpi xmlns:a14="http://schemas.microsoft.com/office/drawing/2010/main" val="0"/>
-              </a:ext>
-            </a:extLst>
-          </a:blip>
-          <a:srcRect l="-41783" t="-3"/>
-          <a:stretch/>
-        </p:blipFill>
-        <p:spPr>
-          <a:xfrm>
-            <a:off x="269032" y="4801396"/>
-            <a:ext cx="11653936" cy="1786228"/>
-          </a:xfrm>
-          <a:prstGeom prst="rect">
-            <a:avLst/>
-          </a:prstGeom>
-        </p:spPr>
-      </p:pic>
-      <p:sp>
-        <p:nvSpPr>
-          <p:cNvPr id="3" name="Title 2">
-            <a:extLst>
-              <a:ext uri="{FF2B5EF4-FFF2-40B4-BE49-F238E27FC236}">
-                <a16:creationId xmlns:a16="http://schemas.microsoft.com/office/drawing/2014/main" id="{21C16CD2-606C-441E-BBA3-51767980CCA0}"/>
-              </a:ext>
-            </a:extLst>
-          </p:cNvPr>
-          <p:cNvSpPr>
-            <a:spLocks noGrp="1"/>
-          </p:cNvSpPr>
-          <p:nvPr>
-            <p:ph type="title"/>
-          </p:nvPr>
-        </p:nvSpPr>
-        <p:spPr/>
-        <p:txBody>
-          <a:bodyPr/>
-          <a:lstStyle/>
-          <a:p>
-            <a:r>
-              <a:rPr lang="en-US"/>
-              <a:t>Click to edit Master title style</a:t>
-            </a:r>
-          </a:p>
-        </p:txBody>
-      </p:sp>
-    </p:spTree>
-    <p:extLst>
-      <p:ext uri="{BB962C8B-B14F-4D97-AF65-F5344CB8AC3E}">
-        <p14:creationId xmlns:p14="http://schemas.microsoft.com/office/powerpoint/2010/main" val="993501737"/>
-      </p:ext>
-    </p:extLst>
-  </p:cSld>
-  <p:clrMapOvr>
-    <a:masterClrMapping/>
-  </p:clrMapOvr>
-</p:sldLayout>
-</file>
-
-<file path=ppt/slideLayouts/slideLayout8.xml><?xml version="1.0" encoding="utf-8"?>
-<p:sldLayout xmlns:a="http://schemas.openxmlformats.org/drawingml/2006/main" xmlns:r="http://schemas.openxmlformats.org/officeDocument/2006/relationships" xmlns:p="http://schemas.openxmlformats.org/presentationml/2006/main" type="blank" preserve="1">
-  <p:cSld name="Blank">
-    <p:spTree>
-      <p:nvGrpSpPr>
-        <p:cNvPr id="1" name=""/>
-        <p:cNvGrpSpPr/>
-        <p:nvPr/>
-      </p:nvGrpSpPr>
-      <p:grpSpPr>
-        <a:xfrm>
-          <a:off x="0" y="0"/>
-          <a:ext cx="0" cy="0"/>
-          <a:chOff x="0" y="0"/>
-          <a:chExt cx="0" cy="0"/>
-        </a:xfrm>
-      </p:grpSpPr>
-    </p:spTree>
-    <p:extLst>
-      <p:ext uri="{BB962C8B-B14F-4D97-AF65-F5344CB8AC3E}">
-        <p14:creationId xmlns:p14="http://schemas.microsoft.com/office/powerpoint/2010/main" val="2976675406"/>
-      </p:ext>
-    </p:extLst>
-  </p:cSld>
-  <p:clrMapOvr>
-    <a:masterClrMapping/>
-  </p:clrMapOvr>
-</p:sldLayout>
-</file>
-
-<file path=ppt/slideLayouts/slideLayout9.xml><?xml version="1.0" encoding="utf-8"?>
+<file path=ppt/slideLayouts/slideLayout12.xml><?xml version="1.0" encoding="utf-8"?>
 <p:sldLayout xmlns:a="http://schemas.openxmlformats.org/drawingml/2006/main" xmlns:r="http://schemas.openxmlformats.org/officeDocument/2006/relationships" xmlns:p="http://schemas.openxmlformats.org/presentationml/2006/main" userDrawn="1">
   <p:cSld name="Content Slide &amp; Extra Copy">
     <p:spTree>
@@ -2359,7 +1510,7 @@
     </p:spTree>
     <p:extLst>
       <p:ext uri="{BB962C8B-B14F-4D97-AF65-F5344CB8AC3E}">
-        <p14:creationId xmlns:p14="http://schemas.microsoft.com/office/powerpoint/2010/main" val="1699765512"/>
+        <p14:creationId xmlns:p14="http://schemas.microsoft.com/office/powerpoint/2010/main" val="1463182318"/>
       </p:ext>
     </p:extLst>
   </p:cSld>
@@ -2381,14 +1532,9 @@
 </p:sldLayout>
 </file>
 
-<file path=ppt/slideMasters/slideMaster1.xml><?xml version="1.0" encoding="utf-8"?>
-<p:sldMaster xmlns:a="http://schemas.openxmlformats.org/drawingml/2006/main" xmlns:r="http://schemas.openxmlformats.org/officeDocument/2006/relationships" xmlns:p="http://schemas.openxmlformats.org/presentationml/2006/main">
-  <p:cSld>
-    <p:bg>
-      <p:bgRef idx="1001">
-        <a:schemeClr val="bg1"/>
-      </p:bgRef>
-    </p:bg>
+<file path=ppt/slideLayouts/slideLayout13.xml><?xml version="1.0" encoding="utf-8"?>
+<p:sldLayout xmlns:a="http://schemas.openxmlformats.org/drawingml/2006/main" xmlns:r="http://schemas.openxmlformats.org/officeDocument/2006/relationships" xmlns:p="http://schemas.openxmlformats.org/presentationml/2006/main" userDrawn="1">
+  <p:cSld name="Content Slide - Headline Only">
     <p:spTree>
       <p:nvGrpSpPr>
         <p:cNvPr id="1" name=""/>
@@ -2405,13 +1551,1007 @@
       </p:grpSpPr>
       <p:sp>
         <p:nvSpPr>
-          <p:cNvPr id="7" name="Rectangle 6">
-            <a:extLst>
-              <a:ext uri="{FF2B5EF4-FFF2-40B4-BE49-F238E27FC236}">
-                <a16:creationId xmlns:a16="http://schemas.microsoft.com/office/drawing/2014/main" id="{CD5FD28E-AEC9-43B8-86F4-9CD3C41D49D7}"/>
-              </a:ext>
-            </a:extLst>
-          </p:cNvPr>
+          <p:cNvPr id="2" name="Title 1"/>
+          <p:cNvSpPr>
+            <a:spLocks noGrp="1"/>
+          </p:cNvSpPr>
+          <p:nvPr>
+            <p:ph type="title" hasCustomPrompt="1"/>
+          </p:nvPr>
+        </p:nvSpPr>
+        <p:spPr>
+          <a:xfrm>
+            <a:off x="426720" y="369864"/>
+            <a:ext cx="11338560" cy="631819"/>
+          </a:xfrm>
+          <a:prstGeom prst="rect">
+            <a:avLst/>
+          </a:prstGeom>
+        </p:spPr>
+        <p:txBody>
+          <a:bodyPr>
+            <a:noAutofit/>
+          </a:bodyPr>
+          <a:lstStyle>
+            <a:lvl1pPr>
+              <a:defRPr sz="2400"/>
+            </a:lvl1pPr>
+          </a:lstStyle>
+          <a:p>
+            <a:r>
+              <a:rPr lang="en-US" dirty="0"/>
+              <a:t>Click to edit Master title style for 1 or 2 line headlines</a:t>
+            </a:r>
+          </a:p>
+        </p:txBody>
+      </p:sp>
+    </p:spTree>
+    <p:extLst>
+      <p:ext uri="{BB962C8B-B14F-4D97-AF65-F5344CB8AC3E}">
+        <p14:creationId xmlns:p14="http://schemas.microsoft.com/office/powerpoint/2010/main" val="150410311"/>
+      </p:ext>
+    </p:extLst>
+  </p:cSld>
+  <p:clrMapOvr>
+    <a:masterClrMapping/>
+  </p:clrMapOvr>
+  <mc:AlternateContent xmlns:mc="http://schemas.openxmlformats.org/markup-compatibility/2006" xmlns:p14="http://schemas.microsoft.com/office/powerpoint/2010/main">
+    <mc:Choice Requires="p14">
+      <p:transition spd="med" p14:dur="700">
+        <p:fade/>
+      </p:transition>
+    </mc:Choice>
+    <mc:Fallback xmlns="">
+      <p:transition spd="med">
+        <p:fade/>
+      </p:transition>
+    </mc:Fallback>
+  </mc:AlternateContent>
+</p:sldLayout>
+</file>
+
+<file path=ppt/slideLayouts/slideLayout14.xml><?xml version="1.0" encoding="utf-8"?>
+<p:sldLayout xmlns:a="http://schemas.openxmlformats.org/drawingml/2006/main" xmlns:r="http://schemas.openxmlformats.org/officeDocument/2006/relationships" xmlns:p="http://schemas.openxmlformats.org/presentationml/2006/main" preserve="1" userDrawn="1">
+  <p:cSld name="1_Title and Content">
+    <p:spTree>
+      <p:nvGrpSpPr>
+        <p:cNvPr id="1" name=""/>
+        <p:cNvGrpSpPr/>
+        <p:nvPr/>
+      </p:nvGrpSpPr>
+      <p:grpSpPr>
+        <a:xfrm>
+          <a:off x="0" y="0"/>
+          <a:ext cx="0" cy="0"/>
+          <a:chOff x="0" y="0"/>
+          <a:chExt cx="0" cy="0"/>
+        </a:xfrm>
+      </p:grpSpPr>
+      <p:pic>
+        <p:nvPicPr>
+          <p:cNvPr id="7" name="Picture 6">
+            <a:extLst>
+              <a:ext uri="{FF2B5EF4-FFF2-40B4-BE49-F238E27FC236}">
+                <a16:creationId xmlns:a16="http://schemas.microsoft.com/office/drawing/2014/main" id="{345A2570-7517-4576-B836-E4E6D3E743B9}"/>
+              </a:ext>
+              <a:ext uri="{C183D7F6-B498-43B3-948B-1728B52AA6E4}">
+                <adec:decorative xmlns:adec="http://schemas.microsoft.com/office/drawing/2017/decorative" val="1"/>
+              </a:ext>
+            </a:extLst>
+          </p:cNvPr>
+          <p:cNvPicPr>
+            <a:picLocks noChangeAspect="1"/>
+          </p:cNvPicPr>
+          <p:nvPr userDrawn="1"/>
+        </p:nvPicPr>
+        <p:blipFill rotWithShape="1">
+          <a:blip r:embed="rId2">
+            <a:extLst>
+              <a:ext uri="{28A0092B-C50C-407E-A947-70E740481C1C}">
+                <a14:useLocalDpi xmlns:a14="http://schemas.microsoft.com/office/drawing/2010/main" val="0"/>
+              </a:ext>
+            </a:extLst>
+          </a:blip>
+          <a:srcRect t="-3"/>
+          <a:stretch/>
+        </p:blipFill>
+        <p:spPr>
+          <a:xfrm>
+            <a:off x="269032" y="4801396"/>
+            <a:ext cx="11653936" cy="1786228"/>
+          </a:xfrm>
+          <a:prstGeom prst="rect">
+            <a:avLst/>
+          </a:prstGeom>
+        </p:spPr>
+      </p:pic>
+      <p:sp>
+        <p:nvSpPr>
+          <p:cNvPr id="3" name="Content Placeholder 2">
+            <a:extLst>
+              <a:ext uri="{FF2B5EF4-FFF2-40B4-BE49-F238E27FC236}">
+                <a16:creationId xmlns:a16="http://schemas.microsoft.com/office/drawing/2014/main" id="{6859B673-4507-4B72-871E-0018907875DD}"/>
+              </a:ext>
+            </a:extLst>
+          </p:cNvPr>
+          <p:cNvSpPr>
+            <a:spLocks noGrp="1"/>
+          </p:cNvSpPr>
+          <p:nvPr>
+            <p:ph idx="1"/>
+          </p:nvPr>
+        </p:nvSpPr>
+        <p:spPr>
+          <a:xfrm>
+            <a:off x="604433" y="1604211"/>
+            <a:ext cx="10983131" cy="4572752"/>
+          </a:xfrm>
+        </p:spPr>
+        <p:txBody>
+          <a:bodyPr/>
+          <a:lstStyle>
+            <a:lvl1pPr marL="0" indent="0">
+              <a:spcAft>
+                <a:spcPts val="1200"/>
+              </a:spcAft>
+              <a:buSzPct val="25000"/>
+              <a:buFont typeface="Segoe UI" panose="020B0502040204020203" pitchFamily="34" charset="0"/>
+              <a:buChar char=" "/>
+              <a:defRPr sz="1200"/>
+            </a:lvl1pPr>
+            <a:lvl2pPr marL="401638" indent="7938">
+              <a:spcBef>
+                <a:spcPts val="600"/>
+              </a:spcBef>
+              <a:spcAft>
+                <a:spcPts val="1200"/>
+              </a:spcAft>
+              <a:buFont typeface="Segoe UI" panose="020B0502040204020203" pitchFamily="34" charset="0"/>
+              <a:buChar char=" "/>
+              <a:defRPr sz="1200"/>
+            </a:lvl2pPr>
+            <a:lvl3pPr marL="1143000" indent="-228600">
+              <a:buFont typeface="Segoe UI" panose="020B0502040204020203" pitchFamily="34" charset="0"/>
+              <a:buChar char=" "/>
+              <a:defRPr/>
+            </a:lvl3pPr>
+            <a:lvl4pPr marL="1600200" indent="-228600">
+              <a:buFont typeface="Segoe UI" panose="020B0502040204020203" pitchFamily="34" charset="0"/>
+              <a:buChar char=" "/>
+              <a:defRPr/>
+            </a:lvl4pPr>
+            <a:lvl5pPr marL="2057400" indent="-228600">
+              <a:buFont typeface="Segoe UI" panose="020B0502040204020203" pitchFamily="34" charset="0"/>
+              <a:buChar char=" "/>
+              <a:defRPr/>
+            </a:lvl5pPr>
+          </a:lstStyle>
+          <a:p>
+            <a:pPr lvl="0"/>
+            <a:r>
+              <a:rPr lang="en-US"/>
+              <a:t>Click to edit Master text styles</a:t>
+            </a:r>
+          </a:p>
+          <a:p>
+            <a:pPr lvl="1"/>
+            <a:r>
+              <a:rPr lang="en-US"/>
+              <a:t>Second level</a:t>
+            </a:r>
+          </a:p>
+        </p:txBody>
+      </p:sp>
+      <p:sp>
+        <p:nvSpPr>
+          <p:cNvPr id="9" name="Title 8">
+            <a:extLst>
+              <a:ext uri="{FF2B5EF4-FFF2-40B4-BE49-F238E27FC236}">
+                <a16:creationId xmlns:a16="http://schemas.microsoft.com/office/drawing/2014/main" id="{FB8AB91F-D739-4DD5-859B-B16B125BECF6}"/>
+              </a:ext>
+            </a:extLst>
+          </p:cNvPr>
+          <p:cNvSpPr>
+            <a:spLocks noGrp="1"/>
+          </p:cNvSpPr>
+          <p:nvPr>
+            <p:ph type="title"/>
+          </p:nvPr>
+        </p:nvSpPr>
+        <p:spPr/>
+        <p:txBody>
+          <a:bodyPr/>
+          <a:lstStyle/>
+          <a:p>
+            <a:r>
+              <a:rPr lang="en-US"/>
+              <a:t>Click to edit Master title style</a:t>
+            </a:r>
+          </a:p>
+        </p:txBody>
+      </p:sp>
+    </p:spTree>
+    <p:extLst>
+      <p:ext uri="{BB962C8B-B14F-4D97-AF65-F5344CB8AC3E}">
+        <p14:creationId xmlns:p14="http://schemas.microsoft.com/office/powerpoint/2010/main" val="2710340646"/>
+      </p:ext>
+    </p:extLst>
+  </p:cSld>
+  <p:clrMapOvr>
+    <a:masterClrMapping/>
+  </p:clrMapOvr>
+</p:sldLayout>
+</file>
+
+<file path=ppt/slideLayouts/slideLayout15.xml><?xml version="1.0" encoding="utf-8"?>
+<p:sldLayout xmlns:a="http://schemas.openxmlformats.org/drawingml/2006/main" xmlns:r="http://schemas.openxmlformats.org/officeDocument/2006/relationships" xmlns:p="http://schemas.openxmlformats.org/presentationml/2006/main" preserve="1" userDrawn="1">
+  <p:cSld name="Title and Text">
+    <p:spTree>
+      <p:nvGrpSpPr>
+        <p:cNvPr id="1" name=""/>
+        <p:cNvGrpSpPr/>
+        <p:nvPr/>
+      </p:nvGrpSpPr>
+      <p:grpSpPr>
+        <a:xfrm>
+          <a:off x="0" y="0"/>
+          <a:ext cx="0" cy="0"/>
+          <a:chOff x="0" y="0"/>
+          <a:chExt cx="0" cy="0"/>
+        </a:xfrm>
+      </p:grpSpPr>
+      <p:pic>
+        <p:nvPicPr>
+          <p:cNvPr id="7" name="Picture 6">
+            <a:extLst>
+              <a:ext uri="{FF2B5EF4-FFF2-40B4-BE49-F238E27FC236}">
+                <a16:creationId xmlns:a16="http://schemas.microsoft.com/office/drawing/2014/main" id="{345A2570-7517-4576-B836-E4E6D3E743B9}"/>
+              </a:ext>
+              <a:ext uri="{C183D7F6-B498-43B3-948B-1728B52AA6E4}">
+                <adec:decorative xmlns:adec="http://schemas.microsoft.com/office/drawing/2017/decorative" val="1"/>
+              </a:ext>
+            </a:extLst>
+          </p:cNvPr>
+          <p:cNvPicPr>
+            <a:picLocks noChangeAspect="1"/>
+          </p:cNvPicPr>
+          <p:nvPr userDrawn="1"/>
+        </p:nvPicPr>
+        <p:blipFill rotWithShape="1">
+          <a:blip r:embed="rId2">
+            <a:extLst>
+              <a:ext uri="{28A0092B-C50C-407E-A947-70E740481C1C}">
+                <a14:useLocalDpi xmlns:a14="http://schemas.microsoft.com/office/drawing/2010/main" val="0"/>
+              </a:ext>
+            </a:extLst>
+          </a:blip>
+          <a:srcRect t="-3"/>
+          <a:stretch/>
+        </p:blipFill>
+        <p:spPr>
+          <a:xfrm>
+            <a:off x="269032" y="4801396"/>
+            <a:ext cx="11653936" cy="1786228"/>
+          </a:xfrm>
+          <a:prstGeom prst="rect">
+            <a:avLst/>
+          </a:prstGeom>
+        </p:spPr>
+      </p:pic>
+      <p:sp>
+        <p:nvSpPr>
+          <p:cNvPr id="3" name="Content Placeholder 2">
+            <a:extLst>
+              <a:ext uri="{FF2B5EF4-FFF2-40B4-BE49-F238E27FC236}">
+                <a16:creationId xmlns:a16="http://schemas.microsoft.com/office/drawing/2014/main" id="{6859B673-4507-4B72-871E-0018907875DD}"/>
+              </a:ext>
+            </a:extLst>
+          </p:cNvPr>
+          <p:cNvSpPr>
+            <a:spLocks noGrp="1"/>
+          </p:cNvSpPr>
+          <p:nvPr>
+            <p:ph idx="1"/>
+          </p:nvPr>
+        </p:nvSpPr>
+        <p:spPr>
+          <a:xfrm>
+            <a:off x="604433" y="1604211"/>
+            <a:ext cx="10983131" cy="4572752"/>
+          </a:xfrm>
+        </p:spPr>
+        <p:txBody>
+          <a:bodyPr/>
+          <a:lstStyle>
+            <a:lvl1pPr marL="0" indent="0">
+              <a:spcAft>
+                <a:spcPts val="1200"/>
+              </a:spcAft>
+              <a:buSzPct val="25000"/>
+              <a:buFont typeface="Segoe UI" panose="020B0502040204020203" pitchFamily="34" charset="0"/>
+              <a:buChar char=" "/>
+              <a:defRPr sz="1200"/>
+            </a:lvl1pPr>
+            <a:lvl2pPr marL="401638" indent="7938">
+              <a:spcBef>
+                <a:spcPts val="600"/>
+              </a:spcBef>
+              <a:spcAft>
+                <a:spcPts val="1200"/>
+              </a:spcAft>
+              <a:buFont typeface="Segoe UI" panose="020B0502040204020203" pitchFamily="34" charset="0"/>
+              <a:buChar char=" "/>
+              <a:defRPr sz="1200"/>
+            </a:lvl2pPr>
+            <a:lvl3pPr marL="1143000" indent="-228600">
+              <a:buFont typeface="Segoe UI" panose="020B0502040204020203" pitchFamily="34" charset="0"/>
+              <a:buChar char=" "/>
+              <a:defRPr/>
+            </a:lvl3pPr>
+            <a:lvl4pPr marL="1600200" indent="-228600">
+              <a:buFont typeface="Segoe UI" panose="020B0502040204020203" pitchFamily="34" charset="0"/>
+              <a:buChar char=" "/>
+              <a:defRPr/>
+            </a:lvl4pPr>
+            <a:lvl5pPr marL="2057400" indent="-228600">
+              <a:buFont typeface="Segoe UI" panose="020B0502040204020203" pitchFamily="34" charset="0"/>
+              <a:buChar char=" "/>
+              <a:defRPr/>
+            </a:lvl5pPr>
+          </a:lstStyle>
+          <a:p>
+            <a:pPr lvl="0"/>
+            <a:r>
+              <a:rPr lang="en-US"/>
+              <a:t>Click to edit Master text styles</a:t>
+            </a:r>
+          </a:p>
+          <a:p>
+            <a:pPr lvl="1"/>
+            <a:r>
+              <a:rPr lang="en-US"/>
+              <a:t>Second level</a:t>
+            </a:r>
+          </a:p>
+        </p:txBody>
+      </p:sp>
+      <p:sp>
+        <p:nvSpPr>
+          <p:cNvPr id="4" name="Title 3">
+            <a:extLst>
+              <a:ext uri="{FF2B5EF4-FFF2-40B4-BE49-F238E27FC236}">
+                <a16:creationId xmlns:a16="http://schemas.microsoft.com/office/drawing/2014/main" id="{0E770BB0-A521-41C6-A0AE-BEE679D2AD12}"/>
+              </a:ext>
+            </a:extLst>
+          </p:cNvPr>
+          <p:cNvSpPr>
+            <a:spLocks noGrp="1"/>
+          </p:cNvSpPr>
+          <p:nvPr>
+            <p:ph type="title"/>
+          </p:nvPr>
+        </p:nvSpPr>
+        <p:spPr/>
+        <p:txBody>
+          <a:bodyPr/>
+          <a:lstStyle/>
+          <a:p>
+            <a:r>
+              <a:rPr lang="en-US"/>
+              <a:t>Click to edit Master title style</a:t>
+            </a:r>
+          </a:p>
+        </p:txBody>
+      </p:sp>
+    </p:spTree>
+    <p:extLst>
+      <p:ext uri="{BB962C8B-B14F-4D97-AF65-F5344CB8AC3E}">
+        <p14:creationId xmlns:p14="http://schemas.microsoft.com/office/powerpoint/2010/main" val="140465771"/>
+      </p:ext>
+    </p:extLst>
+  </p:cSld>
+  <p:clrMapOvr>
+    <a:masterClrMapping/>
+  </p:clrMapOvr>
+</p:sldLayout>
+</file>
+
+<file path=ppt/slideLayouts/slideLayout16.xml><?xml version="1.0" encoding="utf-8"?>
+<p:sldLayout xmlns:a="http://schemas.openxmlformats.org/drawingml/2006/main" xmlns:r="http://schemas.openxmlformats.org/officeDocument/2006/relationships" xmlns:p="http://schemas.openxmlformats.org/presentationml/2006/main" preserve="1" userDrawn="1">
+  <p:cSld name="1_Two Content">
+    <p:spTree>
+      <p:nvGrpSpPr>
+        <p:cNvPr id="1" name=""/>
+        <p:cNvGrpSpPr/>
+        <p:nvPr/>
+      </p:nvGrpSpPr>
+      <p:grpSpPr>
+        <a:xfrm>
+          <a:off x="0" y="0"/>
+          <a:ext cx="0" cy="0"/>
+          <a:chOff x="0" y="0"/>
+          <a:chExt cx="0" cy="0"/>
+        </a:xfrm>
+      </p:grpSpPr>
+      <p:pic>
+        <p:nvPicPr>
+          <p:cNvPr id="10" name="Picture 9">
+            <a:extLst>
+              <a:ext uri="{FF2B5EF4-FFF2-40B4-BE49-F238E27FC236}">
+                <a16:creationId xmlns:a16="http://schemas.microsoft.com/office/drawing/2014/main" id="{5F89203F-46EF-44A2-956A-7FF6AF93BE72}"/>
+              </a:ext>
+            </a:extLst>
+          </p:cNvPr>
+          <p:cNvPicPr>
+            <a:picLocks noChangeAspect="1"/>
+          </p:cNvPicPr>
+          <p:nvPr userDrawn="1"/>
+        </p:nvPicPr>
+        <p:blipFill rotWithShape="1">
+          <a:blip r:embed="rId2">
+            <a:extLst>
+              <a:ext uri="{28A0092B-C50C-407E-A947-70E740481C1C}">
+                <a14:useLocalDpi xmlns:a14="http://schemas.microsoft.com/office/drawing/2010/main" val="0"/>
+              </a:ext>
+            </a:extLst>
+          </a:blip>
+          <a:srcRect t="-3"/>
+          <a:stretch/>
+        </p:blipFill>
+        <p:spPr>
+          <a:xfrm>
+            <a:off x="269032" y="4801396"/>
+            <a:ext cx="11653936" cy="1786228"/>
+          </a:xfrm>
+          <a:prstGeom prst="rect">
+            <a:avLst/>
+          </a:prstGeom>
+        </p:spPr>
+      </p:pic>
+      <p:sp>
+        <p:nvSpPr>
+          <p:cNvPr id="8" name="Content Placeholder 2">
+            <a:extLst>
+              <a:ext uri="{FF2B5EF4-FFF2-40B4-BE49-F238E27FC236}">
+                <a16:creationId xmlns:a16="http://schemas.microsoft.com/office/drawing/2014/main" id="{D1D47175-944E-463B-ABBB-06669A473913}"/>
+              </a:ext>
+            </a:extLst>
+          </p:cNvPr>
+          <p:cNvSpPr>
+            <a:spLocks noGrp="1"/>
+          </p:cNvSpPr>
+          <p:nvPr>
+            <p:ph idx="1"/>
+          </p:nvPr>
+        </p:nvSpPr>
+        <p:spPr>
+          <a:xfrm>
+            <a:off x="1090862" y="1507068"/>
+            <a:ext cx="3192379" cy="4669896"/>
+          </a:xfrm>
+        </p:spPr>
+        <p:txBody>
+          <a:bodyPr anchor="ctr"/>
+          <a:lstStyle>
+            <a:lvl1pPr marL="0" indent="0" algn="l">
+              <a:lnSpc>
+                <a:spcPct val="150000"/>
+              </a:lnSpc>
+              <a:spcAft>
+                <a:spcPts val="1200"/>
+              </a:spcAft>
+              <a:buSzPct val="25000"/>
+              <a:buFont typeface="Segoe UI" panose="020B0502040204020203" pitchFamily="34" charset="0"/>
+              <a:buChar char=" "/>
+              <a:defRPr sz="1200"/>
+            </a:lvl1pPr>
+            <a:lvl2pPr marL="401638" indent="7938" algn="l">
+              <a:spcBef>
+                <a:spcPts val="600"/>
+              </a:spcBef>
+              <a:spcAft>
+                <a:spcPts val="1200"/>
+              </a:spcAft>
+              <a:buFont typeface="Segoe UI" panose="020B0502040204020203" pitchFamily="34" charset="0"/>
+              <a:buChar char=" "/>
+              <a:defRPr sz="1200"/>
+            </a:lvl2pPr>
+            <a:lvl3pPr marL="1143000" indent="-228600">
+              <a:buFont typeface="Segoe UI" panose="020B0502040204020203" pitchFamily="34" charset="0"/>
+              <a:buChar char=" "/>
+              <a:defRPr/>
+            </a:lvl3pPr>
+            <a:lvl4pPr marL="1600200" indent="-228600">
+              <a:buFont typeface="Segoe UI" panose="020B0502040204020203" pitchFamily="34" charset="0"/>
+              <a:buChar char=" "/>
+              <a:defRPr/>
+            </a:lvl4pPr>
+            <a:lvl5pPr marL="2057400" indent="-228600">
+              <a:buFont typeface="Segoe UI" panose="020B0502040204020203" pitchFamily="34" charset="0"/>
+              <a:buChar char=" "/>
+              <a:defRPr/>
+            </a:lvl5pPr>
+          </a:lstStyle>
+          <a:p>
+            <a:pPr lvl="0"/>
+            <a:r>
+              <a:rPr lang="en-US"/>
+              <a:t>Click to edit Master text styles</a:t>
+            </a:r>
+          </a:p>
+          <a:p>
+            <a:pPr lvl="1"/>
+            <a:r>
+              <a:rPr lang="en-US"/>
+              <a:t>Second level</a:t>
+            </a:r>
+          </a:p>
+        </p:txBody>
+      </p:sp>
+      <p:sp>
+        <p:nvSpPr>
+          <p:cNvPr id="9" name="Content Placeholder 2">
+            <a:extLst>
+              <a:ext uri="{FF2B5EF4-FFF2-40B4-BE49-F238E27FC236}">
+                <a16:creationId xmlns:a16="http://schemas.microsoft.com/office/drawing/2014/main" id="{A40725B0-0DB7-41CE-9C4C-39E8D0F6325E}"/>
+              </a:ext>
+            </a:extLst>
+          </p:cNvPr>
+          <p:cNvSpPr>
+            <a:spLocks noGrp="1"/>
+          </p:cNvSpPr>
+          <p:nvPr>
+            <p:ph idx="13"/>
+          </p:nvPr>
+        </p:nvSpPr>
+        <p:spPr>
+          <a:xfrm>
+            <a:off x="4395537" y="1507068"/>
+            <a:ext cx="7143905" cy="4669896"/>
+          </a:xfrm>
+        </p:spPr>
+        <p:txBody>
+          <a:bodyPr anchor="ctr"/>
+          <a:lstStyle>
+            <a:lvl1pPr marL="0" indent="0">
+              <a:spcAft>
+                <a:spcPts val="1200"/>
+              </a:spcAft>
+              <a:buSzPct val="25000"/>
+              <a:buFont typeface="Segoe UI" panose="020B0502040204020203" pitchFamily="34" charset="0"/>
+              <a:buChar char=" "/>
+              <a:defRPr sz="1200"/>
+            </a:lvl1pPr>
+            <a:lvl2pPr marL="401638" indent="7938">
+              <a:spcBef>
+                <a:spcPts val="600"/>
+              </a:spcBef>
+              <a:spcAft>
+                <a:spcPts val="1200"/>
+              </a:spcAft>
+              <a:buFont typeface="Segoe UI" panose="020B0502040204020203" pitchFamily="34" charset="0"/>
+              <a:buChar char=" "/>
+              <a:defRPr sz="1200"/>
+            </a:lvl2pPr>
+            <a:lvl3pPr marL="1143000" indent="-228600">
+              <a:buFont typeface="Segoe UI" panose="020B0502040204020203" pitchFamily="34" charset="0"/>
+              <a:buChar char=" "/>
+              <a:defRPr/>
+            </a:lvl3pPr>
+            <a:lvl4pPr marL="1600200" indent="-228600">
+              <a:buFont typeface="Segoe UI" panose="020B0502040204020203" pitchFamily="34" charset="0"/>
+              <a:buChar char=" "/>
+              <a:defRPr/>
+            </a:lvl4pPr>
+            <a:lvl5pPr marL="2057400" indent="-228600">
+              <a:buFont typeface="Segoe UI" panose="020B0502040204020203" pitchFamily="34" charset="0"/>
+              <a:buChar char=" "/>
+              <a:defRPr/>
+            </a:lvl5pPr>
+          </a:lstStyle>
+          <a:p>
+            <a:pPr lvl="0"/>
+            <a:r>
+              <a:rPr lang="en-US"/>
+              <a:t>Click to edit Master text styles</a:t>
+            </a:r>
+          </a:p>
+          <a:p>
+            <a:pPr lvl="1"/>
+            <a:r>
+              <a:rPr lang="en-US"/>
+              <a:t>Second level</a:t>
+            </a:r>
+          </a:p>
+        </p:txBody>
+      </p:sp>
+      <p:sp>
+        <p:nvSpPr>
+          <p:cNvPr id="11" name="Title 10">
+            <a:extLst>
+              <a:ext uri="{FF2B5EF4-FFF2-40B4-BE49-F238E27FC236}">
+                <a16:creationId xmlns:a16="http://schemas.microsoft.com/office/drawing/2014/main" id="{F9E63483-559C-4A6F-B04F-D6C56A3CC094}"/>
+              </a:ext>
+            </a:extLst>
+          </p:cNvPr>
+          <p:cNvSpPr>
+            <a:spLocks noGrp="1"/>
+          </p:cNvSpPr>
+          <p:nvPr>
+            <p:ph type="title"/>
+          </p:nvPr>
+        </p:nvSpPr>
+        <p:spPr/>
+        <p:txBody>
+          <a:bodyPr/>
+          <a:lstStyle/>
+          <a:p>
+            <a:r>
+              <a:rPr lang="en-US"/>
+              <a:t>Click to edit Master title style</a:t>
+            </a:r>
+          </a:p>
+        </p:txBody>
+      </p:sp>
+    </p:spTree>
+    <p:extLst>
+      <p:ext uri="{BB962C8B-B14F-4D97-AF65-F5344CB8AC3E}">
+        <p14:creationId xmlns:p14="http://schemas.microsoft.com/office/powerpoint/2010/main" val="2049444577"/>
+      </p:ext>
+    </p:extLst>
+  </p:cSld>
+  <p:clrMapOvr>
+    <a:masterClrMapping/>
+  </p:clrMapOvr>
+</p:sldLayout>
+</file>
+
+<file path=ppt/slideLayouts/slideLayout17.xml><?xml version="1.0" encoding="utf-8"?>
+<p:sldLayout xmlns:a="http://schemas.openxmlformats.org/drawingml/2006/main" xmlns:r="http://schemas.openxmlformats.org/officeDocument/2006/relationships" xmlns:p="http://schemas.openxmlformats.org/presentationml/2006/main" preserve="1" userDrawn="1">
+  <p:cSld name="1_Section Header">
+    <p:spTree>
+      <p:nvGrpSpPr>
+        <p:cNvPr id="1" name=""/>
+        <p:cNvGrpSpPr/>
+        <p:nvPr/>
+      </p:nvGrpSpPr>
+      <p:grpSpPr>
+        <a:xfrm>
+          <a:off x="0" y="0"/>
+          <a:ext cx="0" cy="0"/>
+          <a:chOff x="0" y="0"/>
+          <a:chExt cx="0" cy="0"/>
+        </a:xfrm>
+      </p:grpSpPr>
+      <p:sp>
+        <p:nvSpPr>
+          <p:cNvPr id="9" name="Rectangle 8"/>
+          <p:cNvSpPr/>
+          <p:nvPr userDrawn="1"/>
+        </p:nvSpPr>
+        <p:spPr>
+          <a:xfrm>
+            <a:off x="254951" y="262784"/>
+            <a:ext cx="11683049" cy="6332433"/>
+          </a:xfrm>
+          <a:prstGeom prst="rect">
+            <a:avLst/>
+          </a:prstGeom>
+          <a:solidFill>
+            <a:srgbClr val="F5F5F5"/>
+          </a:solidFill>
+          <a:ln>
+            <a:noFill/>
+          </a:ln>
+        </p:spPr>
+        <p:style>
+          <a:lnRef idx="2">
+            <a:schemeClr val="accent1">
+              <a:shade val="50000"/>
+            </a:schemeClr>
+          </a:lnRef>
+          <a:fillRef idx="1">
+            <a:schemeClr val="accent1"/>
+          </a:fillRef>
+          <a:effectRef idx="0">
+            <a:schemeClr val="accent1"/>
+          </a:effectRef>
+          <a:fontRef idx="minor">
+            <a:schemeClr val="lt1"/>
+          </a:fontRef>
+        </p:style>
+        <p:txBody>
+          <a:bodyPr rtlCol="0" anchor="ctr"/>
+          <a:lstStyle/>
+          <a:p>
+            <a:pPr algn="ctr"/>
+            <a:endParaRPr lang="en-US" sz="1800"/>
+          </a:p>
+        </p:txBody>
+      </p:sp>
+      <p:sp>
+        <p:nvSpPr>
+          <p:cNvPr id="10" name="Rectangle 9"/>
+          <p:cNvSpPr/>
+          <p:nvPr userDrawn="1"/>
+        </p:nvSpPr>
+        <p:spPr bwMode="blackWhite">
+          <a:xfrm>
+            <a:off x="254950" y="262784"/>
+            <a:ext cx="11682101" cy="2072643"/>
+          </a:xfrm>
+          <a:prstGeom prst="rect">
+            <a:avLst/>
+          </a:prstGeom>
+          <a:solidFill>
+            <a:srgbClr val="D24726"/>
+          </a:solidFill>
+          <a:ln>
+            <a:noFill/>
+          </a:ln>
+        </p:spPr>
+        <p:style>
+          <a:lnRef idx="2">
+            <a:schemeClr val="accent1">
+              <a:shade val="50000"/>
+            </a:schemeClr>
+          </a:lnRef>
+          <a:fillRef idx="1">
+            <a:schemeClr val="accent1"/>
+          </a:fillRef>
+          <a:effectRef idx="0">
+            <a:schemeClr val="accent1"/>
+          </a:effectRef>
+          <a:fontRef idx="minor">
+            <a:schemeClr val="lt1"/>
+          </a:fontRef>
+        </p:style>
+        <p:txBody>
+          <a:bodyPr rtlCol="0" anchor="ctr"/>
+          <a:lstStyle/>
+          <a:p>
+            <a:pPr algn="ctr"/>
+            <a:endParaRPr lang="en-US" sz="1800"/>
+          </a:p>
+        </p:txBody>
+      </p:sp>
+      <p:sp>
+        <p:nvSpPr>
+          <p:cNvPr id="2" name="Title 1"/>
+          <p:cNvSpPr>
+            <a:spLocks noGrp="1"/>
+          </p:cNvSpPr>
+          <p:nvPr>
+            <p:ph type="title"/>
+          </p:nvPr>
+        </p:nvSpPr>
+        <p:spPr>
+          <a:xfrm>
+            <a:off x="521208" y="1536192"/>
+            <a:ext cx="6876288" cy="640080"/>
+          </a:xfrm>
+        </p:spPr>
+        <p:txBody>
+          <a:bodyPr>
+            <a:normAutofit/>
+          </a:bodyPr>
+          <a:lstStyle>
+            <a:lvl1pPr>
+              <a:defRPr sz="3600">
+                <a:solidFill>
+                  <a:schemeClr val="bg1"/>
+                </a:solidFill>
+              </a:defRPr>
+            </a:lvl1pPr>
+          </a:lstStyle>
+          <a:p>
+            <a:r>
+              <a:rPr lang="en-US"/>
+              <a:t>Click to edit Master title style</a:t>
+            </a:r>
+            <a:endParaRPr lang="en-US" dirty="0"/>
+          </a:p>
+        </p:txBody>
+      </p:sp>
+      <p:sp>
+        <p:nvSpPr>
+          <p:cNvPr id="7" name="Content Placeholder 6"/>
+          <p:cNvSpPr>
+            <a:spLocks noGrp="1"/>
+          </p:cNvSpPr>
+          <p:nvPr>
+            <p:ph sz="quarter" idx="13"/>
+          </p:nvPr>
+        </p:nvSpPr>
+        <p:spPr>
+          <a:xfrm>
+            <a:off x="539496" y="2560320"/>
+            <a:ext cx="9445752" cy="3977640"/>
+          </a:xfrm>
+        </p:spPr>
+        <p:txBody>
+          <a:bodyPr vert="horz" lIns="91440" tIns="45720" rIns="91440" bIns="45720" rtlCol="0">
+            <a:normAutofit/>
+          </a:bodyPr>
+          <a:lstStyle>
+            <a:lvl1pPr>
+              <a:defRPr lang="en-US" sz="2400" smtClean="0">
+                <a:solidFill>
+                  <a:schemeClr val="tx1">
+                    <a:lumMod val="75000"/>
+                    <a:lumOff val="25000"/>
+                  </a:schemeClr>
+                </a:solidFill>
+                <a:latin typeface="+mj-lt"/>
+              </a:defRPr>
+            </a:lvl1pPr>
+            <a:lvl2pPr>
+              <a:defRPr lang="en-US" sz="1200" dirty="0" smtClean="0">
+                <a:solidFill>
+                  <a:schemeClr val="tx1">
+                    <a:lumMod val="75000"/>
+                    <a:lumOff val="25000"/>
+                  </a:schemeClr>
+                </a:solidFill>
+              </a:defRPr>
+            </a:lvl2pPr>
+            <a:lvl3pPr>
+              <a:defRPr lang="en-US" sz="1200" dirty="0" smtClean="0">
+                <a:solidFill>
+                  <a:schemeClr val="tx1">
+                    <a:lumMod val="75000"/>
+                    <a:lumOff val="25000"/>
+                  </a:schemeClr>
+                </a:solidFill>
+              </a:defRPr>
+            </a:lvl3pPr>
+            <a:lvl4pPr>
+              <a:defRPr lang="en-US" sz="1200" dirty="0" smtClean="0">
+                <a:solidFill>
+                  <a:schemeClr val="tx1">
+                    <a:lumMod val="75000"/>
+                    <a:lumOff val="25000"/>
+                  </a:schemeClr>
+                </a:solidFill>
+              </a:defRPr>
+            </a:lvl4pPr>
+            <a:lvl5pPr>
+              <a:defRPr lang="en-US" sz="1200" dirty="0">
+                <a:solidFill>
+                  <a:schemeClr val="tx1">
+                    <a:lumMod val="75000"/>
+                    <a:lumOff val="25000"/>
+                  </a:schemeClr>
+                </a:solidFill>
+              </a:defRPr>
+            </a:lvl5pPr>
+          </a:lstStyle>
+          <a:p>
+            <a:pPr marL="0" lvl="0" indent="0">
+              <a:lnSpc>
+                <a:spcPct val="150000"/>
+              </a:lnSpc>
+              <a:spcBef>
+                <a:spcPts val="1000"/>
+              </a:spcBef>
+              <a:spcAft>
+                <a:spcPts val="1200"/>
+              </a:spcAft>
+              <a:buNone/>
+            </a:pPr>
+            <a:r>
+              <a:rPr lang="en-US"/>
+              <a:t>Click to edit Master text styles</a:t>
+            </a:r>
+          </a:p>
+          <a:p>
+            <a:pPr marL="0" lvl="1" indent="0">
+              <a:lnSpc>
+                <a:spcPct val="150000"/>
+              </a:lnSpc>
+              <a:spcBef>
+                <a:spcPts val="1000"/>
+              </a:spcBef>
+              <a:spcAft>
+                <a:spcPts val="1200"/>
+              </a:spcAft>
+              <a:buNone/>
+            </a:pPr>
+            <a:r>
+              <a:rPr lang="en-US"/>
+              <a:t>Second level</a:t>
+            </a:r>
+          </a:p>
+          <a:p>
+            <a:pPr marL="0" lvl="2" indent="0">
+              <a:lnSpc>
+                <a:spcPct val="150000"/>
+              </a:lnSpc>
+              <a:spcBef>
+                <a:spcPts val="1000"/>
+              </a:spcBef>
+              <a:spcAft>
+                <a:spcPts val="1200"/>
+              </a:spcAft>
+              <a:buNone/>
+            </a:pPr>
+            <a:r>
+              <a:rPr lang="en-US"/>
+              <a:t>Third level</a:t>
+            </a:r>
+          </a:p>
+          <a:p>
+            <a:pPr marL="0" lvl="3" indent="0">
+              <a:lnSpc>
+                <a:spcPct val="150000"/>
+              </a:lnSpc>
+              <a:spcBef>
+                <a:spcPts val="1000"/>
+              </a:spcBef>
+              <a:spcAft>
+                <a:spcPts val="1200"/>
+              </a:spcAft>
+              <a:buNone/>
+            </a:pPr>
+            <a:r>
+              <a:rPr lang="en-US"/>
+              <a:t>Fourth level</a:t>
+            </a:r>
+          </a:p>
+          <a:p>
+            <a:pPr marL="0" lvl="4" indent="0">
+              <a:lnSpc>
+                <a:spcPct val="150000"/>
+              </a:lnSpc>
+              <a:spcBef>
+                <a:spcPts val="1000"/>
+              </a:spcBef>
+              <a:spcAft>
+                <a:spcPts val="1200"/>
+              </a:spcAft>
+              <a:buNone/>
+            </a:pPr>
+            <a:r>
+              <a:rPr lang="en-US"/>
+              <a:t>Fifth level</a:t>
+            </a:r>
+            <a:endParaRPr lang="en-US" dirty="0"/>
+          </a:p>
+        </p:txBody>
+      </p:sp>
+    </p:spTree>
+    <p:extLst>
+      <p:ext uri="{BB962C8B-B14F-4D97-AF65-F5344CB8AC3E}">
+        <p14:creationId xmlns:p14="http://schemas.microsoft.com/office/powerpoint/2010/main" val="697828445"/>
+      </p:ext>
+    </p:extLst>
+  </p:cSld>
+  <p:clrMapOvr>
+    <a:masterClrMapping/>
+  </p:clrMapOvr>
+</p:sldLayout>
+</file>
+
+<file path=ppt/slideLayouts/slideLayout18.xml><?xml version="1.0" encoding="utf-8"?>
+<p:sldLayout xmlns:a="http://schemas.openxmlformats.org/drawingml/2006/main" xmlns:r="http://schemas.openxmlformats.org/officeDocument/2006/relationships" xmlns:p="http://schemas.openxmlformats.org/presentationml/2006/main" preserve="1" userDrawn="1">
+  <p:cSld name="1_Title Only">
+    <p:spTree>
+      <p:nvGrpSpPr>
+        <p:cNvPr id="1" name=""/>
+        <p:cNvGrpSpPr/>
+        <p:nvPr/>
+      </p:nvGrpSpPr>
+      <p:grpSpPr>
+        <a:xfrm>
+          <a:off x="0" y="0"/>
+          <a:ext cx="0" cy="0"/>
+          <a:chOff x="0" y="0"/>
+          <a:chExt cx="0" cy="0"/>
+        </a:xfrm>
+      </p:grpSpPr>
+      <p:sp>
+        <p:nvSpPr>
+          <p:cNvPr id="9" name="Rectangle 8"/>
           <p:cNvSpPr/>
           <p:nvPr userDrawn="1"/>
         </p:nvSpPr>
@@ -2455,52 +2595,279 @@
           </a:p>
         </p:txBody>
       </p:sp>
-      <p:sp>
-        <p:nvSpPr>
-          <p:cNvPr id="2" name="Title Placeholder 1">
-            <a:extLst>
-              <a:ext uri="{FF2B5EF4-FFF2-40B4-BE49-F238E27FC236}">
-                <a16:creationId xmlns:a16="http://schemas.microsoft.com/office/drawing/2014/main" id="{C5AFE014-E3CD-4B9A-A705-F1CADD8F420B}"/>
-              </a:ext>
-            </a:extLst>
-          </p:cNvPr>
-          <p:cNvSpPr>
-            <a:spLocks noGrp="1"/>
-          </p:cNvSpPr>
-          <p:nvPr>
-            <p:ph type="title"/>
-          </p:nvPr>
-        </p:nvSpPr>
+      <p:cxnSp>
+        <p:nvCxnSpPr>
+          <p:cNvPr id="12" name="Straight Connector 11"/>
+          <p:cNvCxnSpPr/>
+          <p:nvPr userDrawn="1"/>
+        </p:nvCxnSpPr>
         <p:spPr>
           <a:xfrm>
-            <a:off x="604434" y="448628"/>
-            <a:ext cx="10983132" cy="747763"/>
+            <a:off x="604434" y="1196392"/>
+            <a:ext cx="10983132" cy="0"/>
+          </a:xfrm>
+          <a:prstGeom prst="line">
+            <a:avLst/>
+          </a:prstGeom>
+          <a:ln w="25400">
+            <a:solidFill>
+              <a:srgbClr val="D24726"/>
+            </a:solidFill>
+          </a:ln>
+        </p:spPr>
+        <p:style>
+          <a:lnRef idx="1">
+            <a:schemeClr val="accent1"/>
+          </a:lnRef>
+          <a:fillRef idx="0">
+            <a:schemeClr val="accent1"/>
+          </a:fillRef>
+          <a:effectRef idx="0">
+            <a:schemeClr val="accent1"/>
+          </a:effectRef>
+          <a:fontRef idx="minor">
+            <a:schemeClr val="tx1"/>
+          </a:fontRef>
+        </p:style>
+      </p:cxnSp>
+      <p:sp>
+        <p:nvSpPr>
+          <p:cNvPr id="4" name="Title 3">
+            <a:extLst>
+              <a:ext uri="{FF2B5EF4-FFF2-40B4-BE49-F238E27FC236}">
+                <a16:creationId xmlns:a16="http://schemas.microsoft.com/office/drawing/2014/main" id="{0017C897-2775-4930-B0BE-BEB72453232A}"/>
+              </a:ext>
+            </a:extLst>
+          </p:cNvPr>
+          <p:cNvSpPr>
+            <a:spLocks noGrp="1"/>
+          </p:cNvSpPr>
+          <p:nvPr>
+            <p:ph type="title"/>
+          </p:nvPr>
+        </p:nvSpPr>
+        <p:spPr/>
+        <p:txBody>
+          <a:bodyPr/>
+          <a:lstStyle/>
+          <a:p>
+            <a:r>
+              <a:rPr lang="en-US"/>
+              <a:t>Click to edit Master title style</a:t>
+            </a:r>
+          </a:p>
+        </p:txBody>
+      </p:sp>
+    </p:spTree>
+    <p:extLst>
+      <p:ext uri="{BB962C8B-B14F-4D97-AF65-F5344CB8AC3E}">
+        <p14:creationId xmlns:p14="http://schemas.microsoft.com/office/powerpoint/2010/main" val="3148158993"/>
+      </p:ext>
+    </p:extLst>
+  </p:cSld>
+  <p:clrMapOvr>
+    <a:masterClrMapping/>
+  </p:clrMapOvr>
+</p:sldLayout>
+</file>
+
+<file path=ppt/slideLayouts/slideLayout19.xml><?xml version="1.0" encoding="utf-8"?>
+<p:sldLayout xmlns:a="http://schemas.openxmlformats.org/drawingml/2006/main" xmlns:r="http://schemas.openxmlformats.org/officeDocument/2006/relationships" xmlns:p="http://schemas.openxmlformats.org/presentationml/2006/main" preserve="1" userDrawn="1">
+  <p:cSld name="Standard">
+    <p:spTree>
+      <p:nvGrpSpPr>
+        <p:cNvPr id="1" name=""/>
+        <p:cNvGrpSpPr/>
+        <p:nvPr/>
+      </p:nvGrpSpPr>
+      <p:grpSpPr>
+        <a:xfrm>
+          <a:off x="0" y="0"/>
+          <a:ext cx="0" cy="0"/>
+          <a:chOff x="0" y="0"/>
+          <a:chExt cx="0" cy="0"/>
+        </a:xfrm>
+      </p:grpSpPr>
+      <p:sp>
+        <p:nvSpPr>
+          <p:cNvPr id="9" name="Rectangle 8"/>
+          <p:cNvSpPr/>
+          <p:nvPr userDrawn="1"/>
+        </p:nvSpPr>
+        <p:spPr>
+          <a:xfrm>
+            <a:off x="256032" y="265176"/>
+            <a:ext cx="11683049" cy="6332433"/>
+          </a:xfrm>
+          <a:prstGeom prst="rect">
+            <a:avLst/>
+          </a:prstGeom>
+          <a:solidFill>
+            <a:srgbClr val="F5F5F5"/>
+          </a:solidFill>
+          <a:ln>
+            <a:noFill/>
+          </a:ln>
+        </p:spPr>
+        <p:style>
+          <a:lnRef idx="2">
+            <a:schemeClr val="accent1">
+              <a:shade val="50000"/>
+            </a:schemeClr>
+          </a:lnRef>
+          <a:fillRef idx="1">
+            <a:schemeClr val="accent1"/>
+          </a:fillRef>
+          <a:effectRef idx="0">
+            <a:schemeClr val="accent1"/>
+          </a:effectRef>
+          <a:fontRef idx="minor">
+            <a:schemeClr val="lt1"/>
+          </a:fontRef>
+        </p:style>
+        <p:txBody>
+          <a:bodyPr rtlCol="0" anchor="b" anchorCtr="0"/>
+          <a:lstStyle/>
+          <a:p>
+            <a:pPr algn="ctr"/>
+            <a:endParaRPr lang="en-US" sz="1800" dirty="0"/>
+          </a:p>
+        </p:txBody>
+      </p:sp>
+      <p:cxnSp>
+        <p:nvCxnSpPr>
+          <p:cNvPr id="12" name="Straight Connector 11"/>
+          <p:cNvCxnSpPr/>
+          <p:nvPr userDrawn="1"/>
+        </p:nvCxnSpPr>
+        <p:spPr>
+          <a:xfrm>
+            <a:off x="604434" y="1196392"/>
+            <a:ext cx="10983132" cy="0"/>
+          </a:xfrm>
+          <a:prstGeom prst="line">
+            <a:avLst/>
+          </a:prstGeom>
+          <a:ln w="25400">
+            <a:solidFill>
+              <a:srgbClr val="D24726"/>
+            </a:solidFill>
+          </a:ln>
+        </p:spPr>
+        <p:style>
+          <a:lnRef idx="1">
+            <a:schemeClr val="accent1"/>
+          </a:lnRef>
+          <a:fillRef idx="0">
+            <a:schemeClr val="accent1"/>
+          </a:fillRef>
+          <a:effectRef idx="0">
+            <a:schemeClr val="accent1"/>
+          </a:effectRef>
+          <a:fontRef idx="minor">
+            <a:schemeClr val="tx1"/>
+          </a:fontRef>
+        </p:style>
+      </p:cxnSp>
+      <p:pic>
+        <p:nvPicPr>
+          <p:cNvPr id="6" name="Picture 5">
+            <a:extLst>
+              <a:ext uri="{FF2B5EF4-FFF2-40B4-BE49-F238E27FC236}">
+                <a16:creationId xmlns:a16="http://schemas.microsoft.com/office/drawing/2014/main" id="{D258610D-0376-4D1E-8ED8-29382288BB0C}"/>
+              </a:ext>
+            </a:extLst>
+          </p:cNvPr>
+          <p:cNvPicPr>
+            <a:picLocks noChangeAspect="1"/>
+          </p:cNvPicPr>
+          <p:nvPr userDrawn="1"/>
+        </p:nvPicPr>
+        <p:blipFill rotWithShape="1">
+          <a:blip r:embed="rId2">
+            <a:extLst>
+              <a:ext uri="{28A0092B-C50C-407E-A947-70E740481C1C}">
+                <a14:useLocalDpi xmlns:a14="http://schemas.microsoft.com/office/drawing/2010/main" val="0"/>
+              </a:ext>
+            </a:extLst>
+          </a:blip>
+          <a:srcRect l="-41783" t="-3"/>
+          <a:stretch/>
+        </p:blipFill>
+        <p:spPr>
+          <a:xfrm>
+            <a:off x="269032" y="4801396"/>
+            <a:ext cx="11653936" cy="1786228"/>
           </a:xfrm>
           <a:prstGeom prst="rect">
             <a:avLst/>
           </a:prstGeom>
         </p:spPr>
-        <p:txBody>
-          <a:bodyPr vert="horz" lIns="91440" tIns="45720" rIns="91440" bIns="45720" rtlCol="0" anchor="ctr" anchorCtr="0">
-            <a:normAutofit/>
-          </a:bodyPr>
+      </p:pic>
+      <p:sp>
+        <p:nvSpPr>
+          <p:cNvPr id="3" name="Title 2">
+            <a:extLst>
+              <a:ext uri="{FF2B5EF4-FFF2-40B4-BE49-F238E27FC236}">
+                <a16:creationId xmlns:a16="http://schemas.microsoft.com/office/drawing/2014/main" id="{21C16CD2-606C-441E-BBA3-51767980CCA0}"/>
+              </a:ext>
+            </a:extLst>
+          </p:cNvPr>
+          <p:cNvSpPr>
+            <a:spLocks noGrp="1"/>
+          </p:cNvSpPr>
+          <p:nvPr>
+            <p:ph type="title"/>
+          </p:nvPr>
+        </p:nvSpPr>
+        <p:spPr/>
+        <p:txBody>
+          <a:bodyPr/>
           <a:lstStyle/>
           <a:p>
-            <a:pPr lvl="0"/>
             <a:r>
               <a:rPr lang="en-US"/>
               <a:t>Click to edit Master title style</a:t>
             </a:r>
-            <a:endParaRPr lang="en-US" dirty="0"/>
-          </a:p>
-        </p:txBody>
-      </p:sp>
-      <p:sp>
-        <p:nvSpPr>
-          <p:cNvPr id="3" name="Text Placeholder 2">
-            <a:extLst>
-              <a:ext uri="{FF2B5EF4-FFF2-40B4-BE49-F238E27FC236}">
-                <a16:creationId xmlns:a16="http://schemas.microsoft.com/office/drawing/2014/main" id="{61ADE5F7-8A52-43AD-8F30-F13CF5450616}"/>
+          </a:p>
+        </p:txBody>
+      </p:sp>
+    </p:spTree>
+    <p:extLst>
+      <p:ext uri="{BB962C8B-B14F-4D97-AF65-F5344CB8AC3E}">
+        <p14:creationId xmlns:p14="http://schemas.microsoft.com/office/powerpoint/2010/main" val="993501737"/>
+      </p:ext>
+    </p:extLst>
+  </p:cSld>
+  <p:clrMapOvr>
+    <a:masterClrMapping/>
+  </p:clrMapOvr>
+</p:sldLayout>
+</file>
+
+<file path=ppt/slideLayouts/slideLayout2.xml><?xml version="1.0" encoding="utf-8"?>
+<p:sldLayout xmlns:a="http://schemas.openxmlformats.org/drawingml/2006/main" xmlns:r="http://schemas.openxmlformats.org/officeDocument/2006/relationships" xmlns:p="http://schemas.openxmlformats.org/presentationml/2006/main" type="obj" preserve="1">
+  <p:cSld name="Title and Content">
+    <p:spTree>
+      <p:nvGrpSpPr>
+        <p:cNvPr id="1" name=""/>
+        <p:cNvGrpSpPr/>
+        <p:nvPr/>
+      </p:nvGrpSpPr>
+      <p:grpSpPr>
+        <a:xfrm>
+          <a:off x="0" y="0"/>
+          <a:ext cx="0" cy="0"/>
+          <a:chOff x="0" y="0"/>
+          <a:chExt cx="0" cy="0"/>
+        </a:xfrm>
+      </p:grpSpPr>
+      <p:sp>
+        <p:nvSpPr>
+          <p:cNvPr id="2" name="Title 1">
+            <a:extLst>
+              <a:ext uri="{FF2B5EF4-FFF2-40B4-BE49-F238E27FC236}">
+                <a16:creationId xmlns:a16="http://schemas.microsoft.com/office/drawing/2014/main" id="{35238589-6EA3-46E7-803F-0E675823CFBF}"/>
               </a:ext>
             </a:extLst>
           </p:cNvPr>
@@ -2508,66 +2875,235 @@
             <a:spLocks noGrp="1"/>
           </p:cNvSpPr>
           <p:nvPr>
-            <p:ph type="body" idx="1"/>
-          </p:nvPr>
-        </p:nvSpPr>
+            <p:ph type="title"/>
+          </p:nvPr>
+        </p:nvSpPr>
+        <p:spPr/>
+        <p:txBody>
+          <a:bodyPr/>
+          <a:lstStyle/>
+          <a:p>
+            <a:r>
+              <a:rPr lang="en-US"/>
+              <a:t>Click to edit Master title style</a:t>
+            </a:r>
+          </a:p>
+        </p:txBody>
+      </p:sp>
+      <p:sp>
+        <p:nvSpPr>
+          <p:cNvPr id="3" name="Content Placeholder 2">
+            <a:extLst>
+              <a:ext uri="{FF2B5EF4-FFF2-40B4-BE49-F238E27FC236}">
+                <a16:creationId xmlns:a16="http://schemas.microsoft.com/office/drawing/2014/main" id="{0BA7987A-93E0-435B-B32C-AD09DFC23E55}"/>
+              </a:ext>
+            </a:extLst>
+          </p:cNvPr>
+          <p:cNvSpPr>
+            <a:spLocks noGrp="1"/>
+          </p:cNvSpPr>
+          <p:nvPr>
+            <p:ph idx="1"/>
+          </p:nvPr>
+        </p:nvSpPr>
+        <p:spPr/>
+        <p:txBody>
+          <a:bodyPr/>
+          <a:lstStyle/>
+          <a:p>
+            <a:pPr lvl="0"/>
+            <a:r>
+              <a:rPr lang="en-US"/>
+              <a:t>Click to edit Master text styles</a:t>
+            </a:r>
+          </a:p>
+          <a:p>
+            <a:pPr lvl="1"/>
+            <a:r>
+              <a:rPr lang="en-US"/>
+              <a:t>Second level</a:t>
+            </a:r>
+          </a:p>
+          <a:p>
+            <a:pPr lvl="2"/>
+            <a:r>
+              <a:rPr lang="en-US"/>
+              <a:t>Third level</a:t>
+            </a:r>
+          </a:p>
+          <a:p>
+            <a:pPr lvl="3"/>
+            <a:r>
+              <a:rPr lang="en-US"/>
+              <a:t>Fourth level</a:t>
+            </a:r>
+          </a:p>
+          <a:p>
+            <a:pPr lvl="4"/>
+            <a:r>
+              <a:rPr lang="en-US"/>
+              <a:t>Fifth level</a:t>
+            </a:r>
+          </a:p>
+        </p:txBody>
+      </p:sp>
+      <p:sp>
+        <p:nvSpPr>
+          <p:cNvPr id="4" name="Date Placeholder 3">
+            <a:extLst>
+              <a:ext uri="{FF2B5EF4-FFF2-40B4-BE49-F238E27FC236}">
+                <a16:creationId xmlns:a16="http://schemas.microsoft.com/office/drawing/2014/main" id="{CD04C03C-8843-4FC2-88C0-495B7CC43D50}"/>
+              </a:ext>
+            </a:extLst>
+          </p:cNvPr>
+          <p:cNvSpPr>
+            <a:spLocks noGrp="1"/>
+          </p:cNvSpPr>
+          <p:nvPr>
+            <p:ph type="dt" sz="half" idx="10"/>
+          </p:nvPr>
+        </p:nvSpPr>
+        <p:spPr/>
+        <p:txBody>
+          <a:bodyPr/>
+          <a:lstStyle/>
+          <a:p>
+            <a:fld id="{10305AF2-6757-43B7-B945-2F5134D16E39}" type="datetimeFigureOut">
+              <a:rPr lang="en-US" smtClean="0"/>
+              <a:t>9/3/2020</a:t>
+            </a:fld>
+            <a:endParaRPr lang="en-US"/>
+          </a:p>
+        </p:txBody>
+      </p:sp>
+      <p:sp>
+        <p:nvSpPr>
+          <p:cNvPr id="5" name="Footer Placeholder 4">
+            <a:extLst>
+              <a:ext uri="{FF2B5EF4-FFF2-40B4-BE49-F238E27FC236}">
+                <a16:creationId xmlns:a16="http://schemas.microsoft.com/office/drawing/2014/main" id="{3A481416-F0F1-44CE-A8EC-DD0062C0899C}"/>
+              </a:ext>
+            </a:extLst>
+          </p:cNvPr>
+          <p:cNvSpPr>
+            <a:spLocks noGrp="1"/>
+          </p:cNvSpPr>
+          <p:nvPr>
+            <p:ph type="ftr" sz="quarter" idx="11"/>
+          </p:nvPr>
+        </p:nvSpPr>
+        <p:spPr/>
+        <p:txBody>
+          <a:bodyPr/>
+          <a:lstStyle/>
+          <a:p>
+            <a:endParaRPr lang="en-US"/>
+          </a:p>
+        </p:txBody>
+      </p:sp>
+      <p:sp>
+        <p:nvSpPr>
+          <p:cNvPr id="6" name="Slide Number Placeholder 5">
+            <a:extLst>
+              <a:ext uri="{FF2B5EF4-FFF2-40B4-BE49-F238E27FC236}">
+                <a16:creationId xmlns:a16="http://schemas.microsoft.com/office/drawing/2014/main" id="{BBDE0F84-6C12-46C4-AFFD-1618B6767B0D}"/>
+              </a:ext>
+            </a:extLst>
+          </p:cNvPr>
+          <p:cNvSpPr>
+            <a:spLocks noGrp="1"/>
+          </p:cNvSpPr>
+          <p:nvPr>
+            <p:ph type="sldNum" sz="quarter" idx="12"/>
+          </p:nvPr>
+        </p:nvSpPr>
+        <p:spPr/>
+        <p:txBody>
+          <a:bodyPr/>
+          <a:lstStyle/>
+          <a:p>
+            <a:fld id="{9D69DCEB-D541-4495-8FE4-676860CBDF15}" type="slidenum">
+              <a:rPr lang="en-US" smtClean="0"/>
+              <a:t>‹#›</a:t>
+            </a:fld>
+            <a:endParaRPr lang="en-US"/>
+          </a:p>
+        </p:txBody>
+      </p:sp>
+      <p:pic>
+        <p:nvPicPr>
+          <p:cNvPr id="7" name="Picture 6">
+            <a:extLst>
+              <a:ext uri="{FF2B5EF4-FFF2-40B4-BE49-F238E27FC236}">
+                <a16:creationId xmlns:a16="http://schemas.microsoft.com/office/drawing/2014/main" id="{2E40A931-FF8A-4A07-A404-E53C798AB1B4}"/>
+              </a:ext>
+              <a:ext uri="{C183D7F6-B498-43B3-948B-1728B52AA6E4}">
+                <adec:decorative xmlns:adec="http://schemas.microsoft.com/office/drawing/2017/decorative" val="1"/>
+              </a:ext>
+            </a:extLst>
+          </p:cNvPr>
+          <p:cNvPicPr>
+            <a:picLocks noChangeAspect="1"/>
+          </p:cNvPicPr>
+          <p:nvPr userDrawn="1"/>
+        </p:nvPicPr>
+        <p:blipFill rotWithShape="1">
+          <a:blip r:embed="rId2">
+            <a:extLst>
+              <a:ext uri="{28A0092B-C50C-407E-A947-70E740481C1C}">
+                <a14:useLocalDpi xmlns:a14="http://schemas.microsoft.com/office/drawing/2010/main" val="0"/>
+              </a:ext>
+            </a:extLst>
+          </a:blip>
+          <a:srcRect t="-3"/>
+          <a:stretch/>
+        </p:blipFill>
         <p:spPr>
           <a:xfrm>
-            <a:off x="838200" y="1825625"/>
-            <a:ext cx="10515600" cy="4351338"/>
+            <a:off x="269032" y="4801396"/>
+            <a:ext cx="11653936" cy="1786228"/>
           </a:xfrm>
           <a:prstGeom prst="rect">
             <a:avLst/>
           </a:prstGeom>
         </p:spPr>
-        <p:txBody>
-          <a:bodyPr vert="horz" lIns="91440" tIns="45720" rIns="91440" bIns="45720" rtlCol="0">
-            <a:normAutofit/>
-          </a:bodyPr>
-          <a:lstStyle/>
-          <a:p>
-            <a:pPr lvl="0"/>
-            <a:r>
-              <a:rPr lang="en-US"/>
-              <a:t>Click to edit Master text styles</a:t>
-            </a:r>
-          </a:p>
-          <a:p>
-            <a:pPr lvl="1"/>
-            <a:r>
-              <a:rPr lang="en-US"/>
-              <a:t>Second level</a:t>
-            </a:r>
-          </a:p>
-          <a:p>
-            <a:pPr lvl="2"/>
-            <a:r>
-              <a:rPr lang="en-US"/>
-              <a:t>Third level</a:t>
-            </a:r>
-          </a:p>
-          <a:p>
-            <a:pPr lvl="3"/>
-            <a:r>
-              <a:rPr lang="en-US"/>
-              <a:t>Fourth level</a:t>
-            </a:r>
-          </a:p>
-          <a:p>
-            <a:pPr lvl="4"/>
-            <a:r>
-              <a:rPr lang="en-US"/>
-              <a:t>Fifth level</a:t>
-            </a:r>
-          </a:p>
-        </p:txBody>
-      </p:sp>
-      <p:sp>
-        <p:nvSpPr>
-          <p:cNvPr id="4" name="Date Placeholder 3">
-            <a:extLst>
-              <a:ext uri="{FF2B5EF4-FFF2-40B4-BE49-F238E27FC236}">
-                <a16:creationId xmlns:a16="http://schemas.microsoft.com/office/drawing/2014/main" id="{A9DC85AE-A002-4BA3-8D90-3960ED0FF8F4}"/>
+      </p:pic>
+    </p:spTree>
+    <p:extLst>
+      <p:ext uri="{BB962C8B-B14F-4D97-AF65-F5344CB8AC3E}">
+        <p14:creationId xmlns:p14="http://schemas.microsoft.com/office/powerpoint/2010/main" val="4028017578"/>
+      </p:ext>
+    </p:extLst>
+  </p:cSld>
+  <p:clrMapOvr>
+    <a:masterClrMapping/>
+  </p:clrMapOvr>
+</p:sldLayout>
+</file>
+
+<file path=ppt/slideLayouts/slideLayout3.xml><?xml version="1.0" encoding="utf-8"?>
+<p:sldLayout xmlns:a="http://schemas.openxmlformats.org/drawingml/2006/main" xmlns:r="http://schemas.openxmlformats.org/officeDocument/2006/relationships" xmlns:p="http://schemas.openxmlformats.org/presentationml/2006/main" type="secHead" preserve="1">
+  <p:cSld name="Section Header">
+    <p:spTree>
+      <p:nvGrpSpPr>
+        <p:cNvPr id="1" name=""/>
+        <p:cNvGrpSpPr/>
+        <p:nvPr/>
+      </p:nvGrpSpPr>
+      <p:grpSpPr>
+        <a:xfrm>
+          <a:off x="0" y="0"/>
+          <a:ext cx="0" cy="0"/>
+          <a:chOff x="0" y="0"/>
+          <a:chExt cx="0" cy="0"/>
+        </a:xfrm>
+      </p:grpSpPr>
+      <p:sp>
+        <p:nvSpPr>
+          <p:cNvPr id="2" name="Title 1">
+            <a:extLst>
+              <a:ext uri="{FF2B5EF4-FFF2-40B4-BE49-F238E27FC236}">
+                <a16:creationId xmlns:a16="http://schemas.microsoft.com/office/drawing/2014/main" id="{7E540452-1226-4A37-8DD6-ABF0F63074B2}"/>
               </a:ext>
             </a:extLst>
           </p:cNvPr>
@@ -2575,23 +3111,58 @@
             <a:spLocks noGrp="1"/>
           </p:cNvSpPr>
           <p:nvPr>
-            <p:ph type="dt" sz="half" idx="2"/>
+            <p:ph type="title"/>
           </p:nvPr>
         </p:nvSpPr>
         <p:spPr>
           <a:xfrm>
-            <a:off x="838200" y="6356350"/>
-            <a:ext cx="2743200" cy="365125"/>
+            <a:off x="831850" y="1709738"/>
+            <a:ext cx="10515600" cy="2852737"/>
           </a:xfrm>
-          <a:prstGeom prst="rect">
-            <a:avLst/>
-          </a:prstGeom>
         </p:spPr>
         <p:txBody>
-          <a:bodyPr vert="horz" lIns="91440" tIns="45720" rIns="91440" bIns="45720" rtlCol="0" anchor="ctr"/>
+          <a:bodyPr anchor="b"/>
           <a:lstStyle>
-            <a:lvl1pPr algn="l">
-              <a:defRPr sz="1200">
+            <a:lvl1pPr>
+              <a:defRPr sz="6000"/>
+            </a:lvl1pPr>
+          </a:lstStyle>
+          <a:p>
+            <a:r>
+              <a:rPr lang="en-US"/>
+              <a:t>Click to edit Master title style</a:t>
+            </a:r>
+          </a:p>
+        </p:txBody>
+      </p:sp>
+      <p:sp>
+        <p:nvSpPr>
+          <p:cNvPr id="3" name="Text Placeholder 2">
+            <a:extLst>
+              <a:ext uri="{FF2B5EF4-FFF2-40B4-BE49-F238E27FC236}">
+                <a16:creationId xmlns:a16="http://schemas.microsoft.com/office/drawing/2014/main" id="{362024BE-AEDD-4F15-AC27-405744725535}"/>
+              </a:ext>
+            </a:extLst>
+          </p:cNvPr>
+          <p:cNvSpPr>
+            <a:spLocks noGrp="1"/>
+          </p:cNvSpPr>
+          <p:nvPr>
+            <p:ph type="body" idx="1"/>
+          </p:nvPr>
+        </p:nvSpPr>
+        <p:spPr>
+          <a:xfrm>
+            <a:off x="831850" y="4589463"/>
+            <a:ext cx="10515600" cy="1500187"/>
+          </a:xfrm>
+        </p:spPr>
+        <p:txBody>
+          <a:bodyPr/>
+          <a:lstStyle>
+            <a:lvl1pPr marL="0" indent="0">
+              <a:buNone/>
+              <a:defRPr sz="2400">
                 <a:solidFill>
                   <a:schemeClr val="tx1">
                     <a:tint val="75000"/>
@@ -2599,97 +3170,170 @@
                 </a:solidFill>
               </a:defRPr>
             </a:lvl1pPr>
-          </a:lstStyle>
-          <a:p>
-            <a:fld id="{4744E560-77BF-4D1A-B6E7-CD55CE12B1B8}" type="datetimeFigureOut">
-              <a:rPr lang="en-US" smtClean="0"/>
-              <a:t>4/17/2020</a:t>
-            </a:fld>
-            <a:endParaRPr lang="en-US"/>
-          </a:p>
-        </p:txBody>
-      </p:sp>
-      <p:sp>
-        <p:nvSpPr>
-          <p:cNvPr id="5" name="Footer Placeholder 4">
-            <a:extLst>
-              <a:ext uri="{FF2B5EF4-FFF2-40B4-BE49-F238E27FC236}">
-                <a16:creationId xmlns:a16="http://schemas.microsoft.com/office/drawing/2014/main" id="{02103AA5-C732-4ECB-88D6-DAA20E2C1C66}"/>
-              </a:ext>
-            </a:extLst>
-          </p:cNvPr>
-          <p:cNvSpPr>
-            <a:spLocks noGrp="1"/>
-          </p:cNvSpPr>
-          <p:nvPr>
-            <p:ph type="ftr" sz="quarter" idx="3"/>
-          </p:nvPr>
-        </p:nvSpPr>
-        <p:spPr>
-          <a:xfrm>
-            <a:off x="4038600" y="6356350"/>
-            <a:ext cx="4114800" cy="365125"/>
-          </a:xfrm>
-          <a:prstGeom prst="rect">
-            <a:avLst/>
-          </a:prstGeom>
-        </p:spPr>
-        <p:txBody>
-          <a:bodyPr vert="horz" lIns="91440" tIns="45720" rIns="91440" bIns="45720" rtlCol="0" anchor="ctr"/>
-          <a:lstStyle>
-            <a:lvl1pPr algn="ctr">
-              <a:defRPr sz="1200">
+            <a:lvl2pPr marL="457200" indent="0">
+              <a:buNone/>
+              <a:defRPr sz="2000">
                 <a:solidFill>
                   <a:schemeClr val="tx1">
                     <a:tint val="75000"/>
                   </a:schemeClr>
                 </a:solidFill>
               </a:defRPr>
-            </a:lvl1pPr>
-          </a:lstStyle>
-          <a:p>
-            <a:endParaRPr lang="en-US"/>
-          </a:p>
-        </p:txBody>
-      </p:sp>
-      <p:sp>
-        <p:nvSpPr>
-          <p:cNvPr id="6" name="Slide Number Placeholder 5">
-            <a:extLst>
-              <a:ext uri="{FF2B5EF4-FFF2-40B4-BE49-F238E27FC236}">
-                <a16:creationId xmlns:a16="http://schemas.microsoft.com/office/drawing/2014/main" id="{CC280433-CBB5-49C5-B032-5A800E5D0959}"/>
-              </a:ext>
-            </a:extLst>
-          </p:cNvPr>
-          <p:cNvSpPr>
-            <a:spLocks noGrp="1"/>
-          </p:cNvSpPr>
-          <p:nvPr>
-            <p:ph type="sldNum" sz="quarter" idx="4"/>
-          </p:nvPr>
-        </p:nvSpPr>
-        <p:spPr>
-          <a:xfrm>
-            <a:off x="8610600" y="6356350"/>
-            <a:ext cx="2743200" cy="365125"/>
-          </a:xfrm>
-          <a:prstGeom prst="rect">
-            <a:avLst/>
-          </a:prstGeom>
-        </p:spPr>
-        <p:txBody>
-          <a:bodyPr vert="horz" lIns="91440" tIns="45720" rIns="91440" bIns="45720" rtlCol="0" anchor="ctr"/>
-          <a:lstStyle>
-            <a:lvl1pPr algn="r">
-              <a:defRPr sz="1200">
+            </a:lvl2pPr>
+            <a:lvl3pPr marL="914400" indent="0">
+              <a:buNone/>
+              <a:defRPr sz="1800">
                 <a:solidFill>
                   <a:schemeClr val="tx1">
                     <a:tint val="75000"/>
                   </a:schemeClr>
                 </a:solidFill>
               </a:defRPr>
-            </a:lvl1pPr>
+            </a:lvl3pPr>
+            <a:lvl4pPr marL="1371600" indent="0">
+              <a:buNone/>
+              <a:defRPr sz="1600">
+                <a:solidFill>
+                  <a:schemeClr val="tx1">
+                    <a:tint val="75000"/>
+                  </a:schemeClr>
+                </a:solidFill>
+              </a:defRPr>
+            </a:lvl4pPr>
+            <a:lvl5pPr marL="1828800" indent="0">
+              <a:buNone/>
+              <a:defRPr sz="1600">
+                <a:solidFill>
+                  <a:schemeClr val="tx1">
+                    <a:tint val="75000"/>
+                  </a:schemeClr>
+                </a:solidFill>
+              </a:defRPr>
+            </a:lvl5pPr>
+            <a:lvl6pPr marL="2286000" indent="0">
+              <a:buNone/>
+              <a:defRPr sz="1600">
+                <a:solidFill>
+                  <a:schemeClr val="tx1">
+                    <a:tint val="75000"/>
+                  </a:schemeClr>
+                </a:solidFill>
+              </a:defRPr>
+            </a:lvl6pPr>
+            <a:lvl7pPr marL="2743200" indent="0">
+              <a:buNone/>
+              <a:defRPr sz="1600">
+                <a:solidFill>
+                  <a:schemeClr val="tx1">
+                    <a:tint val="75000"/>
+                  </a:schemeClr>
+                </a:solidFill>
+              </a:defRPr>
+            </a:lvl7pPr>
+            <a:lvl8pPr marL="3200400" indent="0">
+              <a:buNone/>
+              <a:defRPr sz="1600">
+                <a:solidFill>
+                  <a:schemeClr val="tx1">
+                    <a:tint val="75000"/>
+                  </a:schemeClr>
+                </a:solidFill>
+              </a:defRPr>
+            </a:lvl8pPr>
+            <a:lvl9pPr marL="3657600" indent="0">
+              <a:buNone/>
+              <a:defRPr sz="1600">
+                <a:solidFill>
+                  <a:schemeClr val="tx1">
+                    <a:tint val="75000"/>
+                  </a:schemeClr>
+                </a:solidFill>
+              </a:defRPr>
+            </a:lvl9pPr>
           </a:lstStyle>
+          <a:p>
+            <a:pPr lvl="0"/>
+            <a:r>
+              <a:rPr lang="en-US"/>
+              <a:t>Click to edit Master text styles</a:t>
+            </a:r>
+          </a:p>
+        </p:txBody>
+      </p:sp>
+      <p:sp>
+        <p:nvSpPr>
+          <p:cNvPr id="4" name="Date Placeholder 3">
+            <a:extLst>
+              <a:ext uri="{FF2B5EF4-FFF2-40B4-BE49-F238E27FC236}">
+                <a16:creationId xmlns:a16="http://schemas.microsoft.com/office/drawing/2014/main" id="{64F64580-FEB6-437B-A6CD-07BF448E618D}"/>
+              </a:ext>
+            </a:extLst>
+          </p:cNvPr>
+          <p:cNvSpPr>
+            <a:spLocks noGrp="1"/>
+          </p:cNvSpPr>
+          <p:nvPr>
+            <p:ph type="dt" sz="half" idx="10"/>
+          </p:nvPr>
+        </p:nvSpPr>
+        <p:spPr/>
+        <p:txBody>
+          <a:bodyPr/>
+          <a:lstStyle/>
+          <a:p>
+            <a:fld id="{4744E560-77BF-4D1A-B6E7-CD55CE12B1B8}" type="datetimeFigureOut">
+              <a:rPr lang="en-US" smtClean="0"/>
+              <a:t>9/3/2020</a:t>
+            </a:fld>
+            <a:endParaRPr lang="en-US"/>
+          </a:p>
+        </p:txBody>
+      </p:sp>
+      <p:sp>
+        <p:nvSpPr>
+          <p:cNvPr id="5" name="Footer Placeholder 4">
+            <a:extLst>
+              <a:ext uri="{FF2B5EF4-FFF2-40B4-BE49-F238E27FC236}">
+                <a16:creationId xmlns:a16="http://schemas.microsoft.com/office/drawing/2014/main" id="{7C86EB71-B6F9-4CE1-83F7-F983793212F8}"/>
+              </a:ext>
+            </a:extLst>
+          </p:cNvPr>
+          <p:cNvSpPr>
+            <a:spLocks noGrp="1"/>
+          </p:cNvSpPr>
+          <p:nvPr>
+            <p:ph type="ftr" sz="quarter" idx="11"/>
+          </p:nvPr>
+        </p:nvSpPr>
+        <p:spPr/>
+        <p:txBody>
+          <a:bodyPr/>
+          <a:lstStyle/>
+          <a:p>
+            <a:endParaRPr lang="en-US"/>
+          </a:p>
+        </p:txBody>
+      </p:sp>
+      <p:sp>
+        <p:nvSpPr>
+          <p:cNvPr id="6" name="Slide Number Placeholder 5">
+            <a:extLst>
+              <a:ext uri="{FF2B5EF4-FFF2-40B4-BE49-F238E27FC236}">
+                <a16:creationId xmlns:a16="http://schemas.microsoft.com/office/drawing/2014/main" id="{178FF3EC-85A6-42D9-B697-BD05F38C67E7}"/>
+              </a:ext>
+            </a:extLst>
+          </p:cNvPr>
+          <p:cNvSpPr>
+            <a:spLocks noGrp="1"/>
+          </p:cNvSpPr>
+          <p:nvPr>
+            <p:ph type="sldNum" sz="quarter" idx="12"/>
+          </p:nvPr>
+        </p:nvSpPr>
+        <p:spPr/>
+        <p:txBody>
+          <a:bodyPr/>
+          <a:lstStyle/>
           <a:p>
             <a:fld id="{3359379A-16E2-4C4A-96D0-A52C442257E7}" type="slidenum">
               <a:rPr lang="en-US" smtClean="0"/>
@@ -2699,12 +3343,882 @@
           </a:p>
         </p:txBody>
       </p:sp>
+    </p:spTree>
+    <p:extLst>
+      <p:ext uri="{BB962C8B-B14F-4D97-AF65-F5344CB8AC3E}">
+        <p14:creationId xmlns:p14="http://schemas.microsoft.com/office/powerpoint/2010/main" val="1727558258"/>
+      </p:ext>
+    </p:extLst>
+  </p:cSld>
+  <p:clrMapOvr>
+    <a:masterClrMapping/>
+  </p:clrMapOvr>
+</p:sldLayout>
+</file>
+
+<file path=ppt/slideLayouts/slideLayout4.xml><?xml version="1.0" encoding="utf-8"?>
+<p:sldLayout xmlns:a="http://schemas.openxmlformats.org/drawingml/2006/main" xmlns:r="http://schemas.openxmlformats.org/officeDocument/2006/relationships" xmlns:p="http://schemas.openxmlformats.org/presentationml/2006/main" type="twoObj" preserve="1">
+  <p:cSld name="Two Content">
+    <p:spTree>
+      <p:nvGrpSpPr>
+        <p:cNvPr id="1" name=""/>
+        <p:cNvGrpSpPr/>
+        <p:nvPr/>
+      </p:nvGrpSpPr>
+      <p:grpSpPr>
+        <a:xfrm>
+          <a:off x="0" y="0"/>
+          <a:ext cx="0" cy="0"/>
+          <a:chOff x="0" y="0"/>
+          <a:chExt cx="0" cy="0"/>
+        </a:xfrm>
+      </p:grpSpPr>
+      <p:sp>
+        <p:nvSpPr>
+          <p:cNvPr id="2" name="Title 1">
+            <a:extLst>
+              <a:ext uri="{FF2B5EF4-FFF2-40B4-BE49-F238E27FC236}">
+                <a16:creationId xmlns:a16="http://schemas.microsoft.com/office/drawing/2014/main" id="{11BC71A8-3DBF-4843-B8E1-E3B8B2B580E7}"/>
+              </a:ext>
+            </a:extLst>
+          </p:cNvPr>
+          <p:cNvSpPr>
+            <a:spLocks noGrp="1"/>
+          </p:cNvSpPr>
+          <p:nvPr>
+            <p:ph type="title"/>
+          </p:nvPr>
+        </p:nvSpPr>
+        <p:spPr/>
+        <p:txBody>
+          <a:bodyPr/>
+          <a:lstStyle/>
+          <a:p>
+            <a:r>
+              <a:rPr lang="en-US"/>
+              <a:t>Click to edit Master title style</a:t>
+            </a:r>
+          </a:p>
+        </p:txBody>
+      </p:sp>
+      <p:sp>
+        <p:nvSpPr>
+          <p:cNvPr id="3" name="Content Placeholder 2">
+            <a:extLst>
+              <a:ext uri="{FF2B5EF4-FFF2-40B4-BE49-F238E27FC236}">
+                <a16:creationId xmlns:a16="http://schemas.microsoft.com/office/drawing/2014/main" id="{76C71394-C9A4-420F-AF84-7101101F49D5}"/>
+              </a:ext>
+            </a:extLst>
+          </p:cNvPr>
+          <p:cNvSpPr>
+            <a:spLocks noGrp="1"/>
+          </p:cNvSpPr>
+          <p:nvPr>
+            <p:ph sz="half" idx="1"/>
+          </p:nvPr>
+        </p:nvSpPr>
+        <p:spPr>
+          <a:xfrm>
+            <a:off x="838200" y="1825625"/>
+            <a:ext cx="5181600" cy="4351338"/>
+          </a:xfrm>
+        </p:spPr>
+        <p:txBody>
+          <a:bodyPr/>
+          <a:lstStyle/>
+          <a:p>
+            <a:pPr lvl="0"/>
+            <a:r>
+              <a:rPr lang="en-US"/>
+              <a:t>Click to edit Master text styles</a:t>
+            </a:r>
+          </a:p>
+          <a:p>
+            <a:pPr lvl="1"/>
+            <a:r>
+              <a:rPr lang="en-US"/>
+              <a:t>Second level</a:t>
+            </a:r>
+          </a:p>
+          <a:p>
+            <a:pPr lvl="2"/>
+            <a:r>
+              <a:rPr lang="en-US"/>
+              <a:t>Third level</a:t>
+            </a:r>
+          </a:p>
+          <a:p>
+            <a:pPr lvl="3"/>
+            <a:r>
+              <a:rPr lang="en-US"/>
+              <a:t>Fourth level</a:t>
+            </a:r>
+          </a:p>
+          <a:p>
+            <a:pPr lvl="4"/>
+            <a:r>
+              <a:rPr lang="en-US"/>
+              <a:t>Fifth level</a:t>
+            </a:r>
+          </a:p>
+        </p:txBody>
+      </p:sp>
+      <p:sp>
+        <p:nvSpPr>
+          <p:cNvPr id="4" name="Content Placeholder 3">
+            <a:extLst>
+              <a:ext uri="{FF2B5EF4-FFF2-40B4-BE49-F238E27FC236}">
+                <a16:creationId xmlns:a16="http://schemas.microsoft.com/office/drawing/2014/main" id="{F16E8C8D-56E6-4D4B-96DA-AAC9606BB96B}"/>
+              </a:ext>
+            </a:extLst>
+          </p:cNvPr>
+          <p:cNvSpPr>
+            <a:spLocks noGrp="1"/>
+          </p:cNvSpPr>
+          <p:nvPr>
+            <p:ph sz="half" idx="2"/>
+          </p:nvPr>
+        </p:nvSpPr>
+        <p:spPr>
+          <a:xfrm>
+            <a:off x="6172200" y="1825625"/>
+            <a:ext cx="5181600" cy="4351338"/>
+          </a:xfrm>
+        </p:spPr>
+        <p:txBody>
+          <a:bodyPr/>
+          <a:lstStyle/>
+          <a:p>
+            <a:pPr lvl="0"/>
+            <a:r>
+              <a:rPr lang="en-US"/>
+              <a:t>Click to edit Master text styles</a:t>
+            </a:r>
+          </a:p>
+          <a:p>
+            <a:pPr lvl="1"/>
+            <a:r>
+              <a:rPr lang="en-US"/>
+              <a:t>Second level</a:t>
+            </a:r>
+          </a:p>
+          <a:p>
+            <a:pPr lvl="2"/>
+            <a:r>
+              <a:rPr lang="en-US"/>
+              <a:t>Third level</a:t>
+            </a:r>
+          </a:p>
+          <a:p>
+            <a:pPr lvl="3"/>
+            <a:r>
+              <a:rPr lang="en-US"/>
+              <a:t>Fourth level</a:t>
+            </a:r>
+          </a:p>
+          <a:p>
+            <a:pPr lvl="4"/>
+            <a:r>
+              <a:rPr lang="en-US"/>
+              <a:t>Fifth level</a:t>
+            </a:r>
+          </a:p>
+        </p:txBody>
+      </p:sp>
+      <p:sp>
+        <p:nvSpPr>
+          <p:cNvPr id="5" name="Date Placeholder 4">
+            <a:extLst>
+              <a:ext uri="{FF2B5EF4-FFF2-40B4-BE49-F238E27FC236}">
+                <a16:creationId xmlns:a16="http://schemas.microsoft.com/office/drawing/2014/main" id="{14A53223-E398-4B82-9312-D0AF4E3C18C1}"/>
+              </a:ext>
+            </a:extLst>
+          </p:cNvPr>
+          <p:cNvSpPr>
+            <a:spLocks noGrp="1"/>
+          </p:cNvSpPr>
+          <p:nvPr>
+            <p:ph type="dt" sz="half" idx="10"/>
+          </p:nvPr>
+        </p:nvSpPr>
+        <p:spPr/>
+        <p:txBody>
+          <a:bodyPr/>
+          <a:lstStyle/>
+          <a:p>
+            <a:fld id="{4744E560-77BF-4D1A-B6E7-CD55CE12B1B8}" type="datetimeFigureOut">
+              <a:rPr lang="en-US" smtClean="0"/>
+              <a:t>9/3/2020</a:t>
+            </a:fld>
+            <a:endParaRPr lang="en-US"/>
+          </a:p>
+        </p:txBody>
+      </p:sp>
+      <p:sp>
+        <p:nvSpPr>
+          <p:cNvPr id="6" name="Footer Placeholder 5">
+            <a:extLst>
+              <a:ext uri="{FF2B5EF4-FFF2-40B4-BE49-F238E27FC236}">
+                <a16:creationId xmlns:a16="http://schemas.microsoft.com/office/drawing/2014/main" id="{3DF86BAC-8491-440D-A5C3-7211EF483066}"/>
+              </a:ext>
+            </a:extLst>
+          </p:cNvPr>
+          <p:cNvSpPr>
+            <a:spLocks noGrp="1"/>
+          </p:cNvSpPr>
+          <p:nvPr>
+            <p:ph type="ftr" sz="quarter" idx="11"/>
+          </p:nvPr>
+        </p:nvSpPr>
+        <p:spPr/>
+        <p:txBody>
+          <a:bodyPr/>
+          <a:lstStyle/>
+          <a:p>
+            <a:endParaRPr lang="en-US"/>
+          </a:p>
+        </p:txBody>
+      </p:sp>
+      <p:sp>
+        <p:nvSpPr>
+          <p:cNvPr id="7" name="Slide Number Placeholder 6">
+            <a:extLst>
+              <a:ext uri="{FF2B5EF4-FFF2-40B4-BE49-F238E27FC236}">
+                <a16:creationId xmlns:a16="http://schemas.microsoft.com/office/drawing/2014/main" id="{E20EA863-4F16-4290-8442-556B7054085D}"/>
+              </a:ext>
+            </a:extLst>
+          </p:cNvPr>
+          <p:cNvSpPr>
+            <a:spLocks noGrp="1"/>
+          </p:cNvSpPr>
+          <p:nvPr>
+            <p:ph type="sldNum" sz="quarter" idx="12"/>
+          </p:nvPr>
+        </p:nvSpPr>
+        <p:spPr/>
+        <p:txBody>
+          <a:bodyPr/>
+          <a:lstStyle/>
+          <a:p>
+            <a:fld id="{3359379A-16E2-4C4A-96D0-A52C442257E7}" type="slidenum">
+              <a:rPr lang="en-US" smtClean="0"/>
+              <a:t>‹#›</a:t>
+            </a:fld>
+            <a:endParaRPr lang="en-US"/>
+          </a:p>
+        </p:txBody>
+      </p:sp>
+    </p:spTree>
+    <p:extLst>
+      <p:ext uri="{BB962C8B-B14F-4D97-AF65-F5344CB8AC3E}">
+        <p14:creationId xmlns:p14="http://schemas.microsoft.com/office/powerpoint/2010/main" val="360674590"/>
+      </p:ext>
+    </p:extLst>
+  </p:cSld>
+  <p:clrMapOvr>
+    <a:masterClrMapping/>
+  </p:clrMapOvr>
+</p:sldLayout>
+</file>
+
+<file path=ppt/slideLayouts/slideLayout5.xml><?xml version="1.0" encoding="utf-8"?>
+<p:sldLayout xmlns:a="http://schemas.openxmlformats.org/drawingml/2006/main" xmlns:r="http://schemas.openxmlformats.org/officeDocument/2006/relationships" xmlns:p="http://schemas.openxmlformats.org/presentationml/2006/main" type="twoTxTwoObj" preserve="1">
+  <p:cSld name="Comparison">
+    <p:spTree>
+      <p:nvGrpSpPr>
+        <p:cNvPr id="1" name=""/>
+        <p:cNvGrpSpPr/>
+        <p:nvPr/>
+      </p:nvGrpSpPr>
+      <p:grpSpPr>
+        <a:xfrm>
+          <a:off x="0" y="0"/>
+          <a:ext cx="0" cy="0"/>
+          <a:chOff x="0" y="0"/>
+          <a:chExt cx="0" cy="0"/>
+        </a:xfrm>
+      </p:grpSpPr>
+      <p:sp>
+        <p:nvSpPr>
+          <p:cNvPr id="2" name="Title 1">
+            <a:extLst>
+              <a:ext uri="{FF2B5EF4-FFF2-40B4-BE49-F238E27FC236}">
+                <a16:creationId xmlns:a16="http://schemas.microsoft.com/office/drawing/2014/main" id="{672AA943-85F4-420B-9B6C-87B1733E3F62}"/>
+              </a:ext>
+            </a:extLst>
+          </p:cNvPr>
+          <p:cNvSpPr>
+            <a:spLocks noGrp="1"/>
+          </p:cNvSpPr>
+          <p:nvPr>
+            <p:ph type="title"/>
+          </p:nvPr>
+        </p:nvSpPr>
+        <p:spPr>
+          <a:xfrm>
+            <a:off x="839788" y="365125"/>
+            <a:ext cx="10515600" cy="1325563"/>
+          </a:xfrm>
+        </p:spPr>
+        <p:txBody>
+          <a:bodyPr/>
+          <a:lstStyle/>
+          <a:p>
+            <a:r>
+              <a:rPr lang="en-US"/>
+              <a:t>Click to edit Master title style</a:t>
+            </a:r>
+          </a:p>
+        </p:txBody>
+      </p:sp>
+      <p:sp>
+        <p:nvSpPr>
+          <p:cNvPr id="3" name="Text Placeholder 2">
+            <a:extLst>
+              <a:ext uri="{FF2B5EF4-FFF2-40B4-BE49-F238E27FC236}">
+                <a16:creationId xmlns:a16="http://schemas.microsoft.com/office/drawing/2014/main" id="{028FA22D-24C4-40DC-B7A2-468A5F2B40FC}"/>
+              </a:ext>
+            </a:extLst>
+          </p:cNvPr>
+          <p:cNvSpPr>
+            <a:spLocks noGrp="1"/>
+          </p:cNvSpPr>
+          <p:nvPr>
+            <p:ph type="body" idx="1"/>
+          </p:nvPr>
+        </p:nvSpPr>
+        <p:spPr>
+          <a:xfrm>
+            <a:off x="839788" y="1681163"/>
+            <a:ext cx="5157787" cy="823912"/>
+          </a:xfrm>
+        </p:spPr>
+        <p:txBody>
+          <a:bodyPr anchor="b"/>
+          <a:lstStyle>
+            <a:lvl1pPr marL="0" indent="0">
+              <a:buNone/>
+              <a:defRPr sz="2400" b="1"/>
+            </a:lvl1pPr>
+            <a:lvl2pPr marL="457200" indent="0">
+              <a:buNone/>
+              <a:defRPr sz="2000" b="1"/>
+            </a:lvl2pPr>
+            <a:lvl3pPr marL="914400" indent="0">
+              <a:buNone/>
+              <a:defRPr sz="1800" b="1"/>
+            </a:lvl3pPr>
+            <a:lvl4pPr marL="1371600" indent="0">
+              <a:buNone/>
+              <a:defRPr sz="1600" b="1"/>
+            </a:lvl4pPr>
+            <a:lvl5pPr marL="1828800" indent="0">
+              <a:buNone/>
+              <a:defRPr sz="1600" b="1"/>
+            </a:lvl5pPr>
+            <a:lvl6pPr marL="2286000" indent="0">
+              <a:buNone/>
+              <a:defRPr sz="1600" b="1"/>
+            </a:lvl6pPr>
+            <a:lvl7pPr marL="2743200" indent="0">
+              <a:buNone/>
+              <a:defRPr sz="1600" b="1"/>
+            </a:lvl7pPr>
+            <a:lvl8pPr marL="3200400" indent="0">
+              <a:buNone/>
+              <a:defRPr sz="1600" b="1"/>
+            </a:lvl8pPr>
+            <a:lvl9pPr marL="3657600" indent="0">
+              <a:buNone/>
+              <a:defRPr sz="1600" b="1"/>
+            </a:lvl9pPr>
+          </a:lstStyle>
+          <a:p>
+            <a:pPr lvl="0"/>
+            <a:r>
+              <a:rPr lang="en-US"/>
+              <a:t>Click to edit Master text styles</a:t>
+            </a:r>
+          </a:p>
+        </p:txBody>
+      </p:sp>
+      <p:sp>
+        <p:nvSpPr>
+          <p:cNvPr id="4" name="Content Placeholder 3">
+            <a:extLst>
+              <a:ext uri="{FF2B5EF4-FFF2-40B4-BE49-F238E27FC236}">
+                <a16:creationId xmlns:a16="http://schemas.microsoft.com/office/drawing/2014/main" id="{66F6C1E0-2028-4BA9-9F60-EDC0B66A9C6A}"/>
+              </a:ext>
+            </a:extLst>
+          </p:cNvPr>
+          <p:cNvSpPr>
+            <a:spLocks noGrp="1"/>
+          </p:cNvSpPr>
+          <p:nvPr>
+            <p:ph sz="half" idx="2"/>
+          </p:nvPr>
+        </p:nvSpPr>
+        <p:spPr>
+          <a:xfrm>
+            <a:off x="839788" y="2505075"/>
+            <a:ext cx="5157787" cy="3684588"/>
+          </a:xfrm>
+        </p:spPr>
+        <p:txBody>
+          <a:bodyPr/>
+          <a:lstStyle/>
+          <a:p>
+            <a:pPr lvl="0"/>
+            <a:r>
+              <a:rPr lang="en-US"/>
+              <a:t>Click to edit Master text styles</a:t>
+            </a:r>
+          </a:p>
+          <a:p>
+            <a:pPr lvl="1"/>
+            <a:r>
+              <a:rPr lang="en-US"/>
+              <a:t>Second level</a:t>
+            </a:r>
+          </a:p>
+          <a:p>
+            <a:pPr lvl="2"/>
+            <a:r>
+              <a:rPr lang="en-US"/>
+              <a:t>Third level</a:t>
+            </a:r>
+          </a:p>
+          <a:p>
+            <a:pPr lvl="3"/>
+            <a:r>
+              <a:rPr lang="en-US"/>
+              <a:t>Fourth level</a:t>
+            </a:r>
+          </a:p>
+          <a:p>
+            <a:pPr lvl="4"/>
+            <a:r>
+              <a:rPr lang="en-US"/>
+              <a:t>Fifth level</a:t>
+            </a:r>
+          </a:p>
+        </p:txBody>
+      </p:sp>
+      <p:sp>
+        <p:nvSpPr>
+          <p:cNvPr id="5" name="Text Placeholder 4">
+            <a:extLst>
+              <a:ext uri="{FF2B5EF4-FFF2-40B4-BE49-F238E27FC236}">
+                <a16:creationId xmlns:a16="http://schemas.microsoft.com/office/drawing/2014/main" id="{0A282F23-6C11-46A9-B2D9-26091935139C}"/>
+              </a:ext>
+            </a:extLst>
+          </p:cNvPr>
+          <p:cNvSpPr>
+            <a:spLocks noGrp="1"/>
+          </p:cNvSpPr>
+          <p:nvPr>
+            <p:ph type="body" sz="quarter" idx="3"/>
+          </p:nvPr>
+        </p:nvSpPr>
+        <p:spPr>
+          <a:xfrm>
+            <a:off x="6172200" y="1681163"/>
+            <a:ext cx="5183188" cy="823912"/>
+          </a:xfrm>
+        </p:spPr>
+        <p:txBody>
+          <a:bodyPr anchor="b"/>
+          <a:lstStyle>
+            <a:lvl1pPr marL="0" indent="0">
+              <a:buNone/>
+              <a:defRPr sz="2400" b="1"/>
+            </a:lvl1pPr>
+            <a:lvl2pPr marL="457200" indent="0">
+              <a:buNone/>
+              <a:defRPr sz="2000" b="1"/>
+            </a:lvl2pPr>
+            <a:lvl3pPr marL="914400" indent="0">
+              <a:buNone/>
+              <a:defRPr sz="1800" b="1"/>
+            </a:lvl3pPr>
+            <a:lvl4pPr marL="1371600" indent="0">
+              <a:buNone/>
+              <a:defRPr sz="1600" b="1"/>
+            </a:lvl4pPr>
+            <a:lvl5pPr marL="1828800" indent="0">
+              <a:buNone/>
+              <a:defRPr sz="1600" b="1"/>
+            </a:lvl5pPr>
+            <a:lvl6pPr marL="2286000" indent="0">
+              <a:buNone/>
+              <a:defRPr sz="1600" b="1"/>
+            </a:lvl6pPr>
+            <a:lvl7pPr marL="2743200" indent="0">
+              <a:buNone/>
+              <a:defRPr sz="1600" b="1"/>
+            </a:lvl7pPr>
+            <a:lvl8pPr marL="3200400" indent="0">
+              <a:buNone/>
+              <a:defRPr sz="1600" b="1"/>
+            </a:lvl8pPr>
+            <a:lvl9pPr marL="3657600" indent="0">
+              <a:buNone/>
+              <a:defRPr sz="1600" b="1"/>
+            </a:lvl9pPr>
+          </a:lstStyle>
+          <a:p>
+            <a:pPr lvl="0"/>
+            <a:r>
+              <a:rPr lang="en-US"/>
+              <a:t>Click to edit Master text styles</a:t>
+            </a:r>
+          </a:p>
+        </p:txBody>
+      </p:sp>
+      <p:sp>
+        <p:nvSpPr>
+          <p:cNvPr id="6" name="Content Placeholder 5">
+            <a:extLst>
+              <a:ext uri="{FF2B5EF4-FFF2-40B4-BE49-F238E27FC236}">
+                <a16:creationId xmlns:a16="http://schemas.microsoft.com/office/drawing/2014/main" id="{B4ECC78A-D04F-4C35-A21A-57988521F273}"/>
+              </a:ext>
+            </a:extLst>
+          </p:cNvPr>
+          <p:cNvSpPr>
+            <a:spLocks noGrp="1"/>
+          </p:cNvSpPr>
+          <p:nvPr>
+            <p:ph sz="quarter" idx="4"/>
+          </p:nvPr>
+        </p:nvSpPr>
+        <p:spPr>
+          <a:xfrm>
+            <a:off x="6172200" y="2505075"/>
+            <a:ext cx="5183188" cy="3684588"/>
+          </a:xfrm>
+        </p:spPr>
+        <p:txBody>
+          <a:bodyPr/>
+          <a:lstStyle/>
+          <a:p>
+            <a:pPr lvl="0"/>
+            <a:r>
+              <a:rPr lang="en-US"/>
+              <a:t>Click to edit Master text styles</a:t>
+            </a:r>
+          </a:p>
+          <a:p>
+            <a:pPr lvl="1"/>
+            <a:r>
+              <a:rPr lang="en-US"/>
+              <a:t>Second level</a:t>
+            </a:r>
+          </a:p>
+          <a:p>
+            <a:pPr lvl="2"/>
+            <a:r>
+              <a:rPr lang="en-US"/>
+              <a:t>Third level</a:t>
+            </a:r>
+          </a:p>
+          <a:p>
+            <a:pPr lvl="3"/>
+            <a:r>
+              <a:rPr lang="en-US"/>
+              <a:t>Fourth level</a:t>
+            </a:r>
+          </a:p>
+          <a:p>
+            <a:pPr lvl="4"/>
+            <a:r>
+              <a:rPr lang="en-US"/>
+              <a:t>Fifth level</a:t>
+            </a:r>
+          </a:p>
+        </p:txBody>
+      </p:sp>
+      <p:sp>
+        <p:nvSpPr>
+          <p:cNvPr id="7" name="Date Placeholder 6">
+            <a:extLst>
+              <a:ext uri="{FF2B5EF4-FFF2-40B4-BE49-F238E27FC236}">
+                <a16:creationId xmlns:a16="http://schemas.microsoft.com/office/drawing/2014/main" id="{B3BE7962-9B8E-4C41-ADED-FB8EAF95D2FA}"/>
+              </a:ext>
+            </a:extLst>
+          </p:cNvPr>
+          <p:cNvSpPr>
+            <a:spLocks noGrp="1"/>
+          </p:cNvSpPr>
+          <p:nvPr>
+            <p:ph type="dt" sz="half" idx="10"/>
+          </p:nvPr>
+        </p:nvSpPr>
+        <p:spPr/>
+        <p:txBody>
+          <a:bodyPr/>
+          <a:lstStyle/>
+          <a:p>
+            <a:fld id="{4744E560-77BF-4D1A-B6E7-CD55CE12B1B8}" type="datetimeFigureOut">
+              <a:rPr lang="en-US" smtClean="0"/>
+              <a:t>9/3/2020</a:t>
+            </a:fld>
+            <a:endParaRPr lang="en-US"/>
+          </a:p>
+        </p:txBody>
+      </p:sp>
+      <p:sp>
+        <p:nvSpPr>
+          <p:cNvPr id="8" name="Footer Placeholder 7">
+            <a:extLst>
+              <a:ext uri="{FF2B5EF4-FFF2-40B4-BE49-F238E27FC236}">
+                <a16:creationId xmlns:a16="http://schemas.microsoft.com/office/drawing/2014/main" id="{4DC7224E-2C3C-4681-8BEE-E1EDB54B6A82}"/>
+              </a:ext>
+            </a:extLst>
+          </p:cNvPr>
+          <p:cNvSpPr>
+            <a:spLocks noGrp="1"/>
+          </p:cNvSpPr>
+          <p:nvPr>
+            <p:ph type="ftr" sz="quarter" idx="11"/>
+          </p:nvPr>
+        </p:nvSpPr>
+        <p:spPr/>
+        <p:txBody>
+          <a:bodyPr/>
+          <a:lstStyle/>
+          <a:p>
+            <a:endParaRPr lang="en-US"/>
+          </a:p>
+        </p:txBody>
+      </p:sp>
+      <p:sp>
+        <p:nvSpPr>
+          <p:cNvPr id="9" name="Slide Number Placeholder 8">
+            <a:extLst>
+              <a:ext uri="{FF2B5EF4-FFF2-40B4-BE49-F238E27FC236}">
+                <a16:creationId xmlns:a16="http://schemas.microsoft.com/office/drawing/2014/main" id="{E33AF463-BDDB-4C2A-976C-B43AB0236B74}"/>
+              </a:ext>
+            </a:extLst>
+          </p:cNvPr>
+          <p:cNvSpPr>
+            <a:spLocks noGrp="1"/>
+          </p:cNvSpPr>
+          <p:nvPr>
+            <p:ph type="sldNum" sz="quarter" idx="12"/>
+          </p:nvPr>
+        </p:nvSpPr>
+        <p:spPr/>
+        <p:txBody>
+          <a:bodyPr/>
+          <a:lstStyle/>
+          <a:p>
+            <a:fld id="{3359379A-16E2-4C4A-96D0-A52C442257E7}" type="slidenum">
+              <a:rPr lang="en-US" smtClean="0"/>
+              <a:t>‹#›</a:t>
+            </a:fld>
+            <a:endParaRPr lang="en-US"/>
+          </a:p>
+        </p:txBody>
+      </p:sp>
+    </p:spTree>
+    <p:extLst>
+      <p:ext uri="{BB962C8B-B14F-4D97-AF65-F5344CB8AC3E}">
+        <p14:creationId xmlns:p14="http://schemas.microsoft.com/office/powerpoint/2010/main" val="2913111221"/>
+      </p:ext>
+    </p:extLst>
+  </p:cSld>
+  <p:clrMapOvr>
+    <a:masterClrMapping/>
+  </p:clrMapOvr>
+</p:sldLayout>
+</file>
+
+<file path=ppt/slideLayouts/slideLayout6.xml><?xml version="1.0" encoding="utf-8"?>
+<p:sldLayout xmlns:a="http://schemas.openxmlformats.org/drawingml/2006/main" xmlns:r="http://schemas.openxmlformats.org/officeDocument/2006/relationships" xmlns:p="http://schemas.openxmlformats.org/presentationml/2006/main" type="titleOnly" preserve="1">
+  <p:cSld name="Title Only">
+    <p:spTree>
+      <p:nvGrpSpPr>
+        <p:cNvPr id="1" name=""/>
+        <p:cNvGrpSpPr/>
+        <p:nvPr/>
+      </p:nvGrpSpPr>
+      <p:grpSpPr>
+        <a:xfrm>
+          <a:off x="0" y="0"/>
+          <a:ext cx="0" cy="0"/>
+          <a:chOff x="0" y="0"/>
+          <a:chExt cx="0" cy="0"/>
+        </a:xfrm>
+      </p:grpSpPr>
+      <p:sp>
+        <p:nvSpPr>
+          <p:cNvPr id="2" name="Title 1">
+            <a:extLst>
+              <a:ext uri="{FF2B5EF4-FFF2-40B4-BE49-F238E27FC236}">
+                <a16:creationId xmlns:a16="http://schemas.microsoft.com/office/drawing/2014/main" id="{5683470B-7600-434F-B535-59A94401674B}"/>
+              </a:ext>
+            </a:extLst>
+          </p:cNvPr>
+          <p:cNvSpPr>
+            <a:spLocks noGrp="1"/>
+          </p:cNvSpPr>
+          <p:nvPr>
+            <p:ph type="title"/>
+          </p:nvPr>
+        </p:nvSpPr>
+        <p:spPr/>
+        <p:txBody>
+          <a:bodyPr/>
+          <a:lstStyle/>
+          <a:p>
+            <a:r>
+              <a:rPr lang="en-US"/>
+              <a:t>Click to edit Master title style</a:t>
+            </a:r>
+          </a:p>
+        </p:txBody>
+      </p:sp>
+      <p:sp>
+        <p:nvSpPr>
+          <p:cNvPr id="3" name="Date Placeholder 2">
+            <a:extLst>
+              <a:ext uri="{FF2B5EF4-FFF2-40B4-BE49-F238E27FC236}">
+                <a16:creationId xmlns:a16="http://schemas.microsoft.com/office/drawing/2014/main" id="{CA05D5D0-AE9A-423C-95E0-219873E629B6}"/>
+              </a:ext>
+            </a:extLst>
+          </p:cNvPr>
+          <p:cNvSpPr>
+            <a:spLocks noGrp="1"/>
+          </p:cNvSpPr>
+          <p:nvPr>
+            <p:ph type="dt" sz="half" idx="10"/>
+          </p:nvPr>
+        </p:nvSpPr>
+        <p:spPr/>
+        <p:txBody>
+          <a:bodyPr/>
+          <a:lstStyle/>
+          <a:p>
+            <a:fld id="{10305AF2-6757-43B7-B945-2F5134D16E39}" type="datetimeFigureOut">
+              <a:rPr lang="en-US" smtClean="0"/>
+              <a:t>9/3/2020</a:t>
+            </a:fld>
+            <a:endParaRPr lang="en-US"/>
+          </a:p>
+        </p:txBody>
+      </p:sp>
+      <p:sp>
+        <p:nvSpPr>
+          <p:cNvPr id="4" name="Footer Placeholder 3">
+            <a:extLst>
+              <a:ext uri="{FF2B5EF4-FFF2-40B4-BE49-F238E27FC236}">
+                <a16:creationId xmlns:a16="http://schemas.microsoft.com/office/drawing/2014/main" id="{38C748CA-6E8B-4F95-A35B-DA56E42671B5}"/>
+              </a:ext>
+            </a:extLst>
+          </p:cNvPr>
+          <p:cNvSpPr>
+            <a:spLocks noGrp="1"/>
+          </p:cNvSpPr>
+          <p:nvPr>
+            <p:ph type="ftr" sz="quarter" idx="11"/>
+          </p:nvPr>
+        </p:nvSpPr>
+        <p:spPr/>
+        <p:txBody>
+          <a:bodyPr/>
+          <a:lstStyle/>
+          <a:p>
+            <a:endParaRPr lang="en-US"/>
+          </a:p>
+        </p:txBody>
+      </p:sp>
+      <p:sp>
+        <p:nvSpPr>
+          <p:cNvPr id="5" name="Slide Number Placeholder 4">
+            <a:extLst>
+              <a:ext uri="{FF2B5EF4-FFF2-40B4-BE49-F238E27FC236}">
+                <a16:creationId xmlns:a16="http://schemas.microsoft.com/office/drawing/2014/main" id="{73E34D1D-508E-431D-ADFF-B95A8CF0ADBB}"/>
+              </a:ext>
+            </a:extLst>
+          </p:cNvPr>
+          <p:cNvSpPr>
+            <a:spLocks noGrp="1"/>
+          </p:cNvSpPr>
+          <p:nvPr>
+            <p:ph type="sldNum" sz="quarter" idx="12"/>
+          </p:nvPr>
+        </p:nvSpPr>
+        <p:spPr/>
+        <p:txBody>
+          <a:bodyPr/>
+          <a:lstStyle/>
+          <a:p>
+            <a:fld id="{9D69DCEB-D541-4495-8FE4-676860CBDF15}" type="slidenum">
+              <a:rPr lang="en-US" smtClean="0"/>
+              <a:t>‹#›</a:t>
+            </a:fld>
+            <a:endParaRPr lang="en-US"/>
+          </a:p>
+        </p:txBody>
+      </p:sp>
+      <p:sp>
+        <p:nvSpPr>
+          <p:cNvPr id="6" name="Rectangle 5">
+            <a:extLst>
+              <a:ext uri="{FF2B5EF4-FFF2-40B4-BE49-F238E27FC236}">
+                <a16:creationId xmlns:a16="http://schemas.microsoft.com/office/drawing/2014/main" id="{AE33542A-EE1E-42F5-B29C-2DA62F8521FB}"/>
+              </a:ext>
+            </a:extLst>
+          </p:cNvPr>
+          <p:cNvSpPr/>
+          <p:nvPr userDrawn="1"/>
+        </p:nvSpPr>
+        <p:spPr>
+          <a:xfrm>
+            <a:off x="256032" y="265176"/>
+            <a:ext cx="11683049" cy="6332433"/>
+          </a:xfrm>
+          <a:prstGeom prst="rect">
+            <a:avLst/>
+          </a:prstGeom>
+          <a:solidFill>
+            <a:srgbClr val="F5F5F5"/>
+          </a:solidFill>
+          <a:ln>
+            <a:noFill/>
+          </a:ln>
+        </p:spPr>
+        <p:style>
+          <a:lnRef idx="2">
+            <a:schemeClr val="accent1">
+              <a:shade val="50000"/>
+            </a:schemeClr>
+          </a:lnRef>
+          <a:fillRef idx="1">
+            <a:schemeClr val="accent1"/>
+          </a:fillRef>
+          <a:effectRef idx="0">
+            <a:schemeClr val="accent1"/>
+          </a:effectRef>
+          <a:fontRef idx="minor">
+            <a:schemeClr val="lt1"/>
+          </a:fontRef>
+        </p:style>
+        <p:txBody>
+          <a:bodyPr rtlCol="0" anchor="b" anchorCtr="0"/>
+          <a:lstStyle/>
+          <a:p>
+            <a:pPr algn="ctr"/>
+            <a:endParaRPr lang="en-US" sz="1800" dirty="0"/>
+          </a:p>
+        </p:txBody>
+      </p:sp>
       <p:cxnSp>
         <p:nvCxnSpPr>
-          <p:cNvPr id="8" name="Straight Connector 7">
-            <a:extLst>
-              <a:ext uri="{FF2B5EF4-FFF2-40B4-BE49-F238E27FC236}">
-                <a16:creationId xmlns:a16="http://schemas.microsoft.com/office/drawing/2014/main" id="{E32A06DA-7FF5-4DDE-94D0-63A83DB241E8}"/>
+          <p:cNvPr id="7" name="Straight Connector 6">
+            <a:extLst>
+              <a:ext uri="{FF2B5EF4-FFF2-40B4-BE49-F238E27FC236}">
+                <a16:creationId xmlns:a16="http://schemas.microsoft.com/office/drawing/2014/main" id="{74B2F048-D433-4BF4-9213-F1EB6127E8A6}"/>
               </a:ext>
             </a:extLst>
           </p:cNvPr>
@@ -2743,22 +4257,1113 @@
     </p:spTree>
     <p:extLst>
       <p:ext uri="{BB962C8B-B14F-4D97-AF65-F5344CB8AC3E}">
-        <p14:creationId xmlns:p14="http://schemas.microsoft.com/office/powerpoint/2010/main" val="2308514094"/>
+        <p14:creationId xmlns:p14="http://schemas.microsoft.com/office/powerpoint/2010/main" val="1517506825"/>
+      </p:ext>
+    </p:extLst>
+  </p:cSld>
+  <p:clrMapOvr>
+    <a:masterClrMapping/>
+  </p:clrMapOvr>
+</p:sldLayout>
+</file>
+
+<file path=ppt/slideLayouts/slideLayout7.xml><?xml version="1.0" encoding="utf-8"?>
+<p:sldLayout xmlns:a="http://schemas.openxmlformats.org/drawingml/2006/main" xmlns:r="http://schemas.openxmlformats.org/officeDocument/2006/relationships" xmlns:p="http://schemas.openxmlformats.org/presentationml/2006/main" type="blank" preserve="1">
+  <p:cSld name="Blank">
+    <p:spTree>
+      <p:nvGrpSpPr>
+        <p:cNvPr id="1" name=""/>
+        <p:cNvGrpSpPr/>
+        <p:nvPr/>
+      </p:nvGrpSpPr>
+      <p:grpSpPr>
+        <a:xfrm>
+          <a:off x="0" y="0"/>
+          <a:ext cx="0" cy="0"/>
+          <a:chOff x="0" y="0"/>
+          <a:chExt cx="0" cy="0"/>
+        </a:xfrm>
+      </p:grpSpPr>
+      <p:sp>
+        <p:nvSpPr>
+          <p:cNvPr id="2" name="Date Placeholder 1">
+            <a:extLst>
+              <a:ext uri="{FF2B5EF4-FFF2-40B4-BE49-F238E27FC236}">
+                <a16:creationId xmlns:a16="http://schemas.microsoft.com/office/drawing/2014/main" id="{C53DB1F2-8174-4C8F-A43E-61D15CF8C504}"/>
+              </a:ext>
+            </a:extLst>
+          </p:cNvPr>
+          <p:cNvSpPr>
+            <a:spLocks noGrp="1"/>
+          </p:cNvSpPr>
+          <p:nvPr>
+            <p:ph type="dt" sz="half" idx="10"/>
+          </p:nvPr>
+        </p:nvSpPr>
+        <p:spPr/>
+        <p:txBody>
+          <a:bodyPr/>
+          <a:lstStyle/>
+          <a:p>
+            <a:fld id="{10305AF2-6757-43B7-B945-2F5134D16E39}" type="datetimeFigureOut">
+              <a:rPr lang="en-US" smtClean="0"/>
+              <a:t>9/3/2020</a:t>
+            </a:fld>
+            <a:endParaRPr lang="en-US"/>
+          </a:p>
+        </p:txBody>
+      </p:sp>
+      <p:sp>
+        <p:nvSpPr>
+          <p:cNvPr id="3" name="Footer Placeholder 2">
+            <a:extLst>
+              <a:ext uri="{FF2B5EF4-FFF2-40B4-BE49-F238E27FC236}">
+                <a16:creationId xmlns:a16="http://schemas.microsoft.com/office/drawing/2014/main" id="{D12737A0-9CC2-4DBD-A89C-D9E97BD6E80C}"/>
+              </a:ext>
+            </a:extLst>
+          </p:cNvPr>
+          <p:cNvSpPr>
+            <a:spLocks noGrp="1"/>
+          </p:cNvSpPr>
+          <p:nvPr>
+            <p:ph type="ftr" sz="quarter" idx="11"/>
+          </p:nvPr>
+        </p:nvSpPr>
+        <p:spPr/>
+        <p:txBody>
+          <a:bodyPr/>
+          <a:lstStyle/>
+          <a:p>
+            <a:endParaRPr lang="en-US"/>
+          </a:p>
+        </p:txBody>
+      </p:sp>
+      <p:sp>
+        <p:nvSpPr>
+          <p:cNvPr id="4" name="Slide Number Placeholder 3">
+            <a:extLst>
+              <a:ext uri="{FF2B5EF4-FFF2-40B4-BE49-F238E27FC236}">
+                <a16:creationId xmlns:a16="http://schemas.microsoft.com/office/drawing/2014/main" id="{121BF151-2EEE-489E-88A8-C377866FDE45}"/>
+              </a:ext>
+            </a:extLst>
+          </p:cNvPr>
+          <p:cNvSpPr>
+            <a:spLocks noGrp="1"/>
+          </p:cNvSpPr>
+          <p:nvPr>
+            <p:ph type="sldNum" sz="quarter" idx="12"/>
+          </p:nvPr>
+        </p:nvSpPr>
+        <p:spPr/>
+        <p:txBody>
+          <a:bodyPr/>
+          <a:lstStyle/>
+          <a:p>
+            <a:fld id="{9D69DCEB-D541-4495-8FE4-676860CBDF15}" type="slidenum">
+              <a:rPr lang="en-US" smtClean="0"/>
+              <a:t>‹#›</a:t>
+            </a:fld>
+            <a:endParaRPr lang="en-US"/>
+          </a:p>
+        </p:txBody>
+      </p:sp>
+    </p:spTree>
+    <p:extLst>
+      <p:ext uri="{BB962C8B-B14F-4D97-AF65-F5344CB8AC3E}">
+        <p14:creationId xmlns:p14="http://schemas.microsoft.com/office/powerpoint/2010/main" val="2941536363"/>
+      </p:ext>
+    </p:extLst>
+  </p:cSld>
+  <p:clrMapOvr>
+    <a:masterClrMapping/>
+  </p:clrMapOvr>
+</p:sldLayout>
+</file>
+
+<file path=ppt/slideLayouts/slideLayout8.xml><?xml version="1.0" encoding="utf-8"?>
+<p:sldLayout xmlns:a="http://schemas.openxmlformats.org/drawingml/2006/main" xmlns:r="http://schemas.openxmlformats.org/officeDocument/2006/relationships" xmlns:p="http://schemas.openxmlformats.org/presentationml/2006/main" type="objTx" preserve="1">
+  <p:cSld name="Content with Caption">
+    <p:spTree>
+      <p:nvGrpSpPr>
+        <p:cNvPr id="1" name=""/>
+        <p:cNvGrpSpPr/>
+        <p:nvPr/>
+      </p:nvGrpSpPr>
+      <p:grpSpPr>
+        <a:xfrm>
+          <a:off x="0" y="0"/>
+          <a:ext cx="0" cy="0"/>
+          <a:chOff x="0" y="0"/>
+          <a:chExt cx="0" cy="0"/>
+        </a:xfrm>
+      </p:grpSpPr>
+      <p:sp>
+        <p:nvSpPr>
+          <p:cNvPr id="2" name="Title 1">
+            <a:extLst>
+              <a:ext uri="{FF2B5EF4-FFF2-40B4-BE49-F238E27FC236}">
+                <a16:creationId xmlns:a16="http://schemas.microsoft.com/office/drawing/2014/main" id="{680ABCCD-49F5-4E5C-BF2F-22298B490679}"/>
+              </a:ext>
+            </a:extLst>
+          </p:cNvPr>
+          <p:cNvSpPr>
+            <a:spLocks noGrp="1"/>
+          </p:cNvSpPr>
+          <p:nvPr>
+            <p:ph type="title"/>
+          </p:nvPr>
+        </p:nvSpPr>
+        <p:spPr>
+          <a:xfrm>
+            <a:off x="839788" y="457200"/>
+            <a:ext cx="3932237" cy="1600200"/>
+          </a:xfrm>
+        </p:spPr>
+        <p:txBody>
+          <a:bodyPr anchor="b"/>
+          <a:lstStyle>
+            <a:lvl1pPr>
+              <a:defRPr sz="3200"/>
+            </a:lvl1pPr>
+          </a:lstStyle>
+          <a:p>
+            <a:r>
+              <a:rPr lang="en-US"/>
+              <a:t>Click to edit Master title style</a:t>
+            </a:r>
+          </a:p>
+        </p:txBody>
+      </p:sp>
+      <p:sp>
+        <p:nvSpPr>
+          <p:cNvPr id="3" name="Content Placeholder 2">
+            <a:extLst>
+              <a:ext uri="{FF2B5EF4-FFF2-40B4-BE49-F238E27FC236}">
+                <a16:creationId xmlns:a16="http://schemas.microsoft.com/office/drawing/2014/main" id="{242B1A48-0350-4F47-A932-27DFEAAF285F}"/>
+              </a:ext>
+            </a:extLst>
+          </p:cNvPr>
+          <p:cNvSpPr>
+            <a:spLocks noGrp="1"/>
+          </p:cNvSpPr>
+          <p:nvPr>
+            <p:ph idx="1"/>
+          </p:nvPr>
+        </p:nvSpPr>
+        <p:spPr>
+          <a:xfrm>
+            <a:off x="5183188" y="987425"/>
+            <a:ext cx="6172200" cy="4873625"/>
+          </a:xfrm>
+        </p:spPr>
+        <p:txBody>
+          <a:bodyPr/>
+          <a:lstStyle>
+            <a:lvl1pPr>
+              <a:defRPr sz="3200"/>
+            </a:lvl1pPr>
+            <a:lvl2pPr>
+              <a:defRPr sz="2800"/>
+            </a:lvl2pPr>
+            <a:lvl3pPr>
+              <a:defRPr sz="2400"/>
+            </a:lvl3pPr>
+            <a:lvl4pPr>
+              <a:defRPr sz="2000"/>
+            </a:lvl4pPr>
+            <a:lvl5pPr>
+              <a:defRPr sz="2000"/>
+            </a:lvl5pPr>
+            <a:lvl6pPr>
+              <a:defRPr sz="2000"/>
+            </a:lvl6pPr>
+            <a:lvl7pPr>
+              <a:defRPr sz="2000"/>
+            </a:lvl7pPr>
+            <a:lvl8pPr>
+              <a:defRPr sz="2000"/>
+            </a:lvl8pPr>
+            <a:lvl9pPr>
+              <a:defRPr sz="2000"/>
+            </a:lvl9pPr>
+          </a:lstStyle>
+          <a:p>
+            <a:pPr lvl="0"/>
+            <a:r>
+              <a:rPr lang="en-US"/>
+              <a:t>Click to edit Master text styles</a:t>
+            </a:r>
+          </a:p>
+          <a:p>
+            <a:pPr lvl="1"/>
+            <a:r>
+              <a:rPr lang="en-US"/>
+              <a:t>Second level</a:t>
+            </a:r>
+          </a:p>
+          <a:p>
+            <a:pPr lvl="2"/>
+            <a:r>
+              <a:rPr lang="en-US"/>
+              <a:t>Third level</a:t>
+            </a:r>
+          </a:p>
+          <a:p>
+            <a:pPr lvl="3"/>
+            <a:r>
+              <a:rPr lang="en-US"/>
+              <a:t>Fourth level</a:t>
+            </a:r>
+          </a:p>
+          <a:p>
+            <a:pPr lvl="4"/>
+            <a:r>
+              <a:rPr lang="en-US"/>
+              <a:t>Fifth level</a:t>
+            </a:r>
+          </a:p>
+        </p:txBody>
+      </p:sp>
+      <p:sp>
+        <p:nvSpPr>
+          <p:cNvPr id="4" name="Text Placeholder 3">
+            <a:extLst>
+              <a:ext uri="{FF2B5EF4-FFF2-40B4-BE49-F238E27FC236}">
+                <a16:creationId xmlns:a16="http://schemas.microsoft.com/office/drawing/2014/main" id="{19F2E624-5746-46C9-9262-9091AB0A85EE}"/>
+              </a:ext>
+            </a:extLst>
+          </p:cNvPr>
+          <p:cNvSpPr>
+            <a:spLocks noGrp="1"/>
+          </p:cNvSpPr>
+          <p:nvPr>
+            <p:ph type="body" sz="half" idx="2"/>
+          </p:nvPr>
+        </p:nvSpPr>
+        <p:spPr>
+          <a:xfrm>
+            <a:off x="839788" y="2057400"/>
+            <a:ext cx="3932237" cy="3811588"/>
+          </a:xfrm>
+        </p:spPr>
+        <p:txBody>
+          <a:bodyPr/>
+          <a:lstStyle>
+            <a:lvl1pPr marL="0" indent="0">
+              <a:buNone/>
+              <a:defRPr sz="1600"/>
+            </a:lvl1pPr>
+            <a:lvl2pPr marL="457200" indent="0">
+              <a:buNone/>
+              <a:defRPr sz="1400"/>
+            </a:lvl2pPr>
+            <a:lvl3pPr marL="914400" indent="0">
+              <a:buNone/>
+              <a:defRPr sz="1200"/>
+            </a:lvl3pPr>
+            <a:lvl4pPr marL="1371600" indent="0">
+              <a:buNone/>
+              <a:defRPr sz="1000"/>
+            </a:lvl4pPr>
+            <a:lvl5pPr marL="1828800" indent="0">
+              <a:buNone/>
+              <a:defRPr sz="1000"/>
+            </a:lvl5pPr>
+            <a:lvl6pPr marL="2286000" indent="0">
+              <a:buNone/>
+              <a:defRPr sz="1000"/>
+            </a:lvl6pPr>
+            <a:lvl7pPr marL="2743200" indent="0">
+              <a:buNone/>
+              <a:defRPr sz="1000"/>
+            </a:lvl7pPr>
+            <a:lvl8pPr marL="3200400" indent="0">
+              <a:buNone/>
+              <a:defRPr sz="1000"/>
+            </a:lvl8pPr>
+            <a:lvl9pPr marL="3657600" indent="0">
+              <a:buNone/>
+              <a:defRPr sz="1000"/>
+            </a:lvl9pPr>
+          </a:lstStyle>
+          <a:p>
+            <a:pPr lvl="0"/>
+            <a:r>
+              <a:rPr lang="en-US"/>
+              <a:t>Click to edit Master text styles</a:t>
+            </a:r>
+          </a:p>
+        </p:txBody>
+      </p:sp>
+      <p:sp>
+        <p:nvSpPr>
+          <p:cNvPr id="5" name="Date Placeholder 4">
+            <a:extLst>
+              <a:ext uri="{FF2B5EF4-FFF2-40B4-BE49-F238E27FC236}">
+                <a16:creationId xmlns:a16="http://schemas.microsoft.com/office/drawing/2014/main" id="{5560867E-979A-4D3F-9A0B-ABD478A9CF3A}"/>
+              </a:ext>
+            </a:extLst>
+          </p:cNvPr>
+          <p:cNvSpPr>
+            <a:spLocks noGrp="1"/>
+          </p:cNvSpPr>
+          <p:nvPr>
+            <p:ph type="dt" sz="half" idx="10"/>
+          </p:nvPr>
+        </p:nvSpPr>
+        <p:spPr/>
+        <p:txBody>
+          <a:bodyPr/>
+          <a:lstStyle/>
+          <a:p>
+            <a:fld id="{4744E560-77BF-4D1A-B6E7-CD55CE12B1B8}" type="datetimeFigureOut">
+              <a:rPr lang="en-US" smtClean="0"/>
+              <a:t>9/3/2020</a:t>
+            </a:fld>
+            <a:endParaRPr lang="en-US"/>
+          </a:p>
+        </p:txBody>
+      </p:sp>
+      <p:sp>
+        <p:nvSpPr>
+          <p:cNvPr id="6" name="Footer Placeholder 5">
+            <a:extLst>
+              <a:ext uri="{FF2B5EF4-FFF2-40B4-BE49-F238E27FC236}">
+                <a16:creationId xmlns:a16="http://schemas.microsoft.com/office/drawing/2014/main" id="{EAD0A175-C794-4F34-BE94-3F3F68D15D6E}"/>
+              </a:ext>
+            </a:extLst>
+          </p:cNvPr>
+          <p:cNvSpPr>
+            <a:spLocks noGrp="1"/>
+          </p:cNvSpPr>
+          <p:nvPr>
+            <p:ph type="ftr" sz="quarter" idx="11"/>
+          </p:nvPr>
+        </p:nvSpPr>
+        <p:spPr/>
+        <p:txBody>
+          <a:bodyPr/>
+          <a:lstStyle/>
+          <a:p>
+            <a:endParaRPr lang="en-US"/>
+          </a:p>
+        </p:txBody>
+      </p:sp>
+      <p:sp>
+        <p:nvSpPr>
+          <p:cNvPr id="7" name="Slide Number Placeholder 6">
+            <a:extLst>
+              <a:ext uri="{FF2B5EF4-FFF2-40B4-BE49-F238E27FC236}">
+                <a16:creationId xmlns:a16="http://schemas.microsoft.com/office/drawing/2014/main" id="{E1F93F58-F56C-471C-A991-571F10CFF4ED}"/>
+              </a:ext>
+            </a:extLst>
+          </p:cNvPr>
+          <p:cNvSpPr>
+            <a:spLocks noGrp="1"/>
+          </p:cNvSpPr>
+          <p:nvPr>
+            <p:ph type="sldNum" sz="quarter" idx="12"/>
+          </p:nvPr>
+        </p:nvSpPr>
+        <p:spPr/>
+        <p:txBody>
+          <a:bodyPr/>
+          <a:lstStyle/>
+          <a:p>
+            <a:fld id="{3359379A-16E2-4C4A-96D0-A52C442257E7}" type="slidenum">
+              <a:rPr lang="en-US" smtClean="0"/>
+              <a:t>‹#›</a:t>
+            </a:fld>
+            <a:endParaRPr lang="en-US"/>
+          </a:p>
+        </p:txBody>
+      </p:sp>
+    </p:spTree>
+    <p:extLst>
+      <p:ext uri="{BB962C8B-B14F-4D97-AF65-F5344CB8AC3E}">
+        <p14:creationId xmlns:p14="http://schemas.microsoft.com/office/powerpoint/2010/main" val="4121195126"/>
+      </p:ext>
+    </p:extLst>
+  </p:cSld>
+  <p:clrMapOvr>
+    <a:masterClrMapping/>
+  </p:clrMapOvr>
+</p:sldLayout>
+</file>
+
+<file path=ppt/slideLayouts/slideLayout9.xml><?xml version="1.0" encoding="utf-8"?>
+<p:sldLayout xmlns:a="http://schemas.openxmlformats.org/drawingml/2006/main" xmlns:r="http://schemas.openxmlformats.org/officeDocument/2006/relationships" xmlns:p="http://schemas.openxmlformats.org/presentationml/2006/main" type="picTx" preserve="1">
+  <p:cSld name="Picture with Caption">
+    <p:spTree>
+      <p:nvGrpSpPr>
+        <p:cNvPr id="1" name=""/>
+        <p:cNvGrpSpPr/>
+        <p:nvPr/>
+      </p:nvGrpSpPr>
+      <p:grpSpPr>
+        <a:xfrm>
+          <a:off x="0" y="0"/>
+          <a:ext cx="0" cy="0"/>
+          <a:chOff x="0" y="0"/>
+          <a:chExt cx="0" cy="0"/>
+        </a:xfrm>
+      </p:grpSpPr>
+      <p:sp>
+        <p:nvSpPr>
+          <p:cNvPr id="2" name="Title 1">
+            <a:extLst>
+              <a:ext uri="{FF2B5EF4-FFF2-40B4-BE49-F238E27FC236}">
+                <a16:creationId xmlns:a16="http://schemas.microsoft.com/office/drawing/2014/main" id="{39AC7AD7-35C0-431A-9370-744CBC1F76CA}"/>
+              </a:ext>
+            </a:extLst>
+          </p:cNvPr>
+          <p:cNvSpPr>
+            <a:spLocks noGrp="1"/>
+          </p:cNvSpPr>
+          <p:nvPr>
+            <p:ph type="title"/>
+          </p:nvPr>
+        </p:nvSpPr>
+        <p:spPr>
+          <a:xfrm>
+            <a:off x="839788" y="457200"/>
+            <a:ext cx="3932237" cy="1600200"/>
+          </a:xfrm>
+        </p:spPr>
+        <p:txBody>
+          <a:bodyPr anchor="b"/>
+          <a:lstStyle>
+            <a:lvl1pPr>
+              <a:defRPr sz="3200"/>
+            </a:lvl1pPr>
+          </a:lstStyle>
+          <a:p>
+            <a:r>
+              <a:rPr lang="en-US"/>
+              <a:t>Click to edit Master title style</a:t>
+            </a:r>
+          </a:p>
+        </p:txBody>
+      </p:sp>
+      <p:sp>
+        <p:nvSpPr>
+          <p:cNvPr id="3" name="Picture Placeholder 2">
+            <a:extLst>
+              <a:ext uri="{FF2B5EF4-FFF2-40B4-BE49-F238E27FC236}">
+                <a16:creationId xmlns:a16="http://schemas.microsoft.com/office/drawing/2014/main" id="{2361F181-1178-4E40-A75C-B719B63FCF73}"/>
+              </a:ext>
+            </a:extLst>
+          </p:cNvPr>
+          <p:cNvSpPr>
+            <a:spLocks noGrp="1"/>
+          </p:cNvSpPr>
+          <p:nvPr>
+            <p:ph type="pic" idx="1"/>
+          </p:nvPr>
+        </p:nvSpPr>
+        <p:spPr>
+          <a:xfrm>
+            <a:off x="5183188" y="987425"/>
+            <a:ext cx="6172200" cy="4873625"/>
+          </a:xfrm>
+        </p:spPr>
+        <p:txBody>
+          <a:bodyPr/>
+          <a:lstStyle>
+            <a:lvl1pPr marL="0" indent="0">
+              <a:buNone/>
+              <a:defRPr sz="3200"/>
+            </a:lvl1pPr>
+            <a:lvl2pPr marL="457200" indent="0">
+              <a:buNone/>
+              <a:defRPr sz="2800"/>
+            </a:lvl2pPr>
+            <a:lvl3pPr marL="914400" indent="0">
+              <a:buNone/>
+              <a:defRPr sz="2400"/>
+            </a:lvl3pPr>
+            <a:lvl4pPr marL="1371600" indent="0">
+              <a:buNone/>
+              <a:defRPr sz="2000"/>
+            </a:lvl4pPr>
+            <a:lvl5pPr marL="1828800" indent="0">
+              <a:buNone/>
+              <a:defRPr sz="2000"/>
+            </a:lvl5pPr>
+            <a:lvl6pPr marL="2286000" indent="0">
+              <a:buNone/>
+              <a:defRPr sz="2000"/>
+            </a:lvl6pPr>
+            <a:lvl7pPr marL="2743200" indent="0">
+              <a:buNone/>
+              <a:defRPr sz="2000"/>
+            </a:lvl7pPr>
+            <a:lvl8pPr marL="3200400" indent="0">
+              <a:buNone/>
+              <a:defRPr sz="2000"/>
+            </a:lvl8pPr>
+            <a:lvl9pPr marL="3657600" indent="0">
+              <a:buNone/>
+              <a:defRPr sz="2000"/>
+            </a:lvl9pPr>
+          </a:lstStyle>
+          <a:p>
+            <a:endParaRPr lang="en-US"/>
+          </a:p>
+        </p:txBody>
+      </p:sp>
+      <p:sp>
+        <p:nvSpPr>
+          <p:cNvPr id="4" name="Text Placeholder 3">
+            <a:extLst>
+              <a:ext uri="{FF2B5EF4-FFF2-40B4-BE49-F238E27FC236}">
+                <a16:creationId xmlns:a16="http://schemas.microsoft.com/office/drawing/2014/main" id="{8AE7ECCB-E360-4D58-94DF-86C7CD2F5684}"/>
+              </a:ext>
+            </a:extLst>
+          </p:cNvPr>
+          <p:cNvSpPr>
+            <a:spLocks noGrp="1"/>
+          </p:cNvSpPr>
+          <p:nvPr>
+            <p:ph type="body" sz="half" idx="2"/>
+          </p:nvPr>
+        </p:nvSpPr>
+        <p:spPr>
+          <a:xfrm>
+            <a:off x="839788" y="2057400"/>
+            <a:ext cx="3932237" cy="3811588"/>
+          </a:xfrm>
+        </p:spPr>
+        <p:txBody>
+          <a:bodyPr/>
+          <a:lstStyle>
+            <a:lvl1pPr marL="0" indent="0">
+              <a:buNone/>
+              <a:defRPr sz="1600"/>
+            </a:lvl1pPr>
+            <a:lvl2pPr marL="457200" indent="0">
+              <a:buNone/>
+              <a:defRPr sz="1400"/>
+            </a:lvl2pPr>
+            <a:lvl3pPr marL="914400" indent="0">
+              <a:buNone/>
+              <a:defRPr sz="1200"/>
+            </a:lvl3pPr>
+            <a:lvl4pPr marL="1371600" indent="0">
+              <a:buNone/>
+              <a:defRPr sz="1000"/>
+            </a:lvl4pPr>
+            <a:lvl5pPr marL="1828800" indent="0">
+              <a:buNone/>
+              <a:defRPr sz="1000"/>
+            </a:lvl5pPr>
+            <a:lvl6pPr marL="2286000" indent="0">
+              <a:buNone/>
+              <a:defRPr sz="1000"/>
+            </a:lvl6pPr>
+            <a:lvl7pPr marL="2743200" indent="0">
+              <a:buNone/>
+              <a:defRPr sz="1000"/>
+            </a:lvl7pPr>
+            <a:lvl8pPr marL="3200400" indent="0">
+              <a:buNone/>
+              <a:defRPr sz="1000"/>
+            </a:lvl8pPr>
+            <a:lvl9pPr marL="3657600" indent="0">
+              <a:buNone/>
+              <a:defRPr sz="1000"/>
+            </a:lvl9pPr>
+          </a:lstStyle>
+          <a:p>
+            <a:pPr lvl="0"/>
+            <a:r>
+              <a:rPr lang="en-US"/>
+              <a:t>Click to edit Master text styles</a:t>
+            </a:r>
+          </a:p>
+        </p:txBody>
+      </p:sp>
+      <p:sp>
+        <p:nvSpPr>
+          <p:cNvPr id="5" name="Date Placeholder 4">
+            <a:extLst>
+              <a:ext uri="{FF2B5EF4-FFF2-40B4-BE49-F238E27FC236}">
+                <a16:creationId xmlns:a16="http://schemas.microsoft.com/office/drawing/2014/main" id="{ABFEE8E3-585D-460C-B71E-D020EE904C77}"/>
+              </a:ext>
+            </a:extLst>
+          </p:cNvPr>
+          <p:cNvSpPr>
+            <a:spLocks noGrp="1"/>
+          </p:cNvSpPr>
+          <p:nvPr>
+            <p:ph type="dt" sz="half" idx="10"/>
+          </p:nvPr>
+        </p:nvSpPr>
+        <p:spPr/>
+        <p:txBody>
+          <a:bodyPr/>
+          <a:lstStyle/>
+          <a:p>
+            <a:fld id="{4744E560-77BF-4D1A-B6E7-CD55CE12B1B8}" type="datetimeFigureOut">
+              <a:rPr lang="en-US" smtClean="0"/>
+              <a:t>9/3/2020</a:t>
+            </a:fld>
+            <a:endParaRPr lang="en-US"/>
+          </a:p>
+        </p:txBody>
+      </p:sp>
+      <p:sp>
+        <p:nvSpPr>
+          <p:cNvPr id="6" name="Footer Placeholder 5">
+            <a:extLst>
+              <a:ext uri="{FF2B5EF4-FFF2-40B4-BE49-F238E27FC236}">
+                <a16:creationId xmlns:a16="http://schemas.microsoft.com/office/drawing/2014/main" id="{F71AC853-7A27-4530-97F1-FD028DFC954E}"/>
+              </a:ext>
+            </a:extLst>
+          </p:cNvPr>
+          <p:cNvSpPr>
+            <a:spLocks noGrp="1"/>
+          </p:cNvSpPr>
+          <p:nvPr>
+            <p:ph type="ftr" sz="quarter" idx="11"/>
+          </p:nvPr>
+        </p:nvSpPr>
+        <p:spPr/>
+        <p:txBody>
+          <a:bodyPr/>
+          <a:lstStyle/>
+          <a:p>
+            <a:endParaRPr lang="en-US"/>
+          </a:p>
+        </p:txBody>
+      </p:sp>
+      <p:sp>
+        <p:nvSpPr>
+          <p:cNvPr id="7" name="Slide Number Placeholder 6">
+            <a:extLst>
+              <a:ext uri="{FF2B5EF4-FFF2-40B4-BE49-F238E27FC236}">
+                <a16:creationId xmlns:a16="http://schemas.microsoft.com/office/drawing/2014/main" id="{7C5C6E6D-0F99-44C8-A21B-9D40A4E27286}"/>
+              </a:ext>
+            </a:extLst>
+          </p:cNvPr>
+          <p:cNvSpPr>
+            <a:spLocks noGrp="1"/>
+          </p:cNvSpPr>
+          <p:nvPr>
+            <p:ph type="sldNum" sz="quarter" idx="12"/>
+          </p:nvPr>
+        </p:nvSpPr>
+        <p:spPr/>
+        <p:txBody>
+          <a:bodyPr/>
+          <a:lstStyle/>
+          <a:p>
+            <a:fld id="{3359379A-16E2-4C4A-96D0-A52C442257E7}" type="slidenum">
+              <a:rPr lang="en-US" smtClean="0"/>
+              <a:t>‹#›</a:t>
+            </a:fld>
+            <a:endParaRPr lang="en-US"/>
+          </a:p>
+        </p:txBody>
+      </p:sp>
+    </p:spTree>
+    <p:extLst>
+      <p:ext uri="{BB962C8B-B14F-4D97-AF65-F5344CB8AC3E}">
+        <p14:creationId xmlns:p14="http://schemas.microsoft.com/office/powerpoint/2010/main" val="4079737570"/>
+      </p:ext>
+    </p:extLst>
+  </p:cSld>
+  <p:clrMapOvr>
+    <a:masterClrMapping/>
+  </p:clrMapOvr>
+</p:sldLayout>
+</file>
+
+<file path=ppt/slideMasters/slideMaster1.xml><?xml version="1.0" encoding="utf-8"?>
+<p:sldMaster xmlns:a="http://schemas.openxmlformats.org/drawingml/2006/main" xmlns:r="http://schemas.openxmlformats.org/officeDocument/2006/relationships" xmlns:p="http://schemas.openxmlformats.org/presentationml/2006/main">
+  <p:cSld>
+    <p:bg>
+      <p:bgRef idx="1001">
+        <a:schemeClr val="bg1"/>
+      </p:bgRef>
+    </p:bg>
+    <p:spTree>
+      <p:nvGrpSpPr>
+        <p:cNvPr id="1" name=""/>
+        <p:cNvGrpSpPr/>
+        <p:nvPr/>
+      </p:nvGrpSpPr>
+      <p:grpSpPr>
+        <a:xfrm>
+          <a:off x="0" y="0"/>
+          <a:ext cx="0" cy="0"/>
+          <a:chOff x="0" y="0"/>
+          <a:chExt cx="0" cy="0"/>
+        </a:xfrm>
+      </p:grpSpPr>
+      <p:sp>
+        <p:nvSpPr>
+          <p:cNvPr id="2" name="Title Placeholder 1">
+            <a:extLst>
+              <a:ext uri="{FF2B5EF4-FFF2-40B4-BE49-F238E27FC236}">
+                <a16:creationId xmlns:a16="http://schemas.microsoft.com/office/drawing/2014/main" id="{267AF90F-16AC-4CDB-8892-C19D71090288}"/>
+              </a:ext>
+            </a:extLst>
+          </p:cNvPr>
+          <p:cNvSpPr>
+            <a:spLocks noGrp="1"/>
+          </p:cNvSpPr>
+          <p:nvPr>
+            <p:ph type="title"/>
+          </p:nvPr>
+        </p:nvSpPr>
+        <p:spPr>
+          <a:xfrm>
+            <a:off x="838200" y="365125"/>
+            <a:ext cx="10515600" cy="1325563"/>
+          </a:xfrm>
+          <a:prstGeom prst="rect">
+            <a:avLst/>
+          </a:prstGeom>
+        </p:spPr>
+        <p:txBody>
+          <a:bodyPr vert="horz" lIns="91440" tIns="45720" rIns="91440" bIns="45720" rtlCol="0" anchor="ctr">
+            <a:normAutofit/>
+          </a:bodyPr>
+          <a:lstStyle/>
+          <a:p>
+            <a:r>
+              <a:rPr lang="en-US"/>
+              <a:t>Click to edit Master title style</a:t>
+            </a:r>
+          </a:p>
+        </p:txBody>
+      </p:sp>
+      <p:sp>
+        <p:nvSpPr>
+          <p:cNvPr id="3" name="Text Placeholder 2">
+            <a:extLst>
+              <a:ext uri="{FF2B5EF4-FFF2-40B4-BE49-F238E27FC236}">
+                <a16:creationId xmlns:a16="http://schemas.microsoft.com/office/drawing/2014/main" id="{7AB30DAF-6F3E-4C21-A8E9-2EC24B848AC5}"/>
+              </a:ext>
+            </a:extLst>
+          </p:cNvPr>
+          <p:cNvSpPr>
+            <a:spLocks noGrp="1"/>
+          </p:cNvSpPr>
+          <p:nvPr>
+            <p:ph type="body" idx="1"/>
+          </p:nvPr>
+        </p:nvSpPr>
+        <p:spPr>
+          <a:xfrm>
+            <a:off x="838200" y="1825625"/>
+            <a:ext cx="10515600" cy="4351338"/>
+          </a:xfrm>
+          <a:prstGeom prst="rect">
+            <a:avLst/>
+          </a:prstGeom>
+        </p:spPr>
+        <p:txBody>
+          <a:bodyPr vert="horz" lIns="91440" tIns="45720" rIns="91440" bIns="45720" rtlCol="0">
+            <a:normAutofit/>
+          </a:bodyPr>
+          <a:lstStyle/>
+          <a:p>
+            <a:pPr lvl="0"/>
+            <a:r>
+              <a:rPr lang="en-US"/>
+              <a:t>Click to edit Master text styles</a:t>
+            </a:r>
+          </a:p>
+          <a:p>
+            <a:pPr lvl="1"/>
+            <a:r>
+              <a:rPr lang="en-US"/>
+              <a:t>Second level</a:t>
+            </a:r>
+          </a:p>
+          <a:p>
+            <a:pPr lvl="2"/>
+            <a:r>
+              <a:rPr lang="en-US"/>
+              <a:t>Third level</a:t>
+            </a:r>
+          </a:p>
+          <a:p>
+            <a:pPr lvl="3"/>
+            <a:r>
+              <a:rPr lang="en-US"/>
+              <a:t>Fourth level</a:t>
+            </a:r>
+          </a:p>
+          <a:p>
+            <a:pPr lvl="4"/>
+            <a:r>
+              <a:rPr lang="en-US"/>
+              <a:t>Fifth level</a:t>
+            </a:r>
+          </a:p>
+        </p:txBody>
+      </p:sp>
+      <p:sp>
+        <p:nvSpPr>
+          <p:cNvPr id="4" name="Date Placeholder 3">
+            <a:extLst>
+              <a:ext uri="{FF2B5EF4-FFF2-40B4-BE49-F238E27FC236}">
+                <a16:creationId xmlns:a16="http://schemas.microsoft.com/office/drawing/2014/main" id="{B15B5C68-A8FF-4666-A987-C3DB605495B7}"/>
+              </a:ext>
+            </a:extLst>
+          </p:cNvPr>
+          <p:cNvSpPr>
+            <a:spLocks noGrp="1"/>
+          </p:cNvSpPr>
+          <p:nvPr>
+            <p:ph type="dt" sz="half" idx="2"/>
+          </p:nvPr>
+        </p:nvSpPr>
+        <p:spPr>
+          <a:xfrm>
+            <a:off x="838200" y="6356350"/>
+            <a:ext cx="2743200" cy="365125"/>
+          </a:xfrm>
+          <a:prstGeom prst="rect">
+            <a:avLst/>
+          </a:prstGeom>
+        </p:spPr>
+        <p:txBody>
+          <a:bodyPr vert="horz" lIns="91440" tIns="45720" rIns="91440" bIns="45720" rtlCol="0" anchor="ctr"/>
+          <a:lstStyle>
+            <a:lvl1pPr algn="l">
+              <a:defRPr sz="1200">
+                <a:solidFill>
+                  <a:schemeClr val="tx1">
+                    <a:tint val="75000"/>
+                  </a:schemeClr>
+                </a:solidFill>
+              </a:defRPr>
+            </a:lvl1pPr>
+          </a:lstStyle>
+          <a:p>
+            <a:fld id="{4744E560-77BF-4D1A-B6E7-CD55CE12B1B8}" type="datetimeFigureOut">
+              <a:rPr lang="en-US" smtClean="0"/>
+              <a:t>9/3/2020</a:t>
+            </a:fld>
+            <a:endParaRPr lang="en-US"/>
+          </a:p>
+        </p:txBody>
+      </p:sp>
+      <p:sp>
+        <p:nvSpPr>
+          <p:cNvPr id="5" name="Footer Placeholder 4">
+            <a:extLst>
+              <a:ext uri="{FF2B5EF4-FFF2-40B4-BE49-F238E27FC236}">
+                <a16:creationId xmlns:a16="http://schemas.microsoft.com/office/drawing/2014/main" id="{D8C814BC-A2A9-4BB5-BA92-70C0C03A37B6}"/>
+              </a:ext>
+            </a:extLst>
+          </p:cNvPr>
+          <p:cNvSpPr>
+            <a:spLocks noGrp="1"/>
+          </p:cNvSpPr>
+          <p:nvPr>
+            <p:ph type="ftr" sz="quarter" idx="3"/>
+          </p:nvPr>
+        </p:nvSpPr>
+        <p:spPr>
+          <a:xfrm>
+            <a:off x="4038600" y="6356350"/>
+            <a:ext cx="4114800" cy="365125"/>
+          </a:xfrm>
+          <a:prstGeom prst="rect">
+            <a:avLst/>
+          </a:prstGeom>
+        </p:spPr>
+        <p:txBody>
+          <a:bodyPr vert="horz" lIns="91440" tIns="45720" rIns="91440" bIns="45720" rtlCol="0" anchor="ctr"/>
+          <a:lstStyle>
+            <a:lvl1pPr algn="ctr">
+              <a:defRPr sz="1200">
+                <a:solidFill>
+                  <a:schemeClr val="tx1">
+                    <a:tint val="75000"/>
+                  </a:schemeClr>
+                </a:solidFill>
+              </a:defRPr>
+            </a:lvl1pPr>
+          </a:lstStyle>
+          <a:p>
+            <a:endParaRPr lang="en-US"/>
+          </a:p>
+        </p:txBody>
+      </p:sp>
+      <p:sp>
+        <p:nvSpPr>
+          <p:cNvPr id="6" name="Slide Number Placeholder 5">
+            <a:extLst>
+              <a:ext uri="{FF2B5EF4-FFF2-40B4-BE49-F238E27FC236}">
+                <a16:creationId xmlns:a16="http://schemas.microsoft.com/office/drawing/2014/main" id="{E32EF4BD-4EBF-48D4-92AF-F99223D7A2E8}"/>
+              </a:ext>
+            </a:extLst>
+          </p:cNvPr>
+          <p:cNvSpPr>
+            <a:spLocks noGrp="1"/>
+          </p:cNvSpPr>
+          <p:nvPr>
+            <p:ph type="sldNum" sz="quarter" idx="4"/>
+          </p:nvPr>
+        </p:nvSpPr>
+        <p:spPr>
+          <a:xfrm>
+            <a:off x="8610600" y="6356350"/>
+            <a:ext cx="2743200" cy="365125"/>
+          </a:xfrm>
+          <a:prstGeom prst="rect">
+            <a:avLst/>
+          </a:prstGeom>
+        </p:spPr>
+        <p:txBody>
+          <a:bodyPr vert="horz" lIns="91440" tIns="45720" rIns="91440" bIns="45720" rtlCol="0" anchor="ctr"/>
+          <a:lstStyle>
+            <a:lvl1pPr algn="r">
+              <a:defRPr sz="1200">
+                <a:solidFill>
+                  <a:schemeClr val="tx1">
+                    <a:tint val="75000"/>
+                  </a:schemeClr>
+                </a:solidFill>
+              </a:defRPr>
+            </a:lvl1pPr>
+          </a:lstStyle>
+          <a:p>
+            <a:fld id="{3359379A-16E2-4C4A-96D0-A52C442257E7}" type="slidenum">
+              <a:rPr lang="en-US" smtClean="0"/>
+              <a:t>‹#›</a:t>
+            </a:fld>
+            <a:endParaRPr lang="en-US"/>
+          </a:p>
+        </p:txBody>
+      </p:sp>
+      <p:sp>
+        <p:nvSpPr>
+          <p:cNvPr id="7" name="Rectangle 6">
+            <a:extLst>
+              <a:ext uri="{FF2B5EF4-FFF2-40B4-BE49-F238E27FC236}">
+                <a16:creationId xmlns:a16="http://schemas.microsoft.com/office/drawing/2014/main" id="{A03FE133-222E-4F44-8487-92E63ABE4C60}"/>
+              </a:ext>
+            </a:extLst>
+          </p:cNvPr>
+          <p:cNvSpPr/>
+          <p:nvPr userDrawn="1"/>
+        </p:nvSpPr>
+        <p:spPr>
+          <a:xfrm>
+            <a:off x="256032" y="265176"/>
+            <a:ext cx="11683049" cy="6332433"/>
+          </a:xfrm>
+          <a:prstGeom prst="rect">
+            <a:avLst/>
+          </a:prstGeom>
+          <a:solidFill>
+            <a:srgbClr val="F5F5F5"/>
+          </a:solidFill>
+          <a:ln>
+            <a:noFill/>
+          </a:ln>
+        </p:spPr>
+        <p:style>
+          <a:lnRef idx="2">
+            <a:schemeClr val="accent1">
+              <a:shade val="50000"/>
+            </a:schemeClr>
+          </a:lnRef>
+          <a:fillRef idx="1">
+            <a:schemeClr val="accent1"/>
+          </a:fillRef>
+          <a:effectRef idx="0">
+            <a:schemeClr val="accent1"/>
+          </a:effectRef>
+          <a:fontRef idx="minor">
+            <a:schemeClr val="lt1"/>
+          </a:fontRef>
+        </p:style>
+        <p:txBody>
+          <a:bodyPr rtlCol="0" anchor="b" anchorCtr="0"/>
+          <a:lstStyle/>
+          <a:p>
+            <a:pPr algn="ctr"/>
+            <a:endParaRPr lang="en-US" sz="1800" dirty="0"/>
+          </a:p>
+        </p:txBody>
+      </p:sp>
+      <p:cxnSp>
+        <p:nvCxnSpPr>
+          <p:cNvPr id="8" name="Straight Connector 7">
+            <a:extLst>
+              <a:ext uri="{FF2B5EF4-FFF2-40B4-BE49-F238E27FC236}">
+                <a16:creationId xmlns:a16="http://schemas.microsoft.com/office/drawing/2014/main" id="{0A77CF80-BFB2-4B2E-8081-4DCADFEBB659}"/>
+              </a:ext>
+            </a:extLst>
+          </p:cNvPr>
+          <p:cNvCxnSpPr/>
+          <p:nvPr userDrawn="1"/>
+        </p:nvCxnSpPr>
+        <p:spPr>
+          <a:xfrm>
+            <a:off x="604434" y="1196392"/>
+            <a:ext cx="10983132" cy="0"/>
+          </a:xfrm>
+          <a:prstGeom prst="line">
+            <a:avLst/>
+          </a:prstGeom>
+          <a:ln w="25400">
+            <a:solidFill>
+              <a:srgbClr val="D24726"/>
+            </a:solidFill>
+          </a:ln>
+        </p:spPr>
+        <p:style>
+          <a:lnRef idx="1">
+            <a:schemeClr val="accent1"/>
+          </a:lnRef>
+          <a:fillRef idx="0">
+            <a:schemeClr val="accent1"/>
+          </a:fillRef>
+          <a:effectRef idx="0">
+            <a:schemeClr val="accent1"/>
+          </a:effectRef>
+          <a:fontRef idx="minor">
+            <a:schemeClr val="tx1"/>
+          </a:fontRef>
+        </p:style>
+      </p:cxnSp>
+    </p:spTree>
+    <p:extLst>
+      <p:ext uri="{BB962C8B-B14F-4D97-AF65-F5344CB8AC3E}">
+        <p14:creationId xmlns:p14="http://schemas.microsoft.com/office/powerpoint/2010/main" val="2315934188"/>
       </p:ext>
     </p:extLst>
   </p:cSld>
   <p:clrMap bg1="lt1" tx1="dk1" bg2="lt2" tx2="dk2" accent1="accent1" accent2="accent2" accent3="accent3" accent4="accent4" accent5="accent5" accent6="accent6" hlink="hlink" folHlink="folHlink"/>
   <p:sldLayoutIdLst>
-    <p:sldLayoutId id="2147483649" r:id="rId1"/>
-    <p:sldLayoutId id="2147483650" r:id="rId2"/>
-    <p:sldLayoutId id="2147483663" r:id="rId3"/>
-    <p:sldLayoutId id="2147483652" r:id="rId4"/>
-    <p:sldLayoutId id="2147483660" r:id="rId5"/>
-    <p:sldLayoutId id="2147483662" r:id="rId6"/>
-    <p:sldLayoutId id="2147483661" r:id="rId7"/>
-    <p:sldLayoutId id="2147483655" r:id="rId8"/>
-    <p:sldLayoutId id="2147483664" r:id="rId9"/>
-    <p:sldLayoutId id="2147483665" r:id="rId10"/>
+    <p:sldLayoutId id="2147483667" r:id="rId1"/>
+    <p:sldLayoutId id="2147483668" r:id="rId2"/>
+    <p:sldLayoutId id="2147483669" r:id="rId3"/>
+    <p:sldLayoutId id="2147483670" r:id="rId4"/>
+    <p:sldLayoutId id="2147483671" r:id="rId5"/>
+    <p:sldLayoutId id="2147483672" r:id="rId6"/>
+    <p:sldLayoutId id="2147483673" r:id="rId7"/>
+    <p:sldLayoutId id="2147483674" r:id="rId8"/>
+    <p:sldLayoutId id="2147483675" r:id="rId9"/>
+    <p:sldLayoutId id="2147483676" r:id="rId10"/>
+    <p:sldLayoutId id="2147483677" r:id="rId11"/>
+    <p:sldLayoutId id="2147483678" r:id="rId12"/>
+    <p:sldLayoutId id="2147483679" r:id="rId13"/>
+    <p:sldLayoutId id="2147483650" r:id="rId14"/>
+    <p:sldLayoutId id="2147483663" r:id="rId15"/>
+    <p:sldLayoutId id="2147483652" r:id="rId16"/>
+    <p:sldLayoutId id="2147483660" r:id="rId17"/>
+    <p:sldLayoutId id="2147483662" r:id="rId18"/>
+    <p:sldLayoutId id="2147483661" r:id="rId19"/>
   </p:sldLayoutIdLst>
   <p:txStyles>
     <p:titleStyle>
@@ -2770,11 +5375,9 @@
           <a:spcPct val="0"/>
         </a:spcBef>
         <a:buNone/>
-        <a:defRPr lang="en-US" sz="2800" kern="1200">
+        <a:defRPr sz="4400" kern="1200">
           <a:solidFill>
-            <a:schemeClr val="bg2">
-              <a:lumMod val="25000"/>
-            </a:schemeClr>
+            <a:schemeClr val="tx1"/>
           </a:solidFill>
           <a:latin typeface="+mj-lt"/>
           <a:ea typeface="+mj-ea"/>
@@ -3080,13 +5683,16 @@
         </p:nvSpPr>
         <p:spPr/>
         <p:txBody>
-          <a:bodyPr/>
+          <a:bodyPr>
+            <a:normAutofit fontScale="90000"/>
+          </a:bodyPr>
           <a:lstStyle/>
           <a:p>
             <a:r>
-              <a:rPr lang="en-US" dirty="0"/>
+              <a:rPr lang="en-US"/>
               <a:t>Exploring the Economic Impact of Recessions in the last 100 Years</a:t>
             </a:r>
+            <a:endParaRPr lang="en-US" dirty="0"/>
           </a:p>
         </p:txBody>
       </p:sp>
@@ -3108,7 +5714,9 @@
         </p:nvSpPr>
         <p:spPr/>
         <p:txBody>
-          <a:bodyPr/>
+          <a:bodyPr>
+            <a:normAutofit lnSpcReduction="10000"/>
+          </a:bodyPr>
           <a:lstStyle/>
           <a:p>
             <a:r>
@@ -6441,7 +9049,7 @@
 </file>
 
 <file path=ppt/theme/theme1.xml><?xml version="1.0" encoding="utf-8"?>
-<a:theme xmlns:a="http://schemas.openxmlformats.org/drawingml/2006/main" name="Get Started with 3D">
+<a:theme xmlns:a="http://schemas.openxmlformats.org/drawingml/2006/main" name="Office Theme">
   <a:themeElements>
     <a:clrScheme name="Office">
       <a:dk1>
@@ -6481,16 +9089,110 @@
         <a:srgbClr val="954F72"/>
       </a:folHlink>
     </a:clrScheme>
-    <a:fontScheme name="Segoe UI">
+    <a:fontScheme name="Office">
       <a:majorFont>
-        <a:latin typeface="Segoe UI Light"/>
+        <a:latin typeface="Calibri Light" panose="020F0302020204030204"/>
         <a:ea typeface=""/>
         <a:cs typeface=""/>
+        <a:font script="Jpan" typeface="游ゴシック Light"/>
+        <a:font script="Hang" typeface="맑은 고딕"/>
+        <a:font script="Hans" typeface="等线 Light"/>
+        <a:font script="Hant" typeface="新細明體"/>
+        <a:font script="Arab" typeface="Times New Roman"/>
+        <a:font script="Hebr" typeface="Times New Roman"/>
+        <a:font script="Thai" typeface="Angsana New"/>
+        <a:font script="Ethi" typeface="Nyala"/>
+        <a:font script="Beng" typeface="Vrinda"/>
+        <a:font script="Gujr" typeface="Shruti"/>
+        <a:font script="Khmr" typeface="MoolBoran"/>
+        <a:font script="Knda" typeface="Tunga"/>
+        <a:font script="Guru" typeface="Raavi"/>
+        <a:font script="Cans" typeface="Euphemia"/>
+        <a:font script="Cher" typeface="Plantagenet Cherokee"/>
+        <a:font script="Yiii" typeface="Microsoft Yi Baiti"/>
+        <a:font script="Tibt" typeface="Microsoft Himalaya"/>
+        <a:font script="Thaa" typeface="MV Boli"/>
+        <a:font script="Deva" typeface="Mangal"/>
+        <a:font script="Telu" typeface="Gautami"/>
+        <a:font script="Taml" typeface="Latha"/>
+        <a:font script="Syrc" typeface="Estrangelo Edessa"/>
+        <a:font script="Orya" typeface="Kalinga"/>
+        <a:font script="Mlym" typeface="Kartika"/>
+        <a:font script="Laoo" typeface="DokChampa"/>
+        <a:font script="Sinh" typeface="Iskoola Pota"/>
+        <a:font script="Mong" typeface="Mongolian Baiti"/>
+        <a:font script="Viet" typeface="Times New Roman"/>
+        <a:font script="Uigh" typeface="Microsoft Uighur"/>
+        <a:font script="Geor" typeface="Sylfaen"/>
+        <a:font script="Armn" typeface="Arial"/>
+        <a:font script="Bugi" typeface="Leelawadee UI"/>
+        <a:font script="Bopo" typeface="Microsoft JhengHei"/>
+        <a:font script="Java" typeface="Javanese Text"/>
+        <a:font script="Lisu" typeface="Segoe UI"/>
+        <a:font script="Mymr" typeface="Myanmar Text"/>
+        <a:font script="Nkoo" typeface="Ebrima"/>
+        <a:font script="Olck" typeface="Nirmala UI"/>
+        <a:font script="Osma" typeface="Ebrima"/>
+        <a:font script="Phag" typeface="Phagspa"/>
+        <a:font script="Syrn" typeface="Estrangelo Edessa"/>
+        <a:font script="Syrj" typeface="Estrangelo Edessa"/>
+        <a:font script="Syre" typeface="Estrangelo Edessa"/>
+        <a:font script="Sora" typeface="Nirmala UI"/>
+        <a:font script="Tale" typeface="Microsoft Tai Le"/>
+        <a:font script="Talu" typeface="Microsoft New Tai Lue"/>
+        <a:font script="Tfng" typeface="Ebrima"/>
       </a:majorFont>
       <a:minorFont>
-        <a:latin typeface="Segoe UI"/>
+        <a:latin typeface="Calibri" panose="020F0502020204030204"/>
         <a:ea typeface=""/>
         <a:cs typeface=""/>
+        <a:font script="Jpan" typeface="游ゴシック"/>
+        <a:font script="Hang" typeface="맑은 고딕"/>
+        <a:font script="Hans" typeface="等线"/>
+        <a:font script="Hant" typeface="新細明體"/>
+        <a:font script="Arab" typeface="Arial"/>
+        <a:font script="Hebr" typeface="Arial"/>
+        <a:font script="Thai" typeface="Cordia New"/>
+        <a:font script="Ethi" typeface="Nyala"/>
+        <a:font script="Beng" typeface="Vrinda"/>
+        <a:font script="Gujr" typeface="Shruti"/>
+        <a:font script="Khmr" typeface="DaunPenh"/>
+        <a:font script="Knda" typeface="Tunga"/>
+        <a:font script="Guru" typeface="Raavi"/>
+        <a:font script="Cans" typeface="Euphemia"/>
+        <a:font script="Cher" typeface="Plantagenet Cherokee"/>
+        <a:font script="Yiii" typeface="Microsoft Yi Baiti"/>
+        <a:font script="Tibt" typeface="Microsoft Himalaya"/>
+        <a:font script="Thaa" typeface="MV Boli"/>
+        <a:font script="Deva" typeface="Mangal"/>
+        <a:font script="Telu" typeface="Gautami"/>
+        <a:font script="Taml" typeface="Latha"/>
+        <a:font script="Syrc" typeface="Estrangelo Edessa"/>
+        <a:font script="Orya" typeface="Kalinga"/>
+        <a:font script="Mlym" typeface="Kartika"/>
+        <a:font script="Laoo" typeface="DokChampa"/>
+        <a:font script="Sinh" typeface="Iskoola Pota"/>
+        <a:font script="Mong" typeface="Mongolian Baiti"/>
+        <a:font script="Viet" typeface="Arial"/>
+        <a:font script="Uigh" typeface="Microsoft Uighur"/>
+        <a:font script="Geor" typeface="Sylfaen"/>
+        <a:font script="Armn" typeface="Arial"/>
+        <a:font script="Bugi" typeface="Leelawadee UI"/>
+        <a:font script="Bopo" typeface="Microsoft JhengHei"/>
+        <a:font script="Java" typeface="Javanese Text"/>
+        <a:font script="Lisu" typeface="Segoe UI"/>
+        <a:font script="Mymr" typeface="Myanmar Text"/>
+        <a:font script="Nkoo" typeface="Ebrima"/>
+        <a:font script="Olck" typeface="Nirmala UI"/>
+        <a:font script="Osma" typeface="Ebrima"/>
+        <a:font script="Phag" typeface="Phagspa"/>
+        <a:font script="Syrn" typeface="Estrangelo Edessa"/>
+        <a:font script="Syrj" typeface="Estrangelo Edessa"/>
+        <a:font script="Syre" typeface="Estrangelo Edessa"/>
+        <a:font script="Sora" typeface="Nirmala UI"/>
+        <a:font script="Tale" typeface="Microsoft Tai Le"/>
+        <a:font script="Talu" typeface="Microsoft New Tai Lue"/>
+        <a:font script="Tfng" typeface="Ebrima"/>
       </a:minorFont>
     </a:fontScheme>
     <a:fmtScheme name="Office">
@@ -6631,39 +9333,11 @@
       </a:bgFillStyleLst>
     </a:fmtScheme>
   </a:themeElements>
-  <a:objectDefaults>
-    <a:txDef>
-      <a:spPr/>
-      <a:bodyPr vert="horz" lIns="91440" tIns="45720" rIns="91440" bIns="45720" rtlCol="0">
-        <a:noAutofit/>
-      </a:bodyPr>
-      <a:lstStyle>
-        <a:defPPr marL="0" indent="0" algn="l">
-          <a:lnSpc>
-            <a:spcPts val="1800"/>
-          </a:lnSpc>
-          <a:spcAft>
-            <a:spcPts val="600"/>
-          </a:spcAft>
-          <a:buNone/>
-          <a:defRPr sz="1200" dirty="0" smtClean="0">
-            <a:solidFill>
-              <a:prstClr val="black">
-                <a:lumMod val="75000"/>
-                <a:lumOff val="25000"/>
-              </a:prstClr>
-            </a:solidFill>
-            <a:latin typeface="Segoe UI" panose="020B0502040204020203" pitchFamily="34" charset="0"/>
-            <a:cs typeface="Segoe UI" panose="020B0502040204020203" pitchFamily="34" charset="0"/>
-          </a:defRPr>
-        </a:defPPr>
-      </a:lstStyle>
-    </a:txDef>
-  </a:objectDefaults>
+  <a:objectDefaults/>
   <a:extraClrSchemeLst/>
   <a:extLst>
     <a:ext uri="{05A4C25C-085E-4340-85A3-A5531E510DB2}">
-      <thm15:themeFamily xmlns:thm15="http://schemas.microsoft.com/office/thememl/2012/main" name="TF16411177_Bring your presentations to life with 3D_AAS_v3" id="{16D6C460-65F3-4DF8-AE87-56541C30C8AE}" vid="{B7832409-F369-484D-AD9D-1F570206E6E0}"/>
+      <thm15:themeFamily xmlns:thm15="http://schemas.microsoft.com/office/thememl/2012/main" name="Office Theme" id="{62F939B6-93AF-4DB8-9C6B-D6C7DFDC589F}" vid="{4A3C46E8-61CC-4603-A589-7422A47A8E4A}"/>
     </a:ext>
   </a:extLst>
 </a:theme>
@@ -6974,6 +9648,14 @@
 </file>
 
 <file path=customXml/item2.xml><?xml version="1.0" encoding="utf-8"?>
+<p:properties xmlns:p="http://schemas.microsoft.com/office/2006/metadata/properties" xmlns:xsi="http://www.w3.org/2001/XMLSchema-instance" xmlns:pc="http://schemas.microsoft.com/office/infopath/2007/PartnerControls">
+  <documentManagement>
+    <MediaServiceKeyPoints xmlns="71af3243-3dd4-4a8d-8c0d-dd76da1f02a5" xsi:nil="true"/>
+  </documentManagement>
+</p:properties>
+</file>
+
+<file path=customXml/item3.xml><?xml version="1.0" encoding="utf-8"?>
 <ct:contentTypeSchema xmlns:ct="http://schemas.microsoft.com/office/2006/metadata/contentType" xmlns:ma="http://schemas.microsoft.com/office/2006/metadata/properties/metaAttributes" ct:_="" ma:_="" ma:contentTypeName="Document" ma:contentTypeID="0x01010079F111ED35F8CC479449609E8A0923A6" ma:contentTypeVersion="11" ma:contentTypeDescription="Create a new document." ma:contentTypeScope="" ma:versionID="96291512c1ee715ab617f4c07df79fc1">
   <xsd:schema xmlns:xsd="http://www.w3.org/2001/XMLSchema" xmlns:xs="http://www.w3.org/2001/XMLSchema" xmlns:p="http://schemas.microsoft.com/office/2006/metadata/properties" xmlns:ns2="71af3243-3dd4-4a8d-8c0d-dd76da1f02a5" xmlns:ns3="16c05727-aa75-4e4a-9b5f-8a80a1165891" targetNamespace="http://schemas.microsoft.com/office/2006/metadata/properties" ma:root="true" ma:fieldsID="8256c27c40ca5c40ce1cf6c44f0205df" ns2:_="" ns3:_="">
     <xsd:import namespace="71af3243-3dd4-4a8d-8c0d-dd76da1f02a5"/>
@@ -7184,14 +9866,6 @@
 </ct:contentTypeSchema>
 </file>
 
-<file path=customXml/item3.xml><?xml version="1.0" encoding="utf-8"?>
-<p:properties xmlns:p="http://schemas.microsoft.com/office/2006/metadata/properties" xmlns:xsi="http://www.w3.org/2001/XMLSchema-instance" xmlns:pc="http://schemas.microsoft.com/office/infopath/2007/PartnerControls">
-  <documentManagement>
-    <MediaServiceKeyPoints xmlns="71af3243-3dd4-4a8d-8c0d-dd76da1f02a5" xsi:nil="true"/>
-  </documentManagement>
-</p:properties>
-</file>
-
 <file path=customXml/itemProps1.xml><?xml version="1.0" encoding="utf-8"?>
 <ds:datastoreItem xmlns:ds="http://schemas.openxmlformats.org/officeDocument/2006/customXml" ds:itemID="{F7126FF7-C1F4-4C68-B9E0-A1BEBFA97A78}">
   <ds:schemaRefs>
@@ -7201,6 +9875,23 @@
 </file>
 
 <file path=customXml/itemProps2.xml><?xml version="1.0" encoding="utf-8"?>
+<ds:datastoreItem xmlns:ds="http://schemas.openxmlformats.org/officeDocument/2006/customXml" ds:itemID="{C3774A73-0280-47B7-9E46-5069D2220801}">
+  <ds:schemaRefs>
+    <ds:schemaRef ds:uri="http://purl.org/dc/dcmitype/"/>
+    <ds:schemaRef ds:uri="http://schemas.openxmlformats.org/package/2006/metadata/core-properties"/>
+    <ds:schemaRef ds:uri="http://schemas.microsoft.com/office/infopath/2007/PartnerControls"/>
+    <ds:schemaRef ds:uri="http://schemas.microsoft.com/office/2006/metadata/properties"/>
+    <ds:schemaRef ds:uri="http://purl.org/dc/elements/1.1/"/>
+    <ds:schemaRef ds:uri="16c05727-aa75-4e4a-9b5f-8a80a1165891"/>
+    <ds:schemaRef ds:uri="71af3243-3dd4-4a8d-8c0d-dd76da1f02a5"/>
+    <ds:schemaRef ds:uri="http://schemas.microsoft.com/office/2006/documentManagement/types"/>
+    <ds:schemaRef ds:uri="http://www.w3.org/XML/1998/namespace"/>
+    <ds:schemaRef ds:uri="http://purl.org/dc/terms/"/>
+  </ds:schemaRefs>
+</ds:datastoreItem>
+</file>
+
+<file path=customXml/itemProps3.xml><?xml version="1.0" encoding="utf-8"?>
 <ds:datastoreItem xmlns:ds="http://schemas.openxmlformats.org/officeDocument/2006/customXml" ds:itemID="{406286C1-23B0-486D-BA90-391FEFBD898C}">
   <ds:schemaRefs>
     <ds:schemaRef ds:uri="http://schemas.microsoft.com/office/2006/metadata/contentType"/>
@@ -7217,21 +9908,4 @@
     <ds:schemaRef ds:uri="http://schemas.microsoft.com/internal/obd"/>
   </ds:schemaRefs>
 </ds:datastoreItem>
-</file>
-
-<file path=customXml/itemProps3.xml><?xml version="1.0" encoding="utf-8"?>
-<ds:datastoreItem xmlns:ds="http://schemas.openxmlformats.org/officeDocument/2006/customXml" ds:itemID="{C3774A73-0280-47B7-9E46-5069D2220801}">
-  <ds:schemaRefs>
-    <ds:schemaRef ds:uri="http://purl.org/dc/dcmitype/"/>
-    <ds:schemaRef ds:uri="http://schemas.openxmlformats.org/package/2006/metadata/core-properties"/>
-    <ds:schemaRef ds:uri="http://schemas.microsoft.com/office/infopath/2007/PartnerControls"/>
-    <ds:schemaRef ds:uri="http://schemas.microsoft.com/office/2006/metadata/properties"/>
-    <ds:schemaRef ds:uri="http://purl.org/dc/elements/1.1/"/>
-    <ds:schemaRef ds:uri="16c05727-aa75-4e4a-9b5f-8a80a1165891"/>
-    <ds:schemaRef ds:uri="71af3243-3dd4-4a8d-8c0d-dd76da1f02a5"/>
-    <ds:schemaRef ds:uri="http://schemas.microsoft.com/office/2006/documentManagement/types"/>
-    <ds:schemaRef ds:uri="http://www.w3.org/XML/1998/namespace"/>
-    <ds:schemaRef ds:uri="http://purl.org/dc/terms/"/>
-  </ds:schemaRefs>
-</ds:datastoreItem>
 </file>